--- a/Phase 2 Project_Group 5.pptx
+++ b/Phase 2 Project_Group 5.pptx
@@ -5,7 +5,7 @@
     <p:sldMasterId id="2147483676" r:id="rId1"/>
   </p:sldMasterIdLst>
   <p:notesMasterIdLst>
-    <p:notesMasterId r:id="rId17"/>
+    <p:notesMasterId r:id="rId19"/>
   </p:notesMasterIdLst>
   <p:sldIdLst>
     <p:sldId id="259" r:id="rId2"/>
@@ -19,10 +19,12 @@
     <p:sldId id="268" r:id="rId10"/>
     <p:sldId id="273" r:id="rId11"/>
     <p:sldId id="265" r:id="rId12"/>
-    <p:sldId id="277" r:id="rId13"/>
-    <p:sldId id="266" r:id="rId14"/>
-    <p:sldId id="264" r:id="rId15"/>
-    <p:sldId id="272" r:id="rId16"/>
+    <p:sldId id="279" r:id="rId13"/>
+    <p:sldId id="277" r:id="rId14"/>
+    <p:sldId id="278" r:id="rId15"/>
+    <p:sldId id="266" r:id="rId16"/>
+    <p:sldId id="264" r:id="rId17"/>
+    <p:sldId id="272" r:id="rId18"/>
   </p:sldIdLst>
   <p:sldSz cx="12192000" cy="6858000"/>
   <p:notesSz cx="6858000" cy="9144000"/>
@@ -129,411 +131,6 @@
 </p:presentation>
 </file>
 
-<file path=ppt/charts/chart1.xml><?xml version="1.0" encoding="utf-8"?>
-<c:chartSpace xmlns:c="http://schemas.openxmlformats.org/drawingml/2006/chart" xmlns:a="http://schemas.openxmlformats.org/drawingml/2006/main" xmlns:r="http://schemas.openxmlformats.org/officeDocument/2006/relationships" xmlns:c16r2="http://schemas.microsoft.com/office/drawing/2015/06/chart">
-  <c:date1904 val="0"/>
-  <c:lang val="en-US"/>
-  <c:roundedCorners val="1"/>
-  <c:style val="2"/>
-  <c:chart>
-    <c:autoTitleDeleted val="1"/>
-    <c:plotArea>
-      <c:layout/>
-      <c:doughnutChart>
-        <c:varyColors val="1"/>
-        <c:ser>
-          <c:idx val="0"/>
-          <c:order val="0"/>
-          <c:tx>
-            <c:strRef>
-              <c:f>Sheet1!$B$1</c:f>
-              <c:strCache>
-                <c:ptCount val="1"/>
-              </c:strCache>
-            </c:strRef>
-          </c:tx>
-          <c:spPr>
-            <a:solidFill>
-              <a:schemeClr val="accent1"/>
-            </a:solidFill>
-            <a:ln w="9525" cap="flat">
-              <a:solidFill>
-                <a:srgbClr val="F9F9F9"/>
-              </a:solidFill>
-              <a:prstDash val="solid"/>
-              <a:round/>
-            </a:ln>
-            <a:effectLst/>
-          </c:spPr>
-          <c:dPt>
-            <c:idx val="0"/>
-            <c:bubble3D val="0"/>
-            <c:spPr>
-              <a:solidFill>
-                <a:srgbClr val="000000"/>
-              </a:solidFill>
-              <a:effectLst/>
-            </c:spPr>
-            <c:extLst>
-              <c:ext xmlns:c16="http://schemas.microsoft.com/office/drawing/2014/chart" uri="{C3380CC4-5D6E-409C-BE32-E72D297353CC}">
-                <c16:uniqueId val="{00000001-A586-4FC0-8A6D-639C15FF0AB3}"/>
-              </c:ext>
-            </c:extLst>
-          </c:dPt>
-          <c:dPt>
-            <c:idx val="1"/>
-            <c:bubble3D val="0"/>
-            <c:spPr>
-              <a:solidFill>
-                <a:srgbClr val="0958F7"/>
-              </a:solidFill>
-              <a:effectLst/>
-            </c:spPr>
-            <c:extLst>
-              <c:ext xmlns:c16="http://schemas.microsoft.com/office/drawing/2014/chart" uri="{C3380CC4-5D6E-409C-BE32-E72D297353CC}">
-                <c16:uniqueId val="{00000003-A586-4FC0-8A6D-639C15FF0AB3}"/>
-              </c:ext>
-            </c:extLst>
-          </c:dPt>
-          <c:cat>
-            <c:strRef>
-              <c:f>Sheet1!$A$2:$A$3</c:f>
-              <c:strCache>
-                <c:ptCount val="2"/>
-                <c:pt idx="0">
-                  <c:v>High Budget Films</c:v>
-                </c:pt>
-              </c:strCache>
-            </c:strRef>
-          </c:cat>
-          <c:val>
-            <c:numRef>
-              <c:f>Sheet1!$B$2:$B$3</c:f>
-              <c:numCache>
-                <c:formatCode>General</c:formatCode>
-                <c:ptCount val="2"/>
-                <c:pt idx="0">
-                  <c:v>0.45</c:v>
-                </c:pt>
-                <c:pt idx="1">
-                  <c:v>0.55000000000000004</c:v>
-                </c:pt>
-              </c:numCache>
-            </c:numRef>
-          </c:val>
-          <c:extLst>
-            <c:ext xmlns:c16="http://schemas.microsoft.com/office/drawing/2014/chart" uri="{C3380CC4-5D6E-409C-BE32-E72D297353CC}">
-              <c16:uniqueId val="{00000004-A586-4FC0-8A6D-639C15FF0AB3}"/>
-            </c:ext>
-          </c:extLst>
-        </c:ser>
-        <c:dLbls>
-          <c:showLegendKey val="0"/>
-          <c:showVal val="0"/>
-          <c:showCatName val="0"/>
-          <c:showSerName val="0"/>
-          <c:showPercent val="0"/>
-          <c:showBubbleSize val="0"/>
-          <c:showLeaderLines val="0"/>
-        </c:dLbls>
-        <c:firstSliceAng val="0"/>
-        <c:holeSize val="90"/>
-      </c:doughnutChart>
-      <c:spPr>
-        <a:noFill/>
-        <a:ln>
-          <a:noFill/>
-        </a:ln>
-        <a:effectLst/>
-      </c:spPr>
-    </c:plotArea>
-    <c:plotVisOnly val="1"/>
-    <c:dispBlanksAs val="span"/>
-    <c:showDLblsOverMax val="1"/>
-  </c:chart>
-  <c:spPr>
-    <a:noFill/>
-    <a:ln>
-      <a:noFill/>
-    </a:ln>
-    <a:effectLst/>
-  </c:spPr>
-  <c:externalData r:id="rId1">
-    <c:autoUpdate val="0"/>
-  </c:externalData>
-</c:chartSpace>
-</file>
-
-<file path=ppt/charts/chart2.xml><?xml version="1.0" encoding="utf-8"?>
-<c:chartSpace xmlns:c="http://schemas.openxmlformats.org/drawingml/2006/chart" xmlns:a="http://schemas.openxmlformats.org/drawingml/2006/main" xmlns:r="http://schemas.openxmlformats.org/officeDocument/2006/relationships" xmlns:c16r2="http://schemas.microsoft.com/office/drawing/2015/06/chart">
-  <c:date1904 val="0"/>
-  <c:lang val="en-US"/>
-  <c:roundedCorners val="1"/>
-  <c:style val="2"/>
-  <c:chart>
-    <c:autoTitleDeleted val="1"/>
-    <c:plotArea>
-      <c:layout/>
-      <c:doughnutChart>
-        <c:varyColors val="1"/>
-        <c:ser>
-          <c:idx val="0"/>
-          <c:order val="0"/>
-          <c:tx>
-            <c:strRef>
-              <c:f>Sheet1!$B$1</c:f>
-              <c:strCache>
-                <c:ptCount val="1"/>
-              </c:strCache>
-            </c:strRef>
-          </c:tx>
-          <c:spPr>
-            <a:solidFill>
-              <a:schemeClr val="accent1"/>
-            </a:solidFill>
-            <a:ln w="9525" cap="flat">
-              <a:solidFill>
-                <a:srgbClr val="F9F9F9"/>
-              </a:solidFill>
-              <a:prstDash val="solid"/>
-              <a:round/>
-            </a:ln>
-            <a:effectLst/>
-          </c:spPr>
-          <c:dPt>
-            <c:idx val="0"/>
-            <c:bubble3D val="0"/>
-            <c:spPr>
-              <a:solidFill>
-                <a:srgbClr val="000000"/>
-              </a:solidFill>
-              <a:effectLst/>
-            </c:spPr>
-            <c:extLst>
-              <c:ext xmlns:c16="http://schemas.microsoft.com/office/drawing/2014/chart" uri="{C3380CC4-5D6E-409C-BE32-E72D297353CC}">
-                <c16:uniqueId val="{00000001-341E-4582-80DD-39CFB8BA7543}"/>
-              </c:ext>
-            </c:extLst>
-          </c:dPt>
-          <c:dPt>
-            <c:idx val="1"/>
-            <c:bubble3D val="0"/>
-            <c:spPr>
-              <a:solidFill>
-                <a:srgbClr val="0958F7"/>
-              </a:solidFill>
-              <a:effectLst/>
-            </c:spPr>
-            <c:extLst>
-              <c:ext xmlns:c16="http://schemas.microsoft.com/office/drawing/2014/chart" uri="{C3380CC4-5D6E-409C-BE32-E72D297353CC}">
-                <c16:uniqueId val="{00000003-341E-4582-80DD-39CFB8BA7543}"/>
-              </c:ext>
-            </c:extLst>
-          </c:dPt>
-          <c:cat>
-            <c:strRef>
-              <c:f>Sheet1!$A$2:$A$3</c:f>
-              <c:strCache>
-                <c:ptCount val="2"/>
-                <c:pt idx="0">
-                  <c:v>Mid-Range Budget Films</c:v>
-                </c:pt>
-              </c:strCache>
-            </c:strRef>
-          </c:cat>
-          <c:val>
-            <c:numRef>
-              <c:f>Sheet1!$B$2:$B$3</c:f>
-              <c:numCache>
-                <c:formatCode>General</c:formatCode>
-                <c:ptCount val="2"/>
-                <c:pt idx="0">
-                  <c:v>0.3</c:v>
-                </c:pt>
-                <c:pt idx="1">
-                  <c:v>0.7</c:v>
-                </c:pt>
-              </c:numCache>
-            </c:numRef>
-          </c:val>
-          <c:extLst>
-            <c:ext xmlns:c16="http://schemas.microsoft.com/office/drawing/2014/chart" uri="{C3380CC4-5D6E-409C-BE32-E72D297353CC}">
-              <c16:uniqueId val="{00000004-341E-4582-80DD-39CFB8BA7543}"/>
-            </c:ext>
-          </c:extLst>
-        </c:ser>
-        <c:dLbls>
-          <c:showLegendKey val="0"/>
-          <c:showVal val="0"/>
-          <c:showCatName val="0"/>
-          <c:showSerName val="0"/>
-          <c:showPercent val="0"/>
-          <c:showBubbleSize val="0"/>
-          <c:showLeaderLines val="0"/>
-        </c:dLbls>
-        <c:firstSliceAng val="0"/>
-        <c:holeSize val="90"/>
-      </c:doughnutChart>
-      <c:spPr>
-        <a:noFill/>
-        <a:ln>
-          <a:noFill/>
-        </a:ln>
-        <a:effectLst/>
-      </c:spPr>
-    </c:plotArea>
-    <c:plotVisOnly val="1"/>
-    <c:dispBlanksAs val="span"/>
-    <c:showDLblsOverMax val="1"/>
-  </c:chart>
-  <c:spPr>
-    <a:noFill/>
-    <a:ln>
-      <a:noFill/>
-    </a:ln>
-    <a:effectLst/>
-  </c:spPr>
-  <c:externalData r:id="rId1">
-    <c:autoUpdate val="0"/>
-  </c:externalData>
-</c:chartSpace>
-</file>
-
-<file path=ppt/charts/chart3.xml><?xml version="1.0" encoding="utf-8"?>
-<c:chartSpace xmlns:c="http://schemas.openxmlformats.org/drawingml/2006/chart" xmlns:a="http://schemas.openxmlformats.org/drawingml/2006/main" xmlns:r="http://schemas.openxmlformats.org/officeDocument/2006/relationships" xmlns:c16r2="http://schemas.microsoft.com/office/drawing/2015/06/chart">
-  <c:date1904 val="0"/>
-  <c:lang val="en-US"/>
-  <c:roundedCorners val="1"/>
-  <c:style val="2"/>
-  <c:chart>
-    <c:autoTitleDeleted val="1"/>
-    <c:plotArea>
-      <c:layout/>
-      <c:doughnutChart>
-        <c:varyColors val="1"/>
-        <c:ser>
-          <c:idx val="0"/>
-          <c:order val="0"/>
-          <c:tx>
-            <c:strRef>
-              <c:f>Sheet1!$B$1</c:f>
-              <c:strCache>
-                <c:ptCount val="1"/>
-              </c:strCache>
-            </c:strRef>
-          </c:tx>
-          <c:spPr>
-            <a:solidFill>
-              <a:schemeClr val="accent1"/>
-            </a:solidFill>
-            <a:ln w="9525" cap="flat">
-              <a:solidFill>
-                <a:srgbClr val="F9F9F9"/>
-              </a:solidFill>
-              <a:prstDash val="solid"/>
-              <a:round/>
-            </a:ln>
-            <a:effectLst/>
-          </c:spPr>
-          <c:dPt>
-            <c:idx val="0"/>
-            <c:bubble3D val="0"/>
-            <c:spPr>
-              <a:solidFill>
-                <a:srgbClr val="000000"/>
-              </a:solidFill>
-              <a:effectLst/>
-            </c:spPr>
-            <c:extLst>
-              <c:ext xmlns:c16="http://schemas.microsoft.com/office/drawing/2014/chart" uri="{C3380CC4-5D6E-409C-BE32-E72D297353CC}">
-                <c16:uniqueId val="{00000001-BD1B-4346-B6D0-ED46141E6266}"/>
-              </c:ext>
-            </c:extLst>
-          </c:dPt>
-          <c:dPt>
-            <c:idx val="1"/>
-            <c:bubble3D val="0"/>
-            <c:spPr>
-              <a:solidFill>
-                <a:srgbClr val="0958F7"/>
-              </a:solidFill>
-              <a:effectLst/>
-            </c:spPr>
-            <c:extLst>
-              <c:ext xmlns:c16="http://schemas.microsoft.com/office/drawing/2014/chart" uri="{C3380CC4-5D6E-409C-BE32-E72D297353CC}">
-                <c16:uniqueId val="{00000003-BD1B-4346-B6D0-ED46141E6266}"/>
-              </c:ext>
-            </c:extLst>
-          </c:dPt>
-          <c:cat>
-            <c:strRef>
-              <c:f>Sheet1!$A$2:$A$3</c:f>
-              <c:strCache>
-                <c:ptCount val="2"/>
-                <c:pt idx="0">
-                  <c:v>Low Budget Films</c:v>
-                </c:pt>
-              </c:strCache>
-            </c:strRef>
-          </c:cat>
-          <c:val>
-            <c:numRef>
-              <c:f>Sheet1!$B$2:$B$3</c:f>
-              <c:numCache>
-                <c:formatCode>General</c:formatCode>
-                <c:ptCount val="2"/>
-                <c:pt idx="0">
-                  <c:v>0.25</c:v>
-                </c:pt>
-                <c:pt idx="1">
-                  <c:v>0.75</c:v>
-                </c:pt>
-              </c:numCache>
-            </c:numRef>
-          </c:val>
-          <c:extLst>
-            <c:ext xmlns:c16="http://schemas.microsoft.com/office/drawing/2014/chart" uri="{C3380CC4-5D6E-409C-BE32-E72D297353CC}">
-              <c16:uniqueId val="{00000004-BD1B-4346-B6D0-ED46141E6266}"/>
-            </c:ext>
-          </c:extLst>
-        </c:ser>
-        <c:dLbls>
-          <c:showLegendKey val="0"/>
-          <c:showVal val="0"/>
-          <c:showCatName val="0"/>
-          <c:showSerName val="0"/>
-          <c:showPercent val="0"/>
-          <c:showBubbleSize val="0"/>
-          <c:showLeaderLines val="0"/>
-        </c:dLbls>
-        <c:firstSliceAng val="0"/>
-        <c:holeSize val="90"/>
-      </c:doughnutChart>
-      <c:spPr>
-        <a:noFill/>
-        <a:ln>
-          <a:noFill/>
-        </a:ln>
-        <a:effectLst/>
-      </c:spPr>
-    </c:plotArea>
-    <c:plotVisOnly val="1"/>
-    <c:dispBlanksAs val="span"/>
-    <c:showDLblsOverMax val="1"/>
-  </c:chart>
-  <c:spPr>
-    <a:noFill/>
-    <a:ln>
-      <a:noFill/>
-    </a:ln>
-    <a:effectLst/>
-  </c:spPr>
-  <c:externalData r:id="rId1">
-    <c:autoUpdate val="0"/>
-  </c:externalData>
-</c:chartSpace>
-</file>
-
 <file path=ppt/notesMasters/notesMaster1.xml><?xml version="1.0" encoding="utf-8"?>
 <p:notesMaster xmlns:a="http://schemas.openxmlformats.org/drawingml/2006/main" xmlns:r="http://schemas.openxmlformats.org/officeDocument/2006/relationships" xmlns:p="http://schemas.openxmlformats.org/presentationml/2006/main">
   <p:cSld>
@@ -616,7 +213,7 @@
           <a:p>
             <a:fld id="{9CBF0FB2-00C5-4D0D-B917-D7A1F6C5A1FE}" type="datetimeFigureOut">
               <a:rPr lang="en-US" smtClean="0"/>
-              <a:t>11/14/2024</a:t>
+              <a:t>11/15/2024</a:t>
             </a:fld>
             <a:endParaRPr lang="en-US"/>
           </a:p>
@@ -8294,6 +7891,40 @@
 <file path=ppt/slides/slide1.xml><?xml version="1.0" encoding="utf-8"?>
 <p:sld xmlns:a="http://schemas.openxmlformats.org/drawingml/2006/main" xmlns:r="http://schemas.openxmlformats.org/officeDocument/2006/relationships" xmlns:p="http://schemas.openxmlformats.org/presentationml/2006/main">
   <p:cSld>
+    <p:bg>
+      <p:bgPr>
+        <a:gradFill>
+          <a:gsLst>
+            <a:gs pos="0">
+              <a:schemeClr val="accent1">
+                <a:lumMod val="5000"/>
+                <a:lumOff val="95000"/>
+              </a:schemeClr>
+            </a:gs>
+            <a:gs pos="74000">
+              <a:schemeClr val="accent1">
+                <a:lumMod val="45000"/>
+                <a:lumOff val="55000"/>
+              </a:schemeClr>
+            </a:gs>
+            <a:gs pos="83000">
+              <a:schemeClr val="accent1">
+                <a:lumMod val="45000"/>
+                <a:lumOff val="55000"/>
+              </a:schemeClr>
+            </a:gs>
+            <a:gs pos="100000">
+              <a:schemeClr val="accent1">
+                <a:lumMod val="30000"/>
+                <a:lumOff val="70000"/>
+              </a:schemeClr>
+            </a:gs>
+          </a:gsLst>
+          <a:lin ang="5400000" scaled="1"/>
+        </a:gradFill>
+        <a:effectLst/>
+      </p:bgPr>
+    </p:bg>
     <p:spTree>
       <p:nvGrpSpPr>
         <p:cNvPr id="1" name=""/>
@@ -8338,7 +7969,7 @@
           <a:p>
             <a:r>
               <a:rPr lang="en-GB" sz="7500" dirty="0"/>
-              <a:t>BREAKING INTO FILM ANALYSIS</a:t>
+              <a:t>BREAKING INTO FILM</a:t>
             </a:r>
           </a:p>
         </p:txBody>
@@ -8672,7 +8303,7 @@
           <a:lstStyle/>
           <a:p>
             <a:r>
-              <a:rPr lang="en-US" dirty="0"/>
+              <a:rPr lang="en-US" sz="2000" dirty="0"/>
               <a:t>Film production technology has seen major improvements in digital cinematography and visual effects. These advancements help lower production costs while enabling complex storytelling through enhanced visuals.</a:t>
             </a:r>
           </a:p>
@@ -8700,8 +8331,8 @@
           <a:lstStyle/>
           <a:p>
             <a:r>
-              <a:rPr lang="en-US" dirty="0"/>
-              <a:t>EVOLVING FILM TECHNIQUES</a:t>
+              <a:rPr lang="en-US" sz="1800" dirty="0"/>
+              <a:t>Evolving Film Techniques</a:t>
             </a:r>
           </a:p>
         </p:txBody>
@@ -8805,12 +8436,7 @@
             <p:ph type="title"/>
           </p:nvPr>
         </p:nvSpPr>
-        <p:spPr>
-          <a:xfrm>
-            <a:off x="575734" y="286439"/>
-            <a:ext cx="10392833" cy="837281"/>
-          </a:xfrm>
-        </p:spPr>
+        <p:spPr/>
         <p:txBody>
           <a:bodyPr/>
           <a:lstStyle/>
@@ -8845,7 +8471,7 @@
           <a:p>
             <a:r>
               <a:rPr lang="en-ID"/>
-              <a:t>BREAKING INTO FILM</a:t>
+              <a:t>POPULARITY &amp; RATING</a:t>
             </a:r>
             <a:endParaRPr lang="en-ID" dirty="0"/>
           </a:p>
@@ -8872,84 +8498,46 @@
           <a:bodyPr/>
           <a:lstStyle/>
           <a:p>
-            <a:fld id="{CF6F24BE-8BEB-403A-BDCC-38E201D0662D}" type="slidenum">
-              <a:rPr lang="en-ID" smtClean="0"/>
-              <a:pPr/>
+            <a:r>
+              <a:rPr lang="en-ID"/>
               <a:t>11</a:t>
-            </a:fld>
-            <a:endParaRPr lang="en-ID"/>
-          </a:p>
-        </p:txBody>
-      </p:sp>
-      <p:sp>
-        <p:nvSpPr>
+            </a:r>
+          </a:p>
+        </p:txBody>
+      </p:sp>
+      <p:pic>
+        <p:nvPicPr>
           <p:cNvPr id="11" name="Picture Placeholder 10">
             <a:extLst>
               <a:ext uri="{FF2B5EF4-FFF2-40B4-BE49-F238E27FC236}">
-                <a16:creationId xmlns:a16="http://schemas.microsoft.com/office/drawing/2014/main" id="{A21B225D-FDC8-5A7A-349E-CB751767AF32}"/>
-              </a:ext>
-            </a:extLst>
-          </p:cNvPr>
-          <p:cNvSpPr>
-            <a:spLocks noGrp="1"/>
-          </p:cNvSpPr>
-          <p:nvPr>
-            <p:ph type="pic" sz="quarter" idx="14"/>
-          </p:nvPr>
-        </p:nvSpPr>
-        <p:spPr>
-          <a:xfrm>
-            <a:off x="575734" y="2919470"/>
-            <a:ext cx="3146103" cy="3436881"/>
-          </a:xfrm>
-        </p:spPr>
-      </p:sp>
-      <p:sp>
-        <p:nvSpPr>
-          <p:cNvPr id="12" name="Picture Placeholder 11">
-            <a:extLst>
-              <a:ext uri="{FF2B5EF4-FFF2-40B4-BE49-F238E27FC236}">
-                <a16:creationId xmlns:a16="http://schemas.microsoft.com/office/drawing/2014/main" id="{18B2C832-F93D-DCBA-E095-3EC94C42D9BB}"/>
-              </a:ext>
-            </a:extLst>
-          </p:cNvPr>
-          <p:cNvSpPr>
-            <a:spLocks noGrp="1"/>
-          </p:cNvSpPr>
-          <p:nvPr>
-            <p:ph type="pic" sz="quarter" idx="15"/>
-          </p:nvPr>
-        </p:nvSpPr>
-        <p:spPr>
-          <a:xfrm>
-            <a:off x="7869025" y="2919470"/>
-            <a:ext cx="3099541" cy="3436881"/>
-          </a:xfrm>
-        </p:spPr>
-      </p:sp>
-      <p:sp>
-        <p:nvSpPr>
-          <p:cNvPr id="13" name="Picture Placeholder 12">
-            <a:extLst>
-              <a:ext uri="{FF2B5EF4-FFF2-40B4-BE49-F238E27FC236}">
-                <a16:creationId xmlns:a16="http://schemas.microsoft.com/office/drawing/2014/main" id="{9E486190-9301-5F86-AC78-71FE5C5C0E3F}"/>
-              </a:ext>
-            </a:extLst>
-          </p:cNvPr>
-          <p:cNvSpPr>
-            <a:spLocks noGrp="1"/>
-          </p:cNvSpPr>
-          <p:nvPr>
-            <p:ph type="pic" sz="quarter" idx="16"/>
-          </p:nvPr>
-        </p:nvSpPr>
-        <p:spPr>
-          <a:xfrm>
-            <a:off x="4222380" y="2919470"/>
-            <a:ext cx="3146103" cy="3436881"/>
-          </a:xfrm>
-        </p:spPr>
-      </p:sp>
+                <a16:creationId xmlns:a16="http://schemas.microsoft.com/office/drawing/2014/main" id="{A8641E82-0D87-E74F-11BC-6CF3160E34EC}"/>
+              </a:ext>
+            </a:extLst>
+          </p:cNvPr>
+          <p:cNvPicPr preferRelativeResize="0">
+            <a:picLocks noGrp="1"/>
+          </p:cNvPicPr>
+          <p:nvPr>
+            <p:ph type="pic" sz="quarter" idx="12"/>
+          </p:nvPr>
+        </p:nvPicPr>
+        <p:blipFill>
+          <a:blip r:embed="rId2">
+            <a:extLst>
+              <a:ext uri="{28A0092B-C50C-407E-A947-70E740481C1C}">
+                <a14:useLocalDpi xmlns:a14="http://schemas.microsoft.com/office/drawing/2010/main" val="0"/>
+              </a:ext>
+            </a:extLst>
+          </a:blip>
+          <a:stretch/>
+        </p:blipFill>
+        <p:spPr>
+          <a:xfrm>
+            <a:off x="326571" y="573517"/>
+            <a:ext cx="6085115" cy="5782833"/>
+          </a:xfrm>
+        </p:spPr>
+      </p:pic>
       <p:sp>
         <p:nvSpPr>
           <p:cNvPr id="5" name="Text Placeholder 4">
@@ -8963,22 +8551,17 @@
             <a:spLocks noGrp="1"/>
           </p:cNvSpPr>
           <p:nvPr>
-            <p:ph type="body" sz="quarter" idx="24"/>
-          </p:nvPr>
-        </p:nvSpPr>
-        <p:spPr>
-          <a:xfrm>
-            <a:off x="599017" y="1702061"/>
-            <a:ext cx="10369550" cy="800753"/>
-          </a:xfrm>
-        </p:spPr>
-        <p:txBody>
-          <a:bodyPr/>
-          <a:lstStyle/>
-          <a:p>
-            <a:r>
-              <a:rPr lang="en-US" dirty="0"/>
-              <a:t>Films with higher popularity scores often see increased box office revenue, proving the importance of pre-release marketing.</a:t>
+            <p:ph type="body" sz="quarter" idx="13"/>
+          </p:nvPr>
+        </p:nvSpPr>
+        <p:spPr/>
+        <p:txBody>
+          <a:bodyPr/>
+          <a:lstStyle/>
+          <a:p>
+            <a:r>
+              <a:rPr lang="en-US" sz="2000" dirty="0"/>
+              <a:t>There is moderate positive correlation between popularity and gross income. </a:t>
             </a:r>
           </a:p>
         </p:txBody>
@@ -8996,22 +8579,22 @@
             <a:spLocks noGrp="1"/>
           </p:cNvSpPr>
           <p:nvPr>
-            <p:ph type="body" sz="quarter" idx="25"/>
-          </p:nvPr>
-        </p:nvSpPr>
-        <p:spPr>
-          <a:xfrm>
-            <a:off x="575734" y="1123720"/>
-            <a:ext cx="10392833" cy="553189"/>
-          </a:xfrm>
-        </p:spPr>
-        <p:txBody>
-          <a:bodyPr/>
-          <a:lstStyle/>
-          <a:p>
-            <a:r>
-              <a:rPr lang="en-US" dirty="0"/>
-              <a:t>Positive reviews from critics can boost a film's performance, functioning as a key influence on audience decision-making.</a:t>
+            <p:ph type="body" sz="quarter" idx="14"/>
+          </p:nvPr>
+        </p:nvSpPr>
+        <p:spPr>
+          <a:xfrm>
+            <a:off x="6661426" y="2027917"/>
+            <a:ext cx="4307141" cy="779706"/>
+          </a:xfrm>
+        </p:spPr>
+        <p:txBody>
+          <a:bodyPr/>
+          <a:lstStyle/>
+          <a:p>
+            <a:r>
+              <a:rPr lang="en-US" sz="1800" dirty="0"/>
+              <a:t>Popularity vs. Gross (Domestic &amp; Worldwide)</a:t>
             </a:r>
           </a:p>
         </p:txBody>
@@ -9034,7 +8617,13 @@
   <p:cSld>
     <p:spTree>
       <p:nvGrpSpPr>
-        <p:cNvPr id="1" name=""/>
+        <p:cNvPr id="1" name="">
+          <a:extLst>
+            <a:ext uri="{FF2B5EF4-FFF2-40B4-BE49-F238E27FC236}">
+              <a16:creationId xmlns:a16="http://schemas.microsoft.com/office/drawing/2014/main" id="{9E802166-202B-07C0-2462-1EE9446FB972}"/>
+            </a:ext>
+          </a:extLst>
+        </p:cNvPr>
         <p:cNvGrpSpPr/>
         <p:nvPr/>
       </p:nvGrpSpPr>
@@ -9051,7 +8640,7 @@
           <p:cNvPr id="2" name="Title 1">
             <a:extLst>
               <a:ext uri="{FF2B5EF4-FFF2-40B4-BE49-F238E27FC236}">
-                <a16:creationId xmlns:a16="http://schemas.microsoft.com/office/drawing/2014/main" id="{D075EC24-F551-272A-8A7F-D6A7A7D30CA1}"/>
+                <a16:creationId xmlns:a16="http://schemas.microsoft.com/office/drawing/2014/main" id="{7C0D9E59-DAD3-B595-E856-9F29796A839A}"/>
               </a:ext>
             </a:extLst>
           </p:cNvPr>
@@ -9068,10 +8657,9 @@
           <a:lstStyle/>
           <a:p>
             <a:r>
-              <a:rPr lang="en-US"/>
-              <a:t>MODEL EVALUATION</a:t>
-            </a:r>
-            <a:endParaRPr lang="ru-RU"/>
+              <a:rPr lang="en-US" dirty="0"/>
+              <a:t>AUDIENCE IMPACT</a:t>
+            </a:r>
           </a:p>
         </p:txBody>
       </p:sp>
@@ -9080,7 +8668,7 @@
           <p:cNvPr id="3" name="Footer Placeholder 2">
             <a:extLst>
               <a:ext uri="{FF2B5EF4-FFF2-40B4-BE49-F238E27FC236}">
-                <a16:creationId xmlns:a16="http://schemas.microsoft.com/office/drawing/2014/main" id="{958D764E-7A38-6958-A123-ED1DAFA312C3}"/>
+                <a16:creationId xmlns:a16="http://schemas.microsoft.com/office/drawing/2014/main" id="{9904C7E1-4DD9-152A-A6E5-172F638D4545}"/>
               </a:ext>
             </a:extLst>
           </p:cNvPr>
@@ -9098,7 +8686,7 @@
           <a:p>
             <a:r>
               <a:rPr lang="en-ID"/>
-              <a:t>TOP PERFORMING GENRES</a:t>
+              <a:t>POPULARITY &amp; RATING</a:t>
             </a:r>
             <a:endParaRPr lang="en-ID" dirty="0"/>
           </a:p>
@@ -9109,7 +8697,7 @@
           <p:cNvPr id="4" name="Slide Number Placeholder 3">
             <a:extLst>
               <a:ext uri="{FF2B5EF4-FFF2-40B4-BE49-F238E27FC236}">
-                <a16:creationId xmlns:a16="http://schemas.microsoft.com/office/drawing/2014/main" id="{2F419433-2B00-9A9A-EDC0-7F81294BD21A}"/>
+                <a16:creationId xmlns:a16="http://schemas.microsoft.com/office/drawing/2014/main" id="{5F62E6B9-0E09-48E3-3DAA-4068FBF9AF53}"/>
               </a:ext>
             </a:extLst>
           </p:cNvPr>
@@ -9125,29 +8713,27 @@
           <a:bodyPr/>
           <a:lstStyle/>
           <a:p>
-            <a:fld id="{CF6F24BE-8BEB-403A-BDCC-38E201D0662D}" type="slidenum">
-              <a:rPr lang="en-ID" smtClean="0"/>
-              <a:pPr/>
-              <a:t>12</a:t>
-            </a:fld>
-            <a:endParaRPr lang="en-ID"/>
-          </a:p>
-        </p:txBody>
-      </p:sp>
-      <p:sp>
-        <p:nvSpPr>
-          <p:cNvPr id="7" name="Text Placeholder 6">
-            <a:extLst>
-              <a:ext uri="{FF2B5EF4-FFF2-40B4-BE49-F238E27FC236}">
-                <a16:creationId xmlns:a16="http://schemas.microsoft.com/office/drawing/2014/main" id="{177DB92A-FE64-1CE8-1CAA-030874A561E5}"/>
-              </a:ext>
-            </a:extLst>
-          </p:cNvPr>
-          <p:cNvSpPr>
-            <a:spLocks noGrp="1"/>
-          </p:cNvSpPr>
-          <p:nvPr>
-            <p:ph type="body" sz="quarter" idx="15"/>
+            <a:r>
+              <a:rPr lang="en-ID"/>
+              <a:t>11</a:t>
+            </a:r>
+          </a:p>
+        </p:txBody>
+      </p:sp>
+      <p:sp>
+        <p:nvSpPr>
+          <p:cNvPr id="5" name="Text Placeholder 4">
+            <a:extLst>
+              <a:ext uri="{FF2B5EF4-FFF2-40B4-BE49-F238E27FC236}">
+                <a16:creationId xmlns:a16="http://schemas.microsoft.com/office/drawing/2014/main" id="{892E58F1-8933-8FD5-2A24-92CAE14EAA09}"/>
+              </a:ext>
+            </a:extLst>
+          </p:cNvPr>
+          <p:cNvSpPr>
+            <a:spLocks noGrp="1"/>
+          </p:cNvSpPr>
+          <p:nvPr>
+            <p:ph type="body" sz="quarter" idx="13"/>
           </p:nvPr>
         </p:nvSpPr>
         <p:spPr/>
@@ -9156,178 +8742,82 @@
           <a:lstStyle/>
           <a:p>
             <a:r>
-              <a:rPr lang="en-US"/>
-              <a:t>The first model evaluated how varying production budgets influence the worldwide gross of films. By examining historical data, this model helps identify budget ranges that maximize revenue outcomes, providing valuable insights for studios when allocating resources.\n\nInitial findings suggest that while larger budgets can lead to higher revenues, they do not guarantee success. Results also highlight instances where modest budgets have outperformed expectations, emphasizing creative execution as a pivotal factor.</a:t>
-            </a:r>
-            <a:endParaRPr lang="ru-RU"/>
-          </a:p>
-        </p:txBody>
-      </p:sp>
-      <p:sp>
-        <p:nvSpPr>
-          <p:cNvPr id="8" name="Text Placeholder 7">
-            <a:extLst>
-              <a:ext uri="{FF2B5EF4-FFF2-40B4-BE49-F238E27FC236}">
-                <a16:creationId xmlns:a16="http://schemas.microsoft.com/office/drawing/2014/main" id="{47B18613-4568-695A-0DE3-336A49E75B5E}"/>
-              </a:ext>
-            </a:extLst>
-          </p:cNvPr>
-          <p:cNvSpPr>
-            <a:spLocks noGrp="1"/>
-          </p:cNvSpPr>
-          <p:nvPr>
-            <p:ph type="body" sz="quarter" idx="16"/>
-          </p:nvPr>
-        </p:nvSpPr>
-        <p:spPr/>
-        <p:txBody>
-          <a:bodyPr/>
-          <a:lstStyle/>
-          <a:p>
-            <a:r>
-              <a:rPr lang="en-US" dirty="0"/>
-              <a:t>The second model focuses on predicting expected revenue over the next nine years. This model utilizes data-driven forecasting to anticipate market trends and audience preferences, enabling strategic planning for future content.\n\</a:t>
-            </a:r>
-            <a:r>
-              <a:rPr lang="en-US" dirty="0" err="1"/>
-              <a:t>nKey</a:t>
-            </a:r>
-            <a:r>
-              <a:rPr lang="en-US" dirty="0"/>
-              <a:t> caveats include the volatility of entertainment markets and unpredictable shifts in consumer behavior, necessitating continuous model adjustments. Accuracy in short-term forecasts tends to be higher, with longer projections requiring more nuanced analysis. </a:t>
-            </a:r>
-            <a:endParaRPr lang="ru-RU" dirty="0"/>
-          </a:p>
-        </p:txBody>
-      </p:sp>
-      <p:sp>
-        <p:nvSpPr>
-          <p:cNvPr id="9" name="Text Placeholder 8">
-            <a:extLst>
-              <a:ext uri="{FF2B5EF4-FFF2-40B4-BE49-F238E27FC236}">
-                <a16:creationId xmlns:a16="http://schemas.microsoft.com/office/drawing/2014/main" id="{3FD7CBD7-7FE0-2959-53A3-50534390F9C8}"/>
-              </a:ext>
-            </a:extLst>
-          </p:cNvPr>
-          <p:cNvSpPr>
-            <a:spLocks noGrp="1"/>
-          </p:cNvSpPr>
-          <p:nvPr>
-            <p:ph type="body" sz="quarter" idx="17"/>
-          </p:nvPr>
-        </p:nvSpPr>
-        <p:spPr/>
-        <p:txBody>
-          <a:bodyPr/>
-          <a:lstStyle/>
-          <a:p>
-            <a:r>
-              <a:rPr lang="en-US"/>
-              <a:t>IMPACT OF PRODUCTION BUDGET ON WORLDWIDE GROSS</a:t>
-            </a:r>
-            <a:endParaRPr lang="ru-RU"/>
-          </a:p>
-        </p:txBody>
-      </p:sp>
-      <p:sp>
-        <p:nvSpPr>
-          <p:cNvPr id="10" name="Text Placeholder 9">
-            <a:extLst>
-              <a:ext uri="{FF2B5EF4-FFF2-40B4-BE49-F238E27FC236}">
-                <a16:creationId xmlns:a16="http://schemas.microsoft.com/office/drawing/2014/main" id="{7E93923D-E11A-1666-B73F-58D1172DD9D5}"/>
-              </a:ext>
-            </a:extLst>
-          </p:cNvPr>
-          <p:cNvSpPr>
-            <a:spLocks noGrp="1"/>
-          </p:cNvSpPr>
-          <p:nvPr>
-            <p:ph type="body" sz="quarter" idx="18"/>
-          </p:nvPr>
-        </p:nvSpPr>
-        <p:spPr/>
-        <p:txBody>
-          <a:bodyPr/>
-          <a:lstStyle/>
-          <a:p>
-            <a:r>
-              <a:rPr lang="en-US"/>
-              <a:t>PROJECTED REVENUE OVER NINE YEARS</a:t>
-            </a:r>
-            <a:endParaRPr lang="ru-RU"/>
+              <a:rPr lang="en-US" sz="2000" dirty="0"/>
+              <a:t>The correlation between average rating and both gross earnings is weak, which suggests that ratings do not strongly predict earnings.</a:t>
+            </a:r>
+          </a:p>
+        </p:txBody>
+      </p:sp>
+      <p:sp>
+        <p:nvSpPr>
+          <p:cNvPr id="6" name="Text Placeholder 5">
+            <a:extLst>
+              <a:ext uri="{FF2B5EF4-FFF2-40B4-BE49-F238E27FC236}">
+                <a16:creationId xmlns:a16="http://schemas.microsoft.com/office/drawing/2014/main" id="{C70ED8DE-D12A-63B6-B77B-787501991F95}"/>
+              </a:ext>
+            </a:extLst>
+          </p:cNvPr>
+          <p:cNvSpPr>
+            <a:spLocks noGrp="1"/>
+          </p:cNvSpPr>
+          <p:nvPr>
+            <p:ph type="body" sz="quarter" idx="14"/>
+          </p:nvPr>
+        </p:nvSpPr>
+        <p:spPr>
+          <a:xfrm>
+            <a:off x="6661426" y="2027917"/>
+            <a:ext cx="4307141" cy="779706"/>
+          </a:xfrm>
+        </p:spPr>
+        <p:txBody>
+          <a:bodyPr/>
+          <a:lstStyle/>
+          <a:p>
+            <a:r>
+              <a:rPr lang="en-US" sz="1800" dirty="0"/>
+              <a:t>Rating vs. Gross (Domestic &amp; Worldwide)</a:t>
+            </a:r>
           </a:p>
         </p:txBody>
       </p:sp>
       <p:pic>
         <p:nvPicPr>
-          <p:cNvPr id="13" name="Picture 12">
-            <a:extLst>
-              <a:ext uri="{FF2B5EF4-FFF2-40B4-BE49-F238E27FC236}">
-                <a16:creationId xmlns:a16="http://schemas.microsoft.com/office/drawing/2014/main" id="{0ABA0BF6-4356-E39E-0CD3-1A079FC5B629}"/>
-              </a:ext>
-            </a:extLst>
-          </p:cNvPr>
-          <p:cNvPicPr>
-            <a:picLocks noChangeAspect="1"/>
+          <p:cNvPr id="10" name="Picture Placeholder 9">
+            <a:extLst>
+              <a:ext uri="{FF2B5EF4-FFF2-40B4-BE49-F238E27FC236}">
+                <a16:creationId xmlns:a16="http://schemas.microsoft.com/office/drawing/2014/main" id="{2E2FE083-C9C6-B8D5-D771-2EA279246601}"/>
+              </a:ext>
+            </a:extLst>
+          </p:cNvPr>
+          <p:cNvPicPr preferRelativeResize="0">
+            <a:picLocks noGrp="1"/>
           </p:cNvPicPr>
-          <p:nvPr/>
+          <p:nvPr>
+            <p:ph type="pic" sz="quarter" idx="12"/>
+          </p:nvPr>
         </p:nvPicPr>
         <p:blipFill>
-          <a:blip r:embed="rId2"/>
-          <a:stretch>
-            <a:fillRect/>
-          </a:stretch>
+          <a:blip r:embed="rId2">
+            <a:extLst>
+              <a:ext uri="{28A0092B-C50C-407E-A947-70E740481C1C}">
+                <a14:useLocalDpi xmlns:a14="http://schemas.microsoft.com/office/drawing/2010/main" val="0"/>
+              </a:ext>
+            </a:extLst>
+          </a:blip>
+          <a:stretch/>
         </p:blipFill>
         <p:spPr>
           <a:xfrm>
-            <a:off x="599017" y="628108"/>
-            <a:ext cx="3308616" cy="3308616"/>
-          </a:xfrm>
-          <a:prstGeom prst="rect">
-            <a:avLst/>
-          </a:prstGeom>
+            <a:off x="337457" y="664029"/>
+            <a:ext cx="6139543" cy="4800599"/>
+          </a:xfrm>
         </p:spPr>
       </p:pic>
-      <p:sp>
-        <p:nvSpPr>
-          <p:cNvPr id="15" name="Picture Placeholder 14">
-            <a:extLst>
-              <a:ext uri="{FF2B5EF4-FFF2-40B4-BE49-F238E27FC236}">
-                <a16:creationId xmlns:a16="http://schemas.microsoft.com/office/drawing/2014/main" id="{E4BFE3BA-2482-4D9B-1D06-FC80C75AC19F}"/>
-              </a:ext>
-            </a:extLst>
-          </p:cNvPr>
-          <p:cNvSpPr>
-            <a:spLocks noGrp="1"/>
-          </p:cNvSpPr>
-          <p:nvPr>
-            <p:ph type="pic" sz="quarter" idx="12"/>
-          </p:nvPr>
-        </p:nvSpPr>
-        <p:spPr/>
-      </p:sp>
-      <p:sp>
-        <p:nvSpPr>
-          <p:cNvPr id="17" name="Picture Placeholder 16">
-            <a:extLst>
-              <a:ext uri="{FF2B5EF4-FFF2-40B4-BE49-F238E27FC236}">
-                <a16:creationId xmlns:a16="http://schemas.microsoft.com/office/drawing/2014/main" id="{1968ABEF-6E41-1F48-4835-276032C75C81}"/>
-              </a:ext>
-            </a:extLst>
-          </p:cNvPr>
-          <p:cNvSpPr>
-            <a:spLocks noGrp="1"/>
-          </p:cNvSpPr>
-          <p:nvPr>
-            <p:ph type="pic" sz="quarter" idx="14"/>
-          </p:nvPr>
-        </p:nvSpPr>
-        <p:spPr/>
-      </p:sp>
     </p:spTree>
     <p:extLst>
       <p:ext uri="{BB962C8B-B14F-4D97-AF65-F5344CB8AC3E}">
-        <p14:creationId xmlns:p14="http://schemas.microsoft.com/office/powerpoint/2010/main" val="1322344699"/>
+        <p14:creationId xmlns:p14="http://schemas.microsoft.com/office/powerpoint/2010/main" val="1743954098"/>
       </p:ext>
     </p:extLst>
   </p:cSld>
@@ -9359,7 +8849,7 @@
           <p:cNvPr id="2" name="Title 1">
             <a:extLst>
               <a:ext uri="{FF2B5EF4-FFF2-40B4-BE49-F238E27FC236}">
-                <a16:creationId xmlns:a16="http://schemas.microsoft.com/office/drawing/2014/main" id="{210E571D-AD5E-7DB4-7554-D994EEB1B37A}"/>
+                <a16:creationId xmlns:a16="http://schemas.microsoft.com/office/drawing/2014/main" id="{D075EC24-F551-272A-8A7F-D6A7A7D30CA1}"/>
               </a:ext>
             </a:extLst>
           </p:cNvPr>
@@ -9370,42 +8860,48 @@
             <p:ph type="title"/>
           </p:nvPr>
         </p:nvSpPr>
+        <p:spPr>
+          <a:xfrm>
+            <a:off x="352801" y="657921"/>
+            <a:ext cx="4698171" cy="1170879"/>
+          </a:xfrm>
+        </p:spPr>
+        <p:txBody>
+          <a:bodyPr/>
+          <a:lstStyle/>
+          <a:p>
+            <a:r>
+              <a:rPr lang="en-US" dirty="0"/>
+              <a:t>MODEL EVALUATION</a:t>
+            </a:r>
+            <a:endParaRPr lang="ru-RU" dirty="0"/>
+          </a:p>
+        </p:txBody>
+      </p:sp>
+      <p:sp>
+        <p:nvSpPr>
+          <p:cNvPr id="3" name="Footer Placeholder 2">
+            <a:extLst>
+              <a:ext uri="{FF2B5EF4-FFF2-40B4-BE49-F238E27FC236}">
+                <a16:creationId xmlns:a16="http://schemas.microsoft.com/office/drawing/2014/main" id="{958D764E-7A38-6958-A123-ED1DAFA312C3}"/>
+              </a:ext>
+            </a:extLst>
+          </p:cNvPr>
+          <p:cNvSpPr>
+            <a:spLocks noGrp="1"/>
+          </p:cNvSpPr>
+          <p:nvPr>
+            <p:ph type="ftr" sz="quarter" idx="10"/>
+          </p:nvPr>
+        </p:nvSpPr>
         <p:spPr/>
         <p:txBody>
           <a:bodyPr/>
           <a:lstStyle/>
           <a:p>
             <a:r>
-              <a:rPr lang="en-US"/>
-              <a:t>STRATEGIC INSIGHTS</a:t>
-            </a:r>
-          </a:p>
-        </p:txBody>
-      </p:sp>
-      <p:sp>
-        <p:nvSpPr>
-          <p:cNvPr id="3" name="Footer Placeholder 2">
-            <a:extLst>
-              <a:ext uri="{FF2B5EF4-FFF2-40B4-BE49-F238E27FC236}">
-                <a16:creationId xmlns:a16="http://schemas.microsoft.com/office/drawing/2014/main" id="{3DD3D19B-5071-932E-4370-82C9F71D1301}"/>
-              </a:ext>
-            </a:extLst>
-          </p:cNvPr>
-          <p:cNvSpPr>
-            <a:spLocks noGrp="1"/>
-          </p:cNvSpPr>
-          <p:nvPr>
-            <p:ph type="ftr" sz="quarter" idx="10"/>
-          </p:nvPr>
-        </p:nvSpPr>
-        <p:spPr/>
-        <p:txBody>
-          <a:bodyPr/>
-          <a:lstStyle/>
-          <a:p>
-            <a:r>
               <a:rPr lang="en-ID"/>
-              <a:t>BREAKING INTO FILM</a:t>
+              <a:t>TOP PERFORMING GENRES</a:t>
             </a:r>
             <a:endParaRPr lang="en-ID" dirty="0"/>
           </a:p>
@@ -9416,7 +8912,7 @@
           <p:cNvPr id="4" name="Slide Number Placeholder 3">
             <a:extLst>
               <a:ext uri="{FF2B5EF4-FFF2-40B4-BE49-F238E27FC236}">
-                <a16:creationId xmlns:a16="http://schemas.microsoft.com/office/drawing/2014/main" id="{55E7535A-9BF9-803A-D6B9-58FBD1C1DABA}"/>
+                <a16:creationId xmlns:a16="http://schemas.microsoft.com/office/drawing/2014/main" id="{2F419433-2B00-9A9A-EDC0-7F81294BD21A}"/>
               </a:ext>
             </a:extLst>
           </p:cNvPr>
@@ -9441,151 +8937,112 @@
           </a:p>
         </p:txBody>
       </p:sp>
+      <p:sp>
+        <p:nvSpPr>
+          <p:cNvPr id="7" name="Text Placeholder 6">
+            <a:extLst>
+              <a:ext uri="{FF2B5EF4-FFF2-40B4-BE49-F238E27FC236}">
+                <a16:creationId xmlns:a16="http://schemas.microsoft.com/office/drawing/2014/main" id="{177DB92A-FE64-1CE8-1CAA-030874A561E5}"/>
+              </a:ext>
+            </a:extLst>
+          </p:cNvPr>
+          <p:cNvSpPr>
+            <a:spLocks noGrp="1"/>
+          </p:cNvSpPr>
+          <p:nvPr>
+            <p:ph type="body" sz="quarter" idx="13"/>
+          </p:nvPr>
+        </p:nvSpPr>
+        <p:spPr>
+          <a:xfrm>
+            <a:off x="352801" y="3025767"/>
+            <a:ext cx="4132113" cy="3695708"/>
+          </a:xfrm>
+        </p:spPr>
+        <p:txBody>
+          <a:bodyPr/>
+          <a:lstStyle/>
+          <a:p>
+            <a:r>
+              <a:rPr lang="en-US" sz="2000" dirty="0"/>
+              <a:t>The first model evaluated how varying production budgets influence the worldwide gross of films. By examining historical data, this model helps identify budget ranges that maximize revenue outcomes, providing valuable insights for studios when allocating resources</a:t>
+            </a:r>
+            <a:endParaRPr lang="ru-RU" sz="2000" dirty="0"/>
+          </a:p>
+        </p:txBody>
+      </p:sp>
+      <p:sp>
+        <p:nvSpPr>
+          <p:cNvPr id="8" name="Text Placeholder 7">
+            <a:extLst>
+              <a:ext uri="{FF2B5EF4-FFF2-40B4-BE49-F238E27FC236}">
+                <a16:creationId xmlns:a16="http://schemas.microsoft.com/office/drawing/2014/main" id="{47B18613-4568-695A-0DE3-336A49E75B5E}"/>
+              </a:ext>
+            </a:extLst>
+          </p:cNvPr>
+          <p:cNvSpPr>
+            <a:spLocks noGrp="1"/>
+          </p:cNvSpPr>
+          <p:nvPr>
+            <p:ph type="body" sz="quarter" idx="17"/>
+          </p:nvPr>
+        </p:nvSpPr>
+        <p:spPr>
+          <a:xfrm>
+            <a:off x="352801" y="2198914"/>
+            <a:ext cx="4284513" cy="826853"/>
+          </a:xfrm>
+        </p:spPr>
+        <p:txBody>
+          <a:bodyPr/>
+          <a:lstStyle/>
+          <a:p>
+            <a:r>
+              <a:rPr lang="en-US" sz="1800" dirty="0"/>
+              <a:t>Impact of Production Budget on Worldwide Gross</a:t>
+            </a:r>
+          </a:p>
+        </p:txBody>
+      </p:sp>
       <p:pic>
         <p:nvPicPr>
           <p:cNvPr id="12" name="Picture Placeholder 11">
             <a:extLst>
               <a:ext uri="{FF2B5EF4-FFF2-40B4-BE49-F238E27FC236}">
-                <a16:creationId xmlns:a16="http://schemas.microsoft.com/office/drawing/2014/main" id="{65FAD05D-5C6D-51E6-C660-4CA15CA05D21}"/>
-              </a:ext>
-            </a:extLst>
-          </p:cNvPr>
-          <p:cNvPicPr>
-            <a:picLocks noGrp="1" noChangeAspect="1"/>
+                <a16:creationId xmlns:a16="http://schemas.microsoft.com/office/drawing/2014/main" id="{14FB43FC-5818-9344-53C1-1E6BB02D2C74}"/>
+              </a:ext>
+            </a:extLst>
+          </p:cNvPr>
+          <p:cNvPicPr preferRelativeResize="0">
+            <a:picLocks noGrp="1"/>
           </p:cNvPicPr>
           <p:nvPr>
-            <p:ph type="pic" sz="quarter" idx="14"/>
+            <p:ph type="pic" sz="quarter" idx="12"/>
           </p:nvPr>
         </p:nvPicPr>
         <p:blipFill>
-          <a:blip r:embed="rId2"/>
-          <a:srcRect l="18858" r="18858"/>
+          <a:blip r:embed="rId2">
+            <a:extLst>
+              <a:ext uri="{28A0092B-C50C-407E-A947-70E740481C1C}">
+                <a14:useLocalDpi xmlns:a14="http://schemas.microsoft.com/office/drawing/2010/main" val="0"/>
+              </a:ext>
+            </a:extLst>
+          </a:blip>
           <a:stretch>
             <a:fillRect/>
           </a:stretch>
         </p:blipFill>
-        <p:spPr/>
-      </p:pic>
-      <p:sp>
-        <p:nvSpPr>
-          <p:cNvPr id="8" name="Text Placeholder 7">
-            <a:extLst>
-              <a:ext uri="{FF2B5EF4-FFF2-40B4-BE49-F238E27FC236}">
-                <a16:creationId xmlns:a16="http://schemas.microsoft.com/office/drawing/2014/main" id="{E4B2E924-1635-FBBF-A290-8171A9EB28CF}"/>
-              </a:ext>
-            </a:extLst>
-          </p:cNvPr>
-          <p:cNvSpPr>
-            <a:spLocks noGrp="1"/>
-          </p:cNvSpPr>
-          <p:nvPr>
-            <p:ph type="body" sz="quarter" idx="15"/>
-          </p:nvPr>
-        </p:nvSpPr>
-        <p:spPr/>
-        <p:txBody>
-          <a:bodyPr/>
-          <a:lstStyle/>
-          <a:p>
-            <a:r>
-              <a:rPr lang="en-US"/>
-              <a:t>Based on our comprehensive analysis, our studio should focus on producing high-quality films in genres showing international appeal, such as action and science-fiction. Investing in experienced directors and creative talent will be essential. Furthermore, scaling production budgets to optimize, but not overspend, while actively engaging audiences via social media and strategic marketing campaigns, will be pivotal in aligning with market preferences.</a:t>
-            </a:r>
-          </a:p>
-        </p:txBody>
-      </p:sp>
-      <p:sp>
-        <p:nvSpPr>
-          <p:cNvPr id="9" name="Text Placeholder 8">
-            <a:extLst>
-              <a:ext uri="{FF2B5EF4-FFF2-40B4-BE49-F238E27FC236}">
-                <a16:creationId xmlns:a16="http://schemas.microsoft.com/office/drawing/2014/main" id="{84615FAF-4846-D257-002C-CC0E3DC9BD42}"/>
-              </a:ext>
-            </a:extLst>
-          </p:cNvPr>
-          <p:cNvSpPr>
-            <a:spLocks noGrp="1"/>
-          </p:cNvSpPr>
-          <p:nvPr>
-            <p:ph type="body" sz="quarter" idx="16"/>
-          </p:nvPr>
-        </p:nvSpPr>
-        <p:spPr/>
-        <p:txBody>
-          <a:bodyPr/>
-          <a:lstStyle/>
-          <a:p>
-            <a:r>
-              <a:rPr lang="en-US"/>
-              <a:t>GUIDELINES FOR SUCCESS</a:t>
-            </a:r>
-          </a:p>
-        </p:txBody>
-      </p:sp>
-      <p:pic>
-        <p:nvPicPr>
-          <p:cNvPr id="13" name="Picture 12">
-            <a:extLst>
-              <a:ext uri="{FF2B5EF4-FFF2-40B4-BE49-F238E27FC236}">
-                <a16:creationId xmlns:a16="http://schemas.microsoft.com/office/drawing/2014/main" id="{2C2640A1-AB05-5E81-02EC-01CAA2D27EF2}"/>
-              </a:ext>
-            </a:extLst>
-          </p:cNvPr>
-          <p:cNvPicPr>
-            <a:picLocks/>
-          </p:cNvPicPr>
-          <p:nvPr/>
-        </p:nvPicPr>
-        <p:blipFill>
-          <a:blip r:embed="rId3"/>
-          <a:stretch>
-            <a:fillRect/>
-          </a:stretch>
-        </p:blipFill>
-        <p:spPr>
-          <a:xfrm>
-            <a:off x="599017" y="576078"/>
-            <a:ext cx="3279453" cy="3279453"/>
-          </a:xfrm>
-          <a:prstGeom prst="rect">
-            <a:avLst/>
-          </a:prstGeom>
-        </p:spPr>
-      </p:pic>
-      <p:pic>
-        <p:nvPicPr>
-          <p:cNvPr id="14" name="Picture 13">
-            <a:extLst>
-              <a:ext uri="{FF2B5EF4-FFF2-40B4-BE49-F238E27FC236}">
-                <a16:creationId xmlns:a16="http://schemas.microsoft.com/office/drawing/2014/main" id="{EBE6B4B9-C486-FDB5-ADE4-EBE5BB80EF9A}"/>
-              </a:ext>
-            </a:extLst>
-          </p:cNvPr>
-          <p:cNvPicPr>
-            <a:picLocks/>
-          </p:cNvPicPr>
-          <p:nvPr/>
-        </p:nvPicPr>
-        <p:blipFill>
-          <a:blip r:embed="rId4"/>
-          <a:stretch>
-            <a:fillRect/>
-          </a:stretch>
-        </p:blipFill>
-        <p:spPr>
-          <a:xfrm>
-            <a:off x="4144065" y="576078"/>
-            <a:ext cx="3279453" cy="3279453"/>
-          </a:xfrm>
-          <a:prstGeom prst="rect">
-            <a:avLst/>
-          </a:prstGeom>
+        <p:spPr>
+          <a:xfrm>
+            <a:off x="4928894" y="657921"/>
+            <a:ext cx="6411896" cy="5876693"/>
+          </a:xfrm>
         </p:spPr>
       </p:pic>
     </p:spTree>
     <p:extLst>
       <p:ext uri="{BB962C8B-B14F-4D97-AF65-F5344CB8AC3E}">
-        <p14:creationId xmlns:p14="http://schemas.microsoft.com/office/powerpoint/2010/main" val="3332611580"/>
+        <p14:creationId xmlns:p14="http://schemas.microsoft.com/office/powerpoint/2010/main" val="1322344699"/>
       </p:ext>
     </p:extLst>
   </p:cSld>
@@ -9596,6 +9053,221 @@
 </file>
 
 <file path=ppt/slides/slide14.xml><?xml version="1.0" encoding="utf-8"?>
+<p:sld xmlns:a="http://schemas.openxmlformats.org/drawingml/2006/main" xmlns:r="http://schemas.openxmlformats.org/officeDocument/2006/relationships" xmlns:p="http://schemas.openxmlformats.org/presentationml/2006/main">
+  <p:cSld>
+    <p:spTree>
+      <p:nvGrpSpPr>
+        <p:cNvPr id="1" name="">
+          <a:extLst>
+            <a:ext uri="{FF2B5EF4-FFF2-40B4-BE49-F238E27FC236}">
+              <a16:creationId xmlns:a16="http://schemas.microsoft.com/office/drawing/2014/main" id="{FAD72C70-C7BD-7092-B07E-A6503A8069F6}"/>
+            </a:ext>
+          </a:extLst>
+        </p:cNvPr>
+        <p:cNvGrpSpPr/>
+        <p:nvPr/>
+      </p:nvGrpSpPr>
+      <p:grpSpPr>
+        <a:xfrm>
+          <a:off x="0" y="0"/>
+          <a:ext cx="0" cy="0"/>
+          <a:chOff x="0" y="0"/>
+          <a:chExt cx="0" cy="0"/>
+        </a:xfrm>
+      </p:grpSpPr>
+      <p:sp>
+        <p:nvSpPr>
+          <p:cNvPr id="2" name="Title 1">
+            <a:extLst>
+              <a:ext uri="{FF2B5EF4-FFF2-40B4-BE49-F238E27FC236}">
+                <a16:creationId xmlns:a16="http://schemas.microsoft.com/office/drawing/2014/main" id="{06BDF468-771F-DEEB-C001-8FEF3FD97313}"/>
+              </a:ext>
+            </a:extLst>
+          </p:cNvPr>
+          <p:cNvSpPr>
+            <a:spLocks noGrp="1"/>
+          </p:cNvSpPr>
+          <p:nvPr>
+            <p:ph type="title"/>
+          </p:nvPr>
+        </p:nvSpPr>
+        <p:spPr>
+          <a:xfrm>
+            <a:off x="352801" y="575019"/>
+            <a:ext cx="5123015" cy="1253781"/>
+          </a:xfrm>
+        </p:spPr>
+        <p:txBody>
+          <a:bodyPr/>
+          <a:lstStyle/>
+          <a:p>
+            <a:r>
+              <a:rPr lang="en-US" dirty="0"/>
+              <a:t>MODEL EVALUATION</a:t>
+            </a:r>
+            <a:endParaRPr lang="ru-RU" dirty="0"/>
+          </a:p>
+        </p:txBody>
+      </p:sp>
+      <p:sp>
+        <p:nvSpPr>
+          <p:cNvPr id="3" name="Footer Placeholder 2">
+            <a:extLst>
+              <a:ext uri="{FF2B5EF4-FFF2-40B4-BE49-F238E27FC236}">
+                <a16:creationId xmlns:a16="http://schemas.microsoft.com/office/drawing/2014/main" id="{B17D96A8-F826-F84A-7F10-93DFC1DC18C4}"/>
+              </a:ext>
+            </a:extLst>
+          </p:cNvPr>
+          <p:cNvSpPr>
+            <a:spLocks noGrp="1"/>
+          </p:cNvSpPr>
+          <p:nvPr>
+            <p:ph type="ftr" sz="quarter" idx="10"/>
+          </p:nvPr>
+        </p:nvSpPr>
+        <p:spPr/>
+        <p:txBody>
+          <a:bodyPr/>
+          <a:lstStyle/>
+          <a:p>
+            <a:r>
+              <a:rPr lang="en-ID"/>
+              <a:t>TOP PERFORMING GENRES</a:t>
+            </a:r>
+            <a:endParaRPr lang="en-ID" dirty="0"/>
+          </a:p>
+        </p:txBody>
+      </p:sp>
+      <p:sp>
+        <p:nvSpPr>
+          <p:cNvPr id="4" name="Slide Number Placeholder 3">
+            <a:extLst>
+              <a:ext uri="{FF2B5EF4-FFF2-40B4-BE49-F238E27FC236}">
+                <a16:creationId xmlns:a16="http://schemas.microsoft.com/office/drawing/2014/main" id="{032801DD-586A-F7F6-7979-F2F9A4EB023A}"/>
+              </a:ext>
+            </a:extLst>
+          </p:cNvPr>
+          <p:cNvSpPr>
+            <a:spLocks noGrp="1"/>
+          </p:cNvSpPr>
+          <p:nvPr>
+            <p:ph type="sldNum" sz="quarter" idx="11"/>
+          </p:nvPr>
+        </p:nvSpPr>
+        <p:spPr/>
+        <p:txBody>
+          <a:bodyPr/>
+          <a:lstStyle/>
+          <a:p>
+            <a:fld id="{CF6F24BE-8BEB-403A-BDCC-38E201D0662D}" type="slidenum">
+              <a:rPr lang="en-ID" smtClean="0"/>
+              <a:pPr/>
+              <a:t>14</a:t>
+            </a:fld>
+            <a:endParaRPr lang="en-ID"/>
+          </a:p>
+        </p:txBody>
+      </p:sp>
+      <p:sp>
+        <p:nvSpPr>
+          <p:cNvPr id="7" name="Text Placeholder 6">
+            <a:extLst>
+              <a:ext uri="{FF2B5EF4-FFF2-40B4-BE49-F238E27FC236}">
+                <a16:creationId xmlns:a16="http://schemas.microsoft.com/office/drawing/2014/main" id="{A2BAD5A1-C014-84B5-1C29-0E6146725CAD}"/>
+              </a:ext>
+            </a:extLst>
+          </p:cNvPr>
+          <p:cNvSpPr>
+            <a:spLocks noGrp="1"/>
+          </p:cNvSpPr>
+          <p:nvPr>
+            <p:ph type="body" sz="quarter" idx="13"/>
+          </p:nvPr>
+        </p:nvSpPr>
+        <p:spPr>
+          <a:xfrm>
+            <a:off x="352801" y="2775857"/>
+            <a:ext cx="5123015" cy="3945619"/>
+          </a:xfrm>
+        </p:spPr>
+        <p:txBody>
+          <a:bodyPr/>
+          <a:lstStyle/>
+          <a:p>
+            <a:endParaRPr lang="ru-RU" sz="2000" dirty="0"/>
+          </a:p>
+        </p:txBody>
+      </p:sp>
+      <p:sp>
+        <p:nvSpPr>
+          <p:cNvPr id="8" name="Text Placeholder 7">
+            <a:extLst>
+              <a:ext uri="{FF2B5EF4-FFF2-40B4-BE49-F238E27FC236}">
+                <a16:creationId xmlns:a16="http://schemas.microsoft.com/office/drawing/2014/main" id="{B7F55F53-45CE-4D8D-74EC-C4CB2008CF18}"/>
+              </a:ext>
+            </a:extLst>
+          </p:cNvPr>
+          <p:cNvSpPr>
+            <a:spLocks noGrp="1"/>
+          </p:cNvSpPr>
+          <p:nvPr>
+            <p:ph type="body" sz="quarter" idx="17"/>
+          </p:nvPr>
+        </p:nvSpPr>
+        <p:spPr>
+          <a:xfrm>
+            <a:off x="352801" y="2057400"/>
+            <a:ext cx="4876800" cy="489857"/>
+          </a:xfrm>
+        </p:spPr>
+        <p:txBody>
+          <a:bodyPr/>
+          <a:lstStyle/>
+          <a:p>
+            <a:r>
+              <a:rPr lang="en-US" sz="1800" dirty="0"/>
+              <a:t>Trend in Movie Production</a:t>
+            </a:r>
+          </a:p>
+        </p:txBody>
+      </p:sp>
+      <p:sp>
+        <p:nvSpPr>
+          <p:cNvPr id="24" name="Picture Placeholder 23">
+            <a:extLst>
+              <a:ext uri="{FF2B5EF4-FFF2-40B4-BE49-F238E27FC236}">
+                <a16:creationId xmlns:a16="http://schemas.microsoft.com/office/drawing/2014/main" id="{4A764C28-215D-E64F-D6CD-1D05A2E80774}"/>
+              </a:ext>
+            </a:extLst>
+          </p:cNvPr>
+          <p:cNvSpPr>
+            <a:spLocks noGrp="1"/>
+          </p:cNvSpPr>
+          <p:nvPr>
+            <p:ph type="pic" sz="quarter" idx="12"/>
+          </p:nvPr>
+        </p:nvSpPr>
+        <p:spPr>
+          <a:xfrm>
+            <a:off x="5714999" y="136524"/>
+            <a:ext cx="5867401" cy="6584952"/>
+          </a:xfrm>
+        </p:spPr>
+      </p:sp>
+    </p:spTree>
+    <p:extLst>
+      <p:ext uri="{BB962C8B-B14F-4D97-AF65-F5344CB8AC3E}">
+        <p14:creationId xmlns:p14="http://schemas.microsoft.com/office/powerpoint/2010/main" val="488935035"/>
+      </p:ext>
+    </p:extLst>
+  </p:cSld>
+  <p:clrMapOvr>
+    <a:masterClrMapping/>
+  </p:clrMapOvr>
+</p:sld>
+</file>
+
+<file path=ppt/slides/slide15.xml><?xml version="1.0" encoding="utf-8"?>
 <p:sld xmlns:a="http://schemas.openxmlformats.org/drawingml/2006/main" xmlns:r="http://schemas.openxmlformats.org/officeDocument/2006/relationships" xmlns:p="http://schemas.openxmlformats.org/presentationml/2006/main">
   <p:cSld>
     <p:spTree>
@@ -9617,6 +9289,282 @@
           <p:cNvPr id="2" name="Title 1">
             <a:extLst>
               <a:ext uri="{FF2B5EF4-FFF2-40B4-BE49-F238E27FC236}">
+                <a16:creationId xmlns:a16="http://schemas.microsoft.com/office/drawing/2014/main" id="{210E571D-AD5E-7DB4-7554-D994EEB1B37A}"/>
+              </a:ext>
+            </a:extLst>
+          </p:cNvPr>
+          <p:cNvSpPr>
+            <a:spLocks noGrp="1"/>
+          </p:cNvSpPr>
+          <p:nvPr>
+            <p:ph type="title"/>
+          </p:nvPr>
+        </p:nvSpPr>
+        <p:spPr>
+          <a:xfrm>
+            <a:off x="468086" y="4162370"/>
+            <a:ext cx="3820887" cy="2313826"/>
+          </a:xfrm>
+        </p:spPr>
+        <p:txBody>
+          <a:bodyPr/>
+          <a:lstStyle/>
+          <a:p>
+            <a:r>
+              <a:rPr lang="en-US" dirty="0"/>
+              <a:t>STRATEGIC INSIGHTS</a:t>
+            </a:r>
+          </a:p>
+        </p:txBody>
+      </p:sp>
+      <p:sp>
+        <p:nvSpPr>
+          <p:cNvPr id="3" name="Footer Placeholder 2">
+            <a:extLst>
+              <a:ext uri="{FF2B5EF4-FFF2-40B4-BE49-F238E27FC236}">
+                <a16:creationId xmlns:a16="http://schemas.microsoft.com/office/drawing/2014/main" id="{3DD3D19B-5071-932E-4370-82C9F71D1301}"/>
+              </a:ext>
+            </a:extLst>
+          </p:cNvPr>
+          <p:cNvSpPr>
+            <a:spLocks noGrp="1"/>
+          </p:cNvSpPr>
+          <p:nvPr>
+            <p:ph type="ftr" sz="quarter" idx="10"/>
+          </p:nvPr>
+        </p:nvSpPr>
+        <p:spPr/>
+        <p:txBody>
+          <a:bodyPr/>
+          <a:lstStyle/>
+          <a:p>
+            <a:r>
+              <a:rPr lang="en-ID"/>
+              <a:t>BREAKING INTO FILM</a:t>
+            </a:r>
+            <a:endParaRPr lang="en-ID" dirty="0"/>
+          </a:p>
+        </p:txBody>
+      </p:sp>
+      <p:sp>
+        <p:nvSpPr>
+          <p:cNvPr id="4" name="Slide Number Placeholder 3">
+            <a:extLst>
+              <a:ext uri="{FF2B5EF4-FFF2-40B4-BE49-F238E27FC236}">
+                <a16:creationId xmlns:a16="http://schemas.microsoft.com/office/drawing/2014/main" id="{55E7535A-9BF9-803A-D6B9-58FBD1C1DABA}"/>
+              </a:ext>
+            </a:extLst>
+          </p:cNvPr>
+          <p:cNvSpPr>
+            <a:spLocks noGrp="1"/>
+          </p:cNvSpPr>
+          <p:nvPr>
+            <p:ph type="sldNum" sz="quarter" idx="11"/>
+          </p:nvPr>
+        </p:nvSpPr>
+        <p:spPr/>
+        <p:txBody>
+          <a:bodyPr/>
+          <a:lstStyle/>
+          <a:p>
+            <a:r>
+              <a:rPr lang="en-ID"/>
+              <a:t>13</a:t>
+            </a:r>
+          </a:p>
+        </p:txBody>
+      </p:sp>
+      <p:sp>
+        <p:nvSpPr>
+          <p:cNvPr id="8" name="Text Placeholder 7">
+            <a:extLst>
+              <a:ext uri="{FF2B5EF4-FFF2-40B4-BE49-F238E27FC236}">
+                <a16:creationId xmlns:a16="http://schemas.microsoft.com/office/drawing/2014/main" id="{E4B2E924-1635-FBBF-A290-8171A9EB28CF}"/>
+              </a:ext>
+            </a:extLst>
+          </p:cNvPr>
+          <p:cNvSpPr>
+            <a:spLocks noGrp="1"/>
+          </p:cNvSpPr>
+          <p:nvPr>
+            <p:ph type="body" sz="quarter" idx="15"/>
+          </p:nvPr>
+        </p:nvSpPr>
+        <p:spPr>
+          <a:xfrm>
+            <a:off x="4389120" y="4433568"/>
+            <a:ext cx="7040880" cy="2424431"/>
+          </a:xfrm>
+        </p:spPr>
+        <p:txBody>
+          <a:bodyPr/>
+          <a:lstStyle/>
+          <a:p>
+            <a:r>
+              <a:rPr lang="en-US" sz="2000" dirty="0"/>
+              <a:t>Our studio should focus on producing high-quality films in genres with international appeal, like Classics and Comedy. We must adjust production budgets wisely, and engage audiences via social media and targeted marketing to meet market demands.</a:t>
+            </a:r>
+          </a:p>
+        </p:txBody>
+      </p:sp>
+      <p:sp>
+        <p:nvSpPr>
+          <p:cNvPr id="9" name="Text Placeholder 8">
+            <a:extLst>
+              <a:ext uri="{FF2B5EF4-FFF2-40B4-BE49-F238E27FC236}">
+                <a16:creationId xmlns:a16="http://schemas.microsoft.com/office/drawing/2014/main" id="{84615FAF-4846-D257-002C-CC0E3DC9BD42}"/>
+              </a:ext>
+            </a:extLst>
+          </p:cNvPr>
+          <p:cNvSpPr>
+            <a:spLocks noGrp="1"/>
+          </p:cNvSpPr>
+          <p:nvPr>
+            <p:ph type="body" sz="quarter" idx="16"/>
+          </p:nvPr>
+        </p:nvSpPr>
+        <p:spPr>
+          <a:xfrm>
+            <a:off x="4480560" y="3989069"/>
+            <a:ext cx="6488192" cy="444499"/>
+          </a:xfrm>
+        </p:spPr>
+        <p:txBody>
+          <a:bodyPr/>
+          <a:lstStyle/>
+          <a:p>
+            <a:r>
+              <a:rPr lang="en-US" sz="1800" dirty="0"/>
+              <a:t>Guidelines for Success</a:t>
+            </a:r>
+          </a:p>
+        </p:txBody>
+      </p:sp>
+      <p:pic>
+        <p:nvPicPr>
+          <p:cNvPr id="11" name="Picture 10">
+            <a:extLst>
+              <a:ext uri="{FF2B5EF4-FFF2-40B4-BE49-F238E27FC236}">
+                <a16:creationId xmlns:a16="http://schemas.microsoft.com/office/drawing/2014/main" id="{3EBA834D-FC44-FA34-9E32-F262232E7482}"/>
+              </a:ext>
+            </a:extLst>
+          </p:cNvPr>
+          <p:cNvPicPr>
+            <a:picLocks/>
+          </p:cNvPicPr>
+          <p:nvPr/>
+        </p:nvPicPr>
+        <p:blipFill>
+          <a:blip r:embed="rId2"/>
+          <a:stretch>
+            <a:fillRect/>
+          </a:stretch>
+        </p:blipFill>
+        <p:spPr>
+          <a:xfrm>
+            <a:off x="7689114" y="576078"/>
+            <a:ext cx="3279453" cy="3279453"/>
+          </a:xfrm>
+          <a:prstGeom prst="rect">
+            <a:avLst/>
+          </a:prstGeom>
+        </p:spPr>
+      </p:pic>
+      <p:pic>
+        <p:nvPicPr>
+          <p:cNvPr id="15" name="Picture 14">
+            <a:extLst>
+              <a:ext uri="{FF2B5EF4-FFF2-40B4-BE49-F238E27FC236}">
+                <a16:creationId xmlns:a16="http://schemas.microsoft.com/office/drawing/2014/main" id="{51D1168C-27BC-9522-7A22-1144B49D33BC}"/>
+              </a:ext>
+            </a:extLst>
+          </p:cNvPr>
+          <p:cNvPicPr>
+            <a:picLocks/>
+          </p:cNvPicPr>
+          <p:nvPr/>
+        </p:nvPicPr>
+        <p:blipFill>
+          <a:blip r:embed="rId3"/>
+          <a:stretch>
+            <a:fillRect/>
+          </a:stretch>
+        </p:blipFill>
+        <p:spPr>
+          <a:xfrm>
+            <a:off x="4078600" y="576078"/>
+            <a:ext cx="3279453" cy="3279453"/>
+          </a:xfrm>
+          <a:prstGeom prst="rect">
+            <a:avLst/>
+          </a:prstGeom>
+        </p:spPr>
+      </p:pic>
+      <p:pic>
+        <p:nvPicPr>
+          <p:cNvPr id="16" name="Picture 15">
+            <a:extLst>
+              <a:ext uri="{FF2B5EF4-FFF2-40B4-BE49-F238E27FC236}">
+                <a16:creationId xmlns:a16="http://schemas.microsoft.com/office/drawing/2014/main" id="{D59B9FA1-B23F-0ABF-236F-001EFBB060C9}"/>
+              </a:ext>
+            </a:extLst>
+          </p:cNvPr>
+          <p:cNvPicPr>
+            <a:picLocks/>
+          </p:cNvPicPr>
+          <p:nvPr/>
+        </p:nvPicPr>
+        <p:blipFill>
+          <a:blip r:embed="rId4"/>
+          <a:stretch>
+            <a:fillRect/>
+          </a:stretch>
+        </p:blipFill>
+        <p:spPr>
+          <a:xfrm>
+            <a:off x="468086" y="576078"/>
+            <a:ext cx="3279453" cy="3279453"/>
+          </a:xfrm>
+          <a:prstGeom prst="rect">
+            <a:avLst/>
+          </a:prstGeom>
+        </p:spPr>
+      </p:pic>
+    </p:spTree>
+    <p:extLst>
+      <p:ext uri="{BB962C8B-B14F-4D97-AF65-F5344CB8AC3E}">
+        <p14:creationId xmlns:p14="http://schemas.microsoft.com/office/powerpoint/2010/main" val="3332611580"/>
+      </p:ext>
+    </p:extLst>
+  </p:cSld>
+  <p:clrMapOvr>
+    <a:masterClrMapping/>
+  </p:clrMapOvr>
+</p:sld>
+</file>
+
+<file path=ppt/slides/slide16.xml><?xml version="1.0" encoding="utf-8"?>
+<p:sld xmlns:a="http://schemas.openxmlformats.org/drawingml/2006/main" xmlns:r="http://schemas.openxmlformats.org/officeDocument/2006/relationships" xmlns:p="http://schemas.openxmlformats.org/presentationml/2006/main">
+  <p:cSld>
+    <p:spTree>
+      <p:nvGrpSpPr>
+        <p:cNvPr id="1" name=""/>
+        <p:cNvGrpSpPr/>
+        <p:nvPr/>
+      </p:nvGrpSpPr>
+      <p:grpSpPr>
+        <a:xfrm>
+          <a:off x="0" y="0"/>
+          <a:ext cx="0" cy="0"/>
+          <a:chOff x="0" y="0"/>
+          <a:chExt cx="0" cy="0"/>
+        </a:xfrm>
+      </p:grpSpPr>
+      <p:sp>
+        <p:nvSpPr>
+          <p:cNvPr id="2" name="Title 1">
+            <a:extLst>
+              <a:ext uri="{FF2B5EF4-FFF2-40B4-BE49-F238E27FC236}">
                 <a16:creationId xmlns:a16="http://schemas.microsoft.com/office/drawing/2014/main" id="{0F6539E4-84DE-7FF7-00B0-F57CE40FB5E9}"/>
               </a:ext>
             </a:extLst>
@@ -9634,7 +9582,7 @@
           <a:lstStyle/>
           <a:p>
             <a:r>
-              <a:rPr lang="en-US"/>
+              <a:rPr lang="en-US" dirty="0"/>
               <a:t>CONCLUSION</a:t>
             </a:r>
           </a:p>
@@ -9693,7 +9641,7 @@
             <a:fld id="{CF6F24BE-8BEB-403A-BDCC-38E201D0662D}" type="slidenum">
               <a:rPr lang="en-ID" smtClean="0"/>
               <a:pPr/>
-              <a:t>14</a:t>
+              <a:t>16</a:t>
             </a:fld>
             <a:endParaRPr lang="en-ID"/>
           </a:p>
@@ -9746,7 +9694,7 @@
           <a:lstStyle/>
           <a:p>
             <a:r>
-              <a:rPr lang="en-US"/>
+              <a:rPr lang="en-US" sz="2000" dirty="0"/>
               <a:t>This analysis identified prevalent trends and key contributors to box office success. Strategic insights into genre performance, studio attributes, and budget allocations are crucial for guiding our film production decisions moving forward.</a:t>
             </a:r>
           </a:p>
@@ -9768,14 +9716,19 @@
             <p:ph type="body" sz="quarter" idx="14"/>
           </p:nvPr>
         </p:nvSpPr>
-        <p:spPr/>
-        <p:txBody>
-          <a:bodyPr/>
-          <a:lstStyle/>
-          <a:p>
-            <a:r>
-              <a:rPr lang="en-US"/>
-              <a:t>SUMMARIZING KEY INSIGHTS</a:t>
+        <p:spPr>
+          <a:xfrm>
+            <a:off x="4187688" y="2013857"/>
+            <a:ext cx="6780880" cy="581551"/>
+          </a:xfrm>
+        </p:spPr>
+        <p:txBody>
+          <a:bodyPr/>
+          <a:lstStyle/>
+          <a:p>
+            <a:r>
+              <a:rPr lang="en-US" sz="2000" dirty="0"/>
+              <a:t>Summarizing Key Insights</a:t>
             </a:r>
           </a:p>
         </p:txBody>
@@ -9793,7 +9746,7 @@
 </p:sld>
 </file>
 
-<file path=ppt/slides/slide15.xml><?xml version="1.0" encoding="utf-8"?>
+<file path=ppt/slides/slide17.xml><?xml version="1.0" encoding="utf-8"?>
 <p:sld xmlns:a="http://schemas.openxmlformats.org/drawingml/2006/main" xmlns:r="http://schemas.openxmlformats.org/officeDocument/2006/relationships" xmlns:p="http://schemas.openxmlformats.org/presentationml/2006/main">
   <p:cSld>
     <p:spTree>
@@ -9980,7 +9933,7 @@
                 <a:tabLst/>
                 <a:defRPr/>
               </a:pPr>
-              <a:t>15</a:t>
+              <a:t>17</a:t>
             </a:fld>
             <a:endParaRPr kumimoji="0" lang="en-ID" sz="1210" b="1" i="0" u="none" strike="noStrike" kern="1200" cap="none" spc="0" normalizeH="0" baseline="0" noProof="0">
               <a:ln>
@@ -10021,7 +9974,7 @@
           <a:lstStyle/>
           <a:p>
             <a:r>
-              <a:rPr lang="en-US"/>
+              <a:rPr lang="en-US" sz="2000" dirty="0"/>
               <a:t>Given strong performance domestically, prioritize producing action and family films. These genres' universal appeal supports consistent box office success.</a:t>
             </a:r>
           </a:p>
@@ -10049,7 +10002,7 @@
           <a:lstStyle/>
           <a:p>
             <a:r>
-              <a:rPr lang="en-US"/>
+              <a:rPr lang="en-US" sz="2000" dirty="0"/>
               <a:t>Collaborating with established studios can leverage their expertise. Such partnerships enhance our knowledge and capabilities in film production.</a:t>
             </a:r>
           </a:p>
@@ -10071,69 +10024,79 @@
             <p:ph type="body" sz="quarter" idx="15"/>
           </p:nvPr>
         </p:nvSpPr>
+        <p:spPr>
+          <a:xfrm>
+            <a:off x="122239" y="1959429"/>
+            <a:ext cx="3589790" cy="686145"/>
+          </a:xfrm>
+        </p:spPr>
+        <p:txBody>
+          <a:bodyPr/>
+          <a:lstStyle/>
+          <a:p>
+            <a:r>
+              <a:rPr lang="en-US" sz="1800" dirty="0"/>
+              <a:t>1. FOCUS ON CLASSICS AND COMEDY</a:t>
+            </a:r>
+          </a:p>
+        </p:txBody>
+      </p:sp>
+      <p:sp>
+        <p:nvSpPr>
+          <p:cNvPr id="8" name="Text Placeholder 7">
+            <a:extLst>
+              <a:ext uri="{FF2B5EF4-FFF2-40B4-BE49-F238E27FC236}">
+                <a16:creationId xmlns:a16="http://schemas.microsoft.com/office/drawing/2014/main" id="{D6039E68-DE9B-4007-2BBE-5C77CCE0E056}"/>
+              </a:ext>
+            </a:extLst>
+          </p:cNvPr>
+          <p:cNvSpPr>
+            <a:spLocks noGrp="1"/>
+          </p:cNvSpPr>
+          <p:nvPr>
+            <p:ph type="body" sz="quarter" idx="16"/>
+          </p:nvPr>
+        </p:nvSpPr>
+        <p:spPr>
+          <a:xfrm>
+            <a:off x="4358771" y="1959429"/>
+            <a:ext cx="2851200" cy="686145"/>
+          </a:xfrm>
+        </p:spPr>
+        <p:txBody>
+          <a:bodyPr/>
+          <a:lstStyle/>
+          <a:p>
+            <a:r>
+              <a:rPr lang="en-US" sz="1800" dirty="0"/>
+              <a:t>2. PARTNER WITH SUCCESSFUL STUDIOS</a:t>
+            </a:r>
+          </a:p>
+        </p:txBody>
+      </p:sp>
+      <p:sp>
+        <p:nvSpPr>
+          <p:cNvPr id="9" name="Text Placeholder 8">
+            <a:extLst>
+              <a:ext uri="{FF2B5EF4-FFF2-40B4-BE49-F238E27FC236}">
+                <a16:creationId xmlns:a16="http://schemas.microsoft.com/office/drawing/2014/main" id="{7E0503AB-0345-FACE-9906-5EF92A06BE77}"/>
+              </a:ext>
+            </a:extLst>
+          </p:cNvPr>
+          <p:cNvSpPr>
+            <a:spLocks noGrp="1"/>
+          </p:cNvSpPr>
+          <p:nvPr>
+            <p:ph type="body" sz="quarter" idx="17"/>
+          </p:nvPr>
+        </p:nvSpPr>
         <p:spPr/>
         <p:txBody>
           <a:bodyPr/>
           <a:lstStyle/>
           <a:p>
             <a:r>
-              <a:rPr lang="en-US"/>
-              <a:t>FOCUS ON ACTION AND FAMILY</a:t>
-            </a:r>
-          </a:p>
-        </p:txBody>
-      </p:sp>
-      <p:sp>
-        <p:nvSpPr>
-          <p:cNvPr id="8" name="Text Placeholder 7">
-            <a:extLst>
-              <a:ext uri="{FF2B5EF4-FFF2-40B4-BE49-F238E27FC236}">
-                <a16:creationId xmlns:a16="http://schemas.microsoft.com/office/drawing/2014/main" id="{D6039E68-DE9B-4007-2BBE-5C77CCE0E056}"/>
-              </a:ext>
-            </a:extLst>
-          </p:cNvPr>
-          <p:cNvSpPr>
-            <a:spLocks noGrp="1"/>
-          </p:cNvSpPr>
-          <p:nvPr>
-            <p:ph type="body" sz="quarter" idx="16"/>
-          </p:nvPr>
-        </p:nvSpPr>
-        <p:spPr/>
-        <p:txBody>
-          <a:bodyPr/>
-          <a:lstStyle/>
-          <a:p>
-            <a:r>
-              <a:rPr lang="en-US"/>
-              <a:t>PARTNER WITH SUCCESSFUL STUDIOS</a:t>
-            </a:r>
-          </a:p>
-        </p:txBody>
-      </p:sp>
-      <p:sp>
-        <p:nvSpPr>
-          <p:cNvPr id="9" name="Text Placeholder 8">
-            <a:extLst>
-              <a:ext uri="{FF2B5EF4-FFF2-40B4-BE49-F238E27FC236}">
-                <a16:creationId xmlns:a16="http://schemas.microsoft.com/office/drawing/2014/main" id="{7E0503AB-0345-FACE-9906-5EF92A06BE77}"/>
-              </a:ext>
-            </a:extLst>
-          </p:cNvPr>
-          <p:cNvSpPr>
-            <a:spLocks noGrp="1"/>
-          </p:cNvSpPr>
-          <p:nvPr>
-            <p:ph type="body" sz="quarter" idx="17"/>
-          </p:nvPr>
-        </p:nvSpPr>
-        <p:spPr/>
-        <p:txBody>
-          <a:bodyPr/>
-          <a:lstStyle/>
-          <a:p>
-            <a:r>
-              <a:rPr lang="en-US"/>
+              <a:rPr lang="en-US" sz="2000" dirty="0"/>
               <a:t>Incorporate a balanced approach to budget investment. Ensure funds are allocated thoughtfully across pre-production, production, and marketing.</a:t>
             </a:r>
           </a:p>
@@ -10155,14 +10118,19 @@
             <p:ph type="body" sz="quarter" idx="18"/>
           </p:nvPr>
         </p:nvSpPr>
-        <p:spPr/>
-        <p:txBody>
-          <a:bodyPr/>
-          <a:lstStyle/>
-          <a:p>
-            <a:r>
-              <a:rPr lang="en-US"/>
-              <a:t>OPTIMIZE BUDGET ALLOCATION</a:t>
+        <p:spPr>
+          <a:xfrm>
+            <a:off x="8117367" y="1959429"/>
+            <a:ext cx="2851200" cy="686145"/>
+          </a:xfrm>
+        </p:spPr>
+        <p:txBody>
+          <a:bodyPr/>
+          <a:lstStyle/>
+          <a:p>
+            <a:r>
+              <a:rPr lang="en-US" sz="1800" dirty="0"/>
+              <a:t>3. OPTIMIZE BUDGET ALLOCATION</a:t>
             </a:r>
           </a:p>
         </p:txBody>
@@ -10213,13 +10181,18 @@
             <p:ph type="title"/>
           </p:nvPr>
         </p:nvSpPr>
-        <p:spPr/>
-        <p:txBody>
-          <a:bodyPr/>
-          <a:lstStyle/>
-          <a:p>
-            <a:r>
-              <a:rPr lang="en-US"/>
+        <p:spPr>
+          <a:xfrm>
+            <a:off x="435429" y="136525"/>
+            <a:ext cx="5040387" cy="1235075"/>
+          </a:xfrm>
+        </p:spPr>
+        <p:txBody>
+          <a:bodyPr/>
+          <a:lstStyle/>
+          <a:p>
+            <a:r>
+              <a:rPr lang="en-US" dirty="0"/>
               <a:t>INTRODUCTION OVERVIEW</a:t>
             </a:r>
           </a:p>
@@ -10325,13 +10298,18 @@
             <p:ph type="body" sz="quarter" idx="13"/>
           </p:nvPr>
         </p:nvSpPr>
-        <p:spPr/>
-        <p:txBody>
-          <a:bodyPr/>
-          <a:lstStyle/>
-          <a:p>
-            <a:r>
-              <a:rPr lang="en-US"/>
+        <p:spPr>
+          <a:xfrm>
+            <a:off x="435429" y="2013858"/>
+            <a:ext cx="4794171" cy="4844143"/>
+          </a:xfrm>
+        </p:spPr>
+        <p:txBody>
+          <a:bodyPr/>
+          <a:lstStyle/>
+          <a:p>
+            <a:r>
+              <a:rPr lang="en-US" sz="2000" dirty="0"/>
               <a:t>Our company is embarking on an exciting venture, entering the burgeoning film industry with the launch of a new studio. This initiative comes at a time of unprecedented growth in the demand for original video content, prompting us to explore the intricacies of film production. As part of our strategy, we aim to become a formidable player in the film market by harnessing market insights and trends.</a:t>
             </a:r>
           </a:p>
@@ -10353,14 +10331,19 @@
             <p:ph type="body" sz="quarter" idx="17"/>
           </p:nvPr>
         </p:nvSpPr>
-        <p:spPr/>
-        <p:txBody>
-          <a:bodyPr/>
-          <a:lstStyle/>
-          <a:p>
-            <a:r>
-              <a:rPr lang="en-US"/>
-              <a:t>STARTING A NEW MOVIE STUDIO</a:t>
+        <p:spPr>
+          <a:xfrm>
+            <a:off x="435429" y="1371600"/>
+            <a:ext cx="4794171" cy="642258"/>
+          </a:xfrm>
+        </p:spPr>
+        <p:txBody>
+          <a:bodyPr/>
+          <a:lstStyle/>
+          <a:p>
+            <a:r>
+              <a:rPr lang="en-US" sz="1800" dirty="0"/>
+              <a:t>Starting a New Movie Studio</a:t>
             </a:r>
           </a:p>
         </p:txBody>
@@ -10503,42 +10486,47 @@
             <p:ph type="body" sz="quarter" idx="13"/>
           </p:nvPr>
         </p:nvSpPr>
+        <p:spPr>
+          <a:xfrm>
+            <a:off x="6607768" y="1058562"/>
+            <a:ext cx="4360800" cy="5662913"/>
+          </a:xfrm>
+        </p:spPr>
+        <p:txBody>
+          <a:bodyPr/>
+          <a:lstStyle/>
+          <a:p>
+            <a:r>
+              <a:rPr lang="en-US" sz="2000" dirty="0"/>
+              <a:t>In response to the growing trend of corporations producing their own video content, our company is entering the film market. However, the lack of experience in movie production presents a significant challenge. We must analyze how different types of films perform at the box office to ensure our new studio's success. Through careful research, we aim to gather insights that can guide the type of films we should create, ensuring alignment with market demand.</a:t>
+            </a:r>
+          </a:p>
+        </p:txBody>
+      </p:sp>
+      <p:sp>
+        <p:nvSpPr>
+          <p:cNvPr id="7" name="Text Placeholder 6">
+            <a:extLst>
+              <a:ext uri="{FF2B5EF4-FFF2-40B4-BE49-F238E27FC236}">
+                <a16:creationId xmlns:a16="http://schemas.microsoft.com/office/drawing/2014/main" id="{172E7B70-CE7A-6195-9C61-06B03E55A60B}"/>
+              </a:ext>
+            </a:extLst>
+          </p:cNvPr>
+          <p:cNvSpPr>
+            <a:spLocks noGrp="1"/>
+          </p:cNvSpPr>
+          <p:nvPr>
+            <p:ph type="body" sz="quarter" idx="14"/>
+          </p:nvPr>
+        </p:nvSpPr>
         <p:spPr/>
         <p:txBody>
           <a:bodyPr/>
           <a:lstStyle/>
           <a:p>
             <a:r>
-              <a:rPr lang="en-US"/>
-              <a:t>In response to the growing trend of corporations producing their own video content, our company is entering the film market. However, the lack of experience in movie production presents a significant challenge. We must analyze how different types of films perform at the box office to ensure our new studio's success. Through careful research, we aim to gather insights that can guide the type of films we should create, ensuring alignment with market demand.</a:t>
-            </a:r>
-          </a:p>
-        </p:txBody>
-      </p:sp>
-      <p:sp>
-        <p:nvSpPr>
-          <p:cNvPr id="7" name="Text Placeholder 6">
-            <a:extLst>
-              <a:ext uri="{FF2B5EF4-FFF2-40B4-BE49-F238E27FC236}">
-                <a16:creationId xmlns:a16="http://schemas.microsoft.com/office/drawing/2014/main" id="{172E7B70-CE7A-6195-9C61-06B03E55A60B}"/>
-              </a:ext>
-            </a:extLst>
-          </p:cNvPr>
-          <p:cNvSpPr>
-            <a:spLocks noGrp="1"/>
-          </p:cNvSpPr>
-          <p:nvPr>
-            <p:ph type="body" sz="quarter" idx="14"/>
-          </p:nvPr>
-        </p:nvSpPr>
-        <p:spPr/>
-        <p:txBody>
-          <a:bodyPr/>
-          <a:lstStyle/>
-          <a:p>
-            <a:r>
-              <a:rPr lang="en-US"/>
-              <a:t>NAVIGATING THE FILM MARKET</a:t>
+              <a:rPr lang="en-US" sz="1800" dirty="0"/>
+              <a:t>Navigating the Film Market</a:t>
             </a:r>
           </a:p>
         </p:txBody>
@@ -10712,7 +10700,7 @@
           <a:lstStyle/>
           <a:p>
             <a:r>
-              <a:rPr lang="en-US"/>
+              <a:rPr lang="en-US" sz="2000" dirty="0"/>
               <a:t>Evaluate the performance of various film genres in both domestic and international markets.</a:t>
             </a:r>
           </a:p>
@@ -10740,97 +10728,106 @@
           <a:lstStyle/>
           <a:p>
             <a:r>
+              <a:rPr lang="en-US" sz="2000" dirty="0"/>
+              <a:t>Identify the movie studios that consistently produce high-performing films.</a:t>
+            </a:r>
+          </a:p>
+        </p:txBody>
+      </p:sp>
+      <p:sp>
+        <p:nvSpPr>
+          <p:cNvPr id="7" name="Text Placeholder 6">
+            <a:extLst>
+              <a:ext uri="{FF2B5EF4-FFF2-40B4-BE49-F238E27FC236}">
+                <a16:creationId xmlns:a16="http://schemas.microsoft.com/office/drawing/2014/main" id="{39CC9F89-0C1F-2588-096C-CE33F8FD9324}"/>
+              </a:ext>
+            </a:extLst>
+          </p:cNvPr>
+          <p:cNvSpPr>
+            <a:spLocks noGrp="1"/>
+          </p:cNvSpPr>
+          <p:nvPr>
+            <p:ph type="body" sz="quarter" idx="15"/>
+          </p:nvPr>
+        </p:nvSpPr>
+        <p:spPr>
+          <a:xfrm>
+            <a:off x="326570" y="1905001"/>
+            <a:ext cx="2975429" cy="740574"/>
+          </a:xfrm>
+        </p:spPr>
+        <p:txBody>
+          <a:bodyPr/>
+          <a:lstStyle/>
+          <a:p>
+            <a:r>
+              <a:rPr lang="en-US" sz="1800" dirty="0"/>
+              <a:t>1. GENRE PERFORMANCE EVALUATION</a:t>
+            </a:r>
+          </a:p>
+        </p:txBody>
+      </p:sp>
+      <p:sp>
+        <p:nvSpPr>
+          <p:cNvPr id="8" name="Text Placeholder 7">
+            <a:extLst>
+              <a:ext uri="{FF2B5EF4-FFF2-40B4-BE49-F238E27FC236}">
+                <a16:creationId xmlns:a16="http://schemas.microsoft.com/office/drawing/2014/main" id="{C55B3670-D4FD-E769-84B5-7C38F5ED8CA2}"/>
+              </a:ext>
+            </a:extLst>
+          </p:cNvPr>
+          <p:cNvSpPr>
+            <a:spLocks noGrp="1"/>
+          </p:cNvSpPr>
+          <p:nvPr>
+            <p:ph type="body" sz="quarter" idx="16"/>
+          </p:nvPr>
+        </p:nvSpPr>
+        <p:spPr>
+          <a:xfrm>
+            <a:off x="4358771" y="1905000"/>
+            <a:ext cx="2851200" cy="740574"/>
+          </a:xfrm>
+        </p:spPr>
+        <p:txBody>
+          <a:bodyPr/>
+          <a:lstStyle/>
+          <a:p>
+            <a:r>
+              <a:rPr lang="en-US" sz="1800" dirty="0"/>
+              <a:t>2. IDENTIFY SUCCESSFUL STUDIOS</a:t>
+            </a:r>
+          </a:p>
+        </p:txBody>
+      </p:sp>
+      <p:sp>
+        <p:nvSpPr>
+          <p:cNvPr id="9" name="Text Placeholder 8">
+            <a:extLst>
+              <a:ext uri="{FF2B5EF4-FFF2-40B4-BE49-F238E27FC236}">
+                <a16:creationId xmlns:a16="http://schemas.microsoft.com/office/drawing/2014/main" id="{A702BC5A-8087-B810-7DDE-03D121C692B7}"/>
+              </a:ext>
+            </a:extLst>
+          </p:cNvPr>
+          <p:cNvSpPr>
+            <a:spLocks noGrp="1"/>
+          </p:cNvSpPr>
+          <p:nvPr>
+            <p:ph type="body" sz="quarter" idx="17"/>
+          </p:nvPr>
+        </p:nvSpPr>
+        <p:spPr/>
+        <p:txBody>
+          <a:bodyPr/>
+          <a:lstStyle/>
+          <a:p>
+            <a:r>
+              <a:rPr lang="en-US" sz="2000" dirty="0"/>
+              <a:t>Investigate the correlation between production budgets and both domestic and international revenues</a:t>
+            </a:r>
+            <a:r>
               <a:rPr lang="en-US" dirty="0"/>
-              <a:t>Identify the movie studios that consistently produce high-performing films.</a:t>
-            </a:r>
-          </a:p>
-        </p:txBody>
-      </p:sp>
-      <p:sp>
-        <p:nvSpPr>
-          <p:cNvPr id="7" name="Text Placeholder 6">
-            <a:extLst>
-              <a:ext uri="{FF2B5EF4-FFF2-40B4-BE49-F238E27FC236}">
-                <a16:creationId xmlns:a16="http://schemas.microsoft.com/office/drawing/2014/main" id="{39CC9F89-0C1F-2588-096C-CE33F8FD9324}"/>
-              </a:ext>
-            </a:extLst>
-          </p:cNvPr>
-          <p:cNvSpPr>
-            <a:spLocks noGrp="1"/>
-          </p:cNvSpPr>
-          <p:nvPr>
-            <p:ph type="body" sz="quarter" idx="15"/>
-          </p:nvPr>
-        </p:nvSpPr>
-        <p:spPr>
-          <a:xfrm>
-            <a:off x="315686" y="2100943"/>
-            <a:ext cx="2986314" cy="544631"/>
-          </a:xfrm>
-        </p:spPr>
-        <p:txBody>
-          <a:bodyPr/>
-          <a:lstStyle/>
-          <a:p>
-            <a:r>
-              <a:rPr lang="en-US" dirty="0"/>
-              <a:t>1. GENRE PERFORMANCE EVALUATION</a:t>
-            </a:r>
-          </a:p>
-        </p:txBody>
-      </p:sp>
-      <p:sp>
-        <p:nvSpPr>
-          <p:cNvPr id="8" name="Text Placeholder 7">
-            <a:extLst>
-              <a:ext uri="{FF2B5EF4-FFF2-40B4-BE49-F238E27FC236}">
-                <a16:creationId xmlns:a16="http://schemas.microsoft.com/office/drawing/2014/main" id="{C55B3670-D4FD-E769-84B5-7C38F5ED8CA2}"/>
-              </a:ext>
-            </a:extLst>
-          </p:cNvPr>
-          <p:cNvSpPr>
-            <a:spLocks noGrp="1"/>
-          </p:cNvSpPr>
-          <p:nvPr>
-            <p:ph type="body" sz="quarter" idx="16"/>
-          </p:nvPr>
-        </p:nvSpPr>
-        <p:spPr/>
-        <p:txBody>
-          <a:bodyPr/>
-          <a:lstStyle/>
-          <a:p>
-            <a:r>
-              <a:rPr lang="en-US" dirty="0"/>
-              <a:t>2. IDENTIFY SUCCESSFUL STUDIOS</a:t>
-            </a:r>
-          </a:p>
-        </p:txBody>
-      </p:sp>
-      <p:sp>
-        <p:nvSpPr>
-          <p:cNvPr id="9" name="Text Placeholder 8">
-            <a:extLst>
-              <a:ext uri="{FF2B5EF4-FFF2-40B4-BE49-F238E27FC236}">
-                <a16:creationId xmlns:a16="http://schemas.microsoft.com/office/drawing/2014/main" id="{A702BC5A-8087-B810-7DDE-03D121C692B7}"/>
-              </a:ext>
-            </a:extLst>
-          </p:cNvPr>
-          <p:cNvSpPr>
-            <a:spLocks noGrp="1"/>
-          </p:cNvSpPr>
-          <p:nvPr>
-            <p:ph type="body" sz="quarter" idx="17"/>
-          </p:nvPr>
-        </p:nvSpPr>
-        <p:spPr/>
-        <p:txBody>
-          <a:bodyPr/>
-          <a:lstStyle/>
-          <a:p>
-            <a:r>
-              <a:rPr lang="en-US" dirty="0"/>
-              <a:t>Investigate the correlation between production budgets and both domestic and international revenues.</a:t>
+              <a:t>.</a:t>
             </a:r>
           </a:p>
         </p:txBody>
@@ -10853,16 +10850,16 @@
         </p:nvSpPr>
         <p:spPr>
           <a:xfrm>
-            <a:off x="8117367" y="2100943"/>
-            <a:ext cx="2851200" cy="544631"/>
-          </a:xfrm>
-        </p:spPr>
-        <p:txBody>
-          <a:bodyPr/>
-          <a:lstStyle/>
-          <a:p>
-            <a:r>
-              <a:rPr lang="en-US" dirty="0"/>
+            <a:off x="8117367" y="1827213"/>
+            <a:ext cx="2851200" cy="818362"/>
+          </a:xfrm>
+        </p:spPr>
+        <p:txBody>
+          <a:bodyPr/>
+          <a:lstStyle/>
+          <a:p>
+            <a:r>
+              <a:rPr lang="en-US" sz="1800" dirty="0"/>
               <a:t>3. REVENUE AND BUDGET ANALYSIS</a:t>
             </a:r>
           </a:p>
@@ -10950,7 +10947,7 @@
           <a:p>
             <a:r>
               <a:rPr lang="en-ID"/>
-              <a:t>TOP PERFORMING GENRES</a:t>
+              <a:t>FAVORITE GENRES</a:t>
             </a:r>
             <a:endParaRPr lang="en-ID" dirty="0"/>
           </a:p>
@@ -10977,12 +10974,10 @@
           <a:bodyPr/>
           <a:lstStyle/>
           <a:p>
-            <a:fld id="{CF6F24BE-8BEB-403A-BDCC-38E201D0662D}" type="slidenum">
-              <a:rPr lang="en-ID" smtClean="0"/>
-              <a:pPr/>
+            <a:r>
+              <a:rPr lang="en-ID"/>
               <a:t>5</a:t>
-            </a:fld>
-            <a:endParaRPr lang="en-ID"/>
+            </a:r>
           </a:p>
         </p:txBody>
       </p:sp>
@@ -11032,109 +11027,118 @@
             <p:ph type="body" sz="quarter" idx="15"/>
           </p:nvPr>
         </p:nvSpPr>
+        <p:spPr>
+          <a:xfrm>
+            <a:off x="517793" y="4748270"/>
+            <a:ext cx="7813407" cy="1892015"/>
+          </a:xfrm>
+        </p:spPr>
+        <p:txBody>
+          <a:bodyPr/>
+          <a:lstStyle/>
+          <a:p>
+            <a:r>
+              <a:rPr lang="en-US" sz="2000" dirty="0"/>
+              <a:t>A film's popularity score gives us a glimpse into its cultural and commercial connection with audiences. The average rating reflects shared thoughts from critics and viewers, acting as a guide to how well a film is valued and its storytelling brilliance.</a:t>
+            </a:r>
+            <a:endParaRPr lang="ru-RU" sz="2000" dirty="0"/>
+          </a:p>
+        </p:txBody>
+      </p:sp>
+      <p:sp>
+        <p:nvSpPr>
+          <p:cNvPr id="9" name="Text Placeholder 8">
+            <a:extLst>
+              <a:ext uri="{FF2B5EF4-FFF2-40B4-BE49-F238E27FC236}">
+                <a16:creationId xmlns:a16="http://schemas.microsoft.com/office/drawing/2014/main" id="{A6FCC6E0-EBA5-B7DF-518C-A3DBDCB69DD8}"/>
+              </a:ext>
+            </a:extLst>
+          </p:cNvPr>
+          <p:cNvSpPr>
+            <a:spLocks noGrp="1"/>
+          </p:cNvSpPr>
+          <p:nvPr>
+            <p:ph type="body" sz="quarter" idx="16"/>
+          </p:nvPr>
+        </p:nvSpPr>
+        <p:spPr>
+          <a:xfrm>
+            <a:off x="4375275" y="2605448"/>
+            <a:ext cx="6593292" cy="1383965"/>
+          </a:xfrm>
+        </p:spPr>
+        <p:txBody>
+          <a:bodyPr/>
+          <a:lstStyle/>
+          <a:p>
+            <a:r>
+              <a:rPr lang="en-US" sz="2000" dirty="0"/>
+              <a:t>Film production trends reveal industry shifts. Understanding these trends helps studios balance creative expression with audience demand.</a:t>
+            </a:r>
+            <a:endParaRPr lang="ru-RU" sz="2000" dirty="0"/>
+          </a:p>
+        </p:txBody>
+      </p:sp>
+      <p:sp>
+        <p:nvSpPr>
+          <p:cNvPr id="7" name="Text Placeholder 6">
+            <a:extLst>
+              <a:ext uri="{FF2B5EF4-FFF2-40B4-BE49-F238E27FC236}">
+                <a16:creationId xmlns:a16="http://schemas.microsoft.com/office/drawing/2014/main" id="{DBFDF789-4136-FF63-BD68-0550560C0FDE}"/>
+              </a:ext>
+            </a:extLst>
+          </p:cNvPr>
+          <p:cNvSpPr>
+            <a:spLocks noGrp="1"/>
+          </p:cNvSpPr>
+          <p:nvPr>
+            <p:ph type="body" sz="quarter" idx="17"/>
+          </p:nvPr>
+        </p:nvSpPr>
+        <p:spPr>
+          <a:xfrm>
+            <a:off x="517793" y="4126523"/>
+            <a:ext cx="7813407" cy="478607"/>
+          </a:xfrm>
+        </p:spPr>
+        <p:txBody>
+          <a:bodyPr/>
+          <a:lstStyle/>
+          <a:p>
+            <a:r>
+              <a:rPr lang="en-US" sz="1800" dirty="0"/>
+              <a:t>5. UNDERSTANDING POPULARITY SCORES &amp; AVERAGE RATINGS</a:t>
+            </a:r>
+            <a:endParaRPr lang="ru-RU" sz="1800" dirty="0"/>
+          </a:p>
+        </p:txBody>
+      </p:sp>
+      <p:sp>
+        <p:nvSpPr>
+          <p:cNvPr id="10" name="Text Placeholder 9">
+            <a:extLst>
+              <a:ext uri="{FF2B5EF4-FFF2-40B4-BE49-F238E27FC236}">
+                <a16:creationId xmlns:a16="http://schemas.microsoft.com/office/drawing/2014/main" id="{4005B17E-9A33-414D-BF95-C26EA5ACE626}"/>
+              </a:ext>
+            </a:extLst>
+          </p:cNvPr>
+          <p:cNvSpPr>
+            <a:spLocks noGrp="1"/>
+          </p:cNvSpPr>
+          <p:nvPr>
+            <p:ph type="body" sz="quarter" idx="18"/>
+          </p:nvPr>
+        </p:nvSpPr>
         <p:spPr/>
         <p:txBody>
           <a:bodyPr/>
           <a:lstStyle/>
           <a:p>
             <a:r>
-              <a:rPr lang="en-US" dirty="0"/>
-              <a:t>A film's popularity score reflects its cultural and commercial resonance with audiences. </a:t>
-            </a:r>
-          </a:p>
-          <a:p>
-            <a:r>
-              <a:rPr lang="en-US" dirty="0"/>
-              <a:t>Average rating represents collective opinions from critics and audiences, serving as an indicator of a film's perceived quality and storytelling prowess</a:t>
-            </a:r>
-            <a:endParaRPr lang="ru-RU" dirty="0"/>
-          </a:p>
-        </p:txBody>
-      </p:sp>
-      <p:sp>
-        <p:nvSpPr>
-          <p:cNvPr id="9" name="Text Placeholder 8">
-            <a:extLst>
-              <a:ext uri="{FF2B5EF4-FFF2-40B4-BE49-F238E27FC236}">
-                <a16:creationId xmlns:a16="http://schemas.microsoft.com/office/drawing/2014/main" id="{A6FCC6E0-EBA5-B7DF-518C-A3DBDCB69DD8}"/>
-              </a:ext>
-            </a:extLst>
-          </p:cNvPr>
-          <p:cNvSpPr>
-            <a:spLocks noGrp="1"/>
-          </p:cNvSpPr>
-          <p:nvPr>
-            <p:ph type="body" sz="quarter" idx="16"/>
-          </p:nvPr>
-        </p:nvSpPr>
-        <p:spPr/>
-        <p:txBody>
-          <a:bodyPr/>
-          <a:lstStyle/>
-          <a:p>
-            <a:r>
-              <a:rPr lang="en-US" dirty="0"/>
-              <a:t>Film production trends provide insights into industry changes. While popularity may indicate initial interest, a film's lasting impact depends on its artistic quality. Understanding these trends helps studios strike a balance between creativity and market demands.</a:t>
-            </a:r>
-            <a:endParaRPr lang="ru-RU" dirty="0"/>
-          </a:p>
-        </p:txBody>
-      </p:sp>
-      <p:sp>
-        <p:nvSpPr>
-          <p:cNvPr id="7" name="Text Placeholder 6">
-            <a:extLst>
-              <a:ext uri="{FF2B5EF4-FFF2-40B4-BE49-F238E27FC236}">
-                <a16:creationId xmlns:a16="http://schemas.microsoft.com/office/drawing/2014/main" id="{DBFDF789-4136-FF63-BD68-0550560C0FDE}"/>
-              </a:ext>
-            </a:extLst>
-          </p:cNvPr>
-          <p:cNvSpPr>
-            <a:spLocks noGrp="1"/>
-          </p:cNvSpPr>
-          <p:nvPr>
-            <p:ph type="body" sz="quarter" idx="17"/>
-          </p:nvPr>
-        </p:nvSpPr>
-        <p:spPr/>
-        <p:txBody>
-          <a:bodyPr/>
-          <a:lstStyle/>
-          <a:p>
-            <a:r>
-              <a:rPr lang="en-US" dirty="0"/>
-              <a:t>5. POPULARITY SCORE INSIGHTS &amp; AVERAGE RATING SIGNIFICANCE</a:t>
-            </a:r>
-            <a:endParaRPr lang="ru-RU" dirty="0"/>
-          </a:p>
-        </p:txBody>
-      </p:sp>
-      <p:sp>
-        <p:nvSpPr>
-          <p:cNvPr id="10" name="Text Placeholder 9">
-            <a:extLst>
-              <a:ext uri="{FF2B5EF4-FFF2-40B4-BE49-F238E27FC236}">
-                <a16:creationId xmlns:a16="http://schemas.microsoft.com/office/drawing/2014/main" id="{4005B17E-9A33-414D-BF95-C26EA5ACE626}"/>
-              </a:ext>
-            </a:extLst>
-          </p:cNvPr>
-          <p:cNvSpPr>
-            <a:spLocks noGrp="1"/>
-          </p:cNvSpPr>
-          <p:nvPr>
-            <p:ph type="body" sz="quarter" idx="18"/>
-          </p:nvPr>
-        </p:nvSpPr>
-        <p:spPr/>
-        <p:txBody>
-          <a:bodyPr/>
-          <a:lstStyle/>
-          <a:p>
-            <a:r>
-              <a:rPr lang="en-US" dirty="0"/>
-              <a:t>4. PRODUCTION TRENDS OVER TIME</a:t>
-            </a:r>
-            <a:endParaRPr lang="ru-RU" dirty="0"/>
+              <a:rPr lang="en-US" sz="1800" dirty="0"/>
+              <a:t>4. EXPLORING PRODUCTION TRENDS</a:t>
+            </a:r>
+            <a:endParaRPr lang="ru-RU" sz="1800" dirty="0"/>
           </a:p>
         </p:txBody>
       </p:sp>
@@ -11279,19 +11283,19 @@
         </p:nvSpPr>
         <p:spPr>
           <a:xfrm>
-            <a:off x="599017" y="2686750"/>
-            <a:ext cx="2850043" cy="4034725"/>
-          </a:xfrm>
-        </p:spPr>
-        <p:txBody>
-          <a:bodyPr/>
-          <a:lstStyle/>
-          <a:p>
-            <a:r>
-              <a:rPr lang="en-US" dirty="0"/>
-              <a:t>Exploratory Data Analysis (EDA) is a crucial initial step in data analysis. It summarizes dataset features, often through visuals, helping to understand trends, identify patterns, and detect anomalies in data. EDA outcomes direct modeling decisions to accurately represent relationships in film data, key for building effective predictive models.</a:t>
-            </a:r>
-            <a:endParaRPr lang="ru-RU" dirty="0"/>
+            <a:off x="599017" y="2494938"/>
+            <a:ext cx="2850043" cy="4226537"/>
+          </a:xfrm>
+        </p:spPr>
+        <p:txBody>
+          <a:bodyPr/>
+          <a:lstStyle/>
+          <a:p>
+            <a:r>
+              <a:rPr lang="en-US" sz="2000" dirty="0"/>
+              <a:t>EDA is a crucial initial step in data analysis. It summarizes dataset features, through visuals, helping to understand trends, identify patterns, and detect anomalies in data. </a:t>
+            </a:r>
+            <a:endParaRPr lang="ru-RU" sz="2000" dirty="0"/>
           </a:p>
         </p:txBody>
       </p:sp>
@@ -11313,19 +11317,19 @@
         </p:nvSpPr>
         <p:spPr>
           <a:xfrm>
-            <a:off x="4358771" y="2686751"/>
-            <a:ext cx="2850043" cy="4114800"/>
-          </a:xfrm>
-        </p:spPr>
-        <p:txBody>
-          <a:bodyPr/>
-          <a:lstStyle/>
-          <a:p>
-            <a:r>
-              <a:rPr lang="en-US" dirty="0"/>
-              <a:t>Statistical Analysis uses methodologies to examine relationships between variables, validating assumptions and drawing inferences about populations based on samples. Techniques like hypothesis testing, regression, and variance analysis are common. This step reduces bias and errors, ensuring reliable outcomes. Statistical analysis substantiates key findings with quantitative evidence, enhancing credibility of conclusions.</a:t>
-            </a:r>
-            <a:endParaRPr lang="ru-RU" dirty="0"/>
+            <a:off x="4062893" y="2434728"/>
+            <a:ext cx="3318406" cy="4423272"/>
+          </a:xfrm>
+        </p:spPr>
+        <p:txBody>
+          <a:bodyPr/>
+          <a:lstStyle/>
+          <a:p>
+            <a:r>
+              <a:rPr lang="en-US" sz="2000" dirty="0"/>
+              <a:t>This explores variable relationships, validating assumptions and drawing inferences from samples. Key techniques; hypothesis testing, regression, and variance analysis.</a:t>
+            </a:r>
+            <a:endParaRPr lang="ru-RU" sz="2000" dirty="0"/>
           </a:p>
         </p:txBody>
       </p:sp>
@@ -11345,16 +11349,21 @@
             <p:ph type="body" sz="quarter" idx="15"/>
           </p:nvPr>
         </p:nvSpPr>
-        <p:spPr/>
-        <p:txBody>
-          <a:bodyPr/>
-          <a:lstStyle/>
-          <a:p>
-            <a:r>
-              <a:rPr lang="en-US"/>
+        <p:spPr>
+          <a:xfrm>
+            <a:off x="599017" y="1825199"/>
+            <a:ext cx="2702984" cy="794329"/>
+          </a:xfrm>
+        </p:spPr>
+        <p:txBody>
+          <a:bodyPr/>
+          <a:lstStyle/>
+          <a:p>
+            <a:r>
+              <a:rPr lang="en-US" sz="1800" dirty="0"/>
               <a:t>EXPLORATORY DATA ANALYSIS</a:t>
             </a:r>
-            <a:endParaRPr lang="ru-RU"/>
+            <a:endParaRPr lang="ru-RU" sz="1800" dirty="0"/>
           </a:p>
         </p:txBody>
       </p:sp>
@@ -11374,16 +11383,21 @@
             <p:ph type="body" sz="quarter" idx="16"/>
           </p:nvPr>
         </p:nvSpPr>
-        <p:spPr/>
-        <p:txBody>
-          <a:bodyPr/>
-          <a:lstStyle/>
-          <a:p>
-            <a:r>
-              <a:rPr lang="en-US"/>
+        <p:spPr>
+          <a:xfrm>
+            <a:off x="4241494" y="1825199"/>
+            <a:ext cx="2968477" cy="450775"/>
+          </a:xfrm>
+        </p:spPr>
+        <p:txBody>
+          <a:bodyPr/>
+          <a:lstStyle/>
+          <a:p>
+            <a:r>
+              <a:rPr lang="en-US" sz="1800" dirty="0"/>
               <a:t>STATISTICAL ANALYSIS</a:t>
             </a:r>
-            <a:endParaRPr lang="ru-RU"/>
+            <a:endParaRPr lang="ru-RU" sz="1800" dirty="0"/>
           </a:p>
         </p:txBody>
       </p:sp>
@@ -11403,16 +11417,21 @@
             <p:ph type="body" sz="quarter" idx="17"/>
           </p:nvPr>
         </p:nvSpPr>
-        <p:spPr/>
-        <p:txBody>
-          <a:bodyPr/>
-          <a:lstStyle/>
-          <a:p>
-            <a:r>
-              <a:rPr lang="en-US" dirty="0"/>
-              <a:t>Model evaluation uses metrics to assess the accuracy and effectiveness of predictive models. Metrics like accuracy, precision, recall, and F1-score indicate model performance. Evaluating models ensures they fit training data and generalize well to unseen data, which is essential for success. A systematic evaluation approach helps select the best model for deployment.</a:t>
-            </a:r>
-            <a:endParaRPr lang="ru-RU" dirty="0"/>
+        <p:spPr>
+          <a:xfrm>
+            <a:off x="7943725" y="2434728"/>
+            <a:ext cx="3024842" cy="4286747"/>
+          </a:xfrm>
+        </p:spPr>
+        <p:txBody>
+          <a:bodyPr/>
+          <a:lstStyle/>
+          <a:p>
+            <a:r>
+              <a:rPr lang="en-US" sz="2000" dirty="0"/>
+              <a:t>This process ensures that models not only fit the training data but also generalize well to new datasets, which is essential for their success. A structured evaluation process aids in selecting the optimal model for deployment.</a:t>
+            </a:r>
+            <a:endParaRPr lang="ru-RU" sz="2000" dirty="0"/>
           </a:p>
         </p:txBody>
       </p:sp>
@@ -11432,16 +11451,21 @@
             <p:ph type="body" sz="quarter" idx="18"/>
           </p:nvPr>
         </p:nvSpPr>
-        <p:spPr/>
-        <p:txBody>
-          <a:bodyPr/>
-          <a:lstStyle/>
-          <a:p>
-            <a:r>
-              <a:rPr lang="en-US"/>
+        <p:spPr>
+          <a:xfrm>
+            <a:off x="7796665" y="1674563"/>
+            <a:ext cx="3171902" cy="820375"/>
+          </a:xfrm>
+        </p:spPr>
+        <p:txBody>
+          <a:bodyPr/>
+          <a:lstStyle/>
+          <a:p>
+            <a:r>
+              <a:rPr lang="en-US" sz="1800" dirty="0"/>
               <a:t>MODEL EVALUATION AND PERFORMANCE METRICS</a:t>
             </a:r>
-            <a:endParaRPr lang="ru-RU"/>
+            <a:endParaRPr lang="ru-RU" sz="1800" dirty="0"/>
           </a:p>
         </p:txBody>
       </p:sp>
@@ -11475,1574 +11499,6 @@
           <a:chExt cx="0" cy="0"/>
         </a:xfrm>
       </p:grpSpPr>
-      <p:graphicFrame>
-        <p:nvGraphicFramePr>
-          <p:cNvPr id="2" name="Table 0"/>
-          <p:cNvGraphicFramePr>
-            <a:graphicFrameLocks noGrp="1"/>
-          </p:cNvGraphicFramePr>
-          <p:nvPr>
-            <p:extLst>
-              <p:ext uri="{D42A27DB-BD31-4B8C-83A1-F6EECF244321}">
-                <p14:modId xmlns:p14="http://schemas.microsoft.com/office/powerpoint/2010/main" val="1305103334"/>
-              </p:ext>
-            </p:extLst>
-          </p:nvPr>
-        </p:nvGraphicFramePr>
-        <p:xfrm>
-          <a:off x="596900" y="2146300"/>
-          <a:ext cx="5640612" cy="3761888"/>
-        </p:xfrm>
-        <a:graphic>
-          <a:graphicData uri="http://schemas.openxmlformats.org/drawingml/2006/table">
-            <a:tbl>
-              <a:tblPr/>
-              <a:tblGrid>
-                <a:gridCol w="1880204">
-                  <a:extLst>
-                    <a:ext uri="{9D8B030D-6E8A-4147-A177-3AD203B41FA5}">
-                      <a16:colId xmlns:a16="http://schemas.microsoft.com/office/drawing/2014/main" val="20000"/>
-                    </a:ext>
-                  </a:extLst>
-                </a:gridCol>
-                <a:gridCol w="1880204">
-                  <a:extLst>
-                    <a:ext uri="{9D8B030D-6E8A-4147-A177-3AD203B41FA5}">
-                      <a16:colId xmlns:a16="http://schemas.microsoft.com/office/drawing/2014/main" val="20001"/>
-                    </a:ext>
-                  </a:extLst>
-                </a:gridCol>
-                <a:gridCol w="1880204">
-                  <a:extLst>
-                    <a:ext uri="{9D8B030D-6E8A-4147-A177-3AD203B41FA5}">
-                      <a16:colId xmlns:a16="http://schemas.microsoft.com/office/drawing/2014/main" val="20002"/>
-                    </a:ext>
-                  </a:extLst>
-                </a:gridCol>
-              </a:tblGrid>
-              <a:tr h="630494">
-                <a:tc>
-                  <a:txBody>
-                    <a:bodyPr/>
-                    <a:lstStyle/>
-                    <a:p>
-                      <a:pPr marL="0" indent="0">
-                        <a:buNone/>
-                      </a:pPr>
-                      <a:r>
-                        <a:rPr lang="en-US" sz="1400" b="1" dirty="0">
-                          <a:solidFill>
-                            <a:srgbClr val="000000"/>
-                          </a:solidFill>
-                          <a:latin typeface="Open Sans" pitchFamily="34" charset="0"/>
-                          <a:ea typeface="Open Sans" pitchFamily="34" charset="-122"/>
-                          <a:cs typeface="Open Sans" pitchFamily="34" charset="-120"/>
-                        </a:rPr>
-                        <a:t>GENRE</a:t>
-                      </a:r>
-                      <a:endParaRPr lang="en-US" sz="1400" dirty="0">
-                        <a:latin typeface="Open Sans" charset="0"/>
-                        <a:ea typeface="Open Sans" charset="0"/>
-                        <a:cs typeface="Open Sans" charset="0"/>
-                      </a:endParaRPr>
-                    </a:p>
-                  </a:txBody>
-                  <a:tcPr marL="73152" marR="73152" marT="73152" marB="73152" anchor="ctr">
-                    <a:lnL w="0" cap="flat" cmpd="sng" algn="ctr">
-                      <a:solidFill>
-                        <a:srgbClr val="666666"/>
-                      </a:solidFill>
-                      <a:prstDash val="sysDash"/>
-                      <a:round/>
-                      <a:headEnd type="none" w="med" len="med"/>
-                      <a:tailEnd type="none" w="med" len="med"/>
-                    </a:lnL>
-                    <a:lnR w="12700" cap="flat" cmpd="sng" algn="ctr">
-                      <a:solidFill>
-                        <a:srgbClr val="A6A6A6"/>
-                      </a:solidFill>
-                      <a:prstDash val="sysDash"/>
-                      <a:round/>
-                      <a:headEnd type="none" w="med" len="med"/>
-                      <a:tailEnd type="none" w="med" len="med"/>
-                    </a:lnR>
-                    <a:lnT w="0" cap="flat" cmpd="sng" algn="ctr">
-                      <a:solidFill>
-                        <a:srgbClr val="666666"/>
-                      </a:solidFill>
-                      <a:prstDash val="sysDash"/>
-                      <a:round/>
-                      <a:headEnd type="none" w="med" len="med"/>
-                      <a:tailEnd type="none" w="med" len="med"/>
-                    </a:lnT>
-                    <a:lnB w="12700" cap="flat" cmpd="sng" algn="ctr">
-                      <a:solidFill>
-                        <a:srgbClr val="A6A6A6"/>
-                      </a:solidFill>
-                      <a:prstDash val="sysDash"/>
-                      <a:round/>
-                      <a:headEnd type="none" w="med" len="med"/>
-                      <a:tailEnd type="none" w="med" len="med"/>
-                    </a:lnB>
-                    <a:solidFill>
-                      <a:srgbClr val="BFBFBF">
-                        <a:alpha val="0"/>
-                      </a:srgbClr>
-                    </a:solidFill>
-                  </a:tcPr>
-                </a:tc>
-                <a:tc>
-                  <a:txBody>
-                    <a:bodyPr/>
-                    <a:lstStyle/>
-                    <a:p>
-                      <a:pPr marL="0" indent="0">
-                        <a:buNone/>
-                      </a:pPr>
-                      <a:r>
-                        <a:rPr lang="en-US" sz="1400" b="1" dirty="0">
-                          <a:solidFill>
-                            <a:srgbClr val="000000"/>
-                          </a:solidFill>
-                          <a:latin typeface="Open Sans" pitchFamily="34" charset="0"/>
-                          <a:ea typeface="Open Sans" pitchFamily="34" charset="-122"/>
-                          <a:cs typeface="Open Sans" pitchFamily="34" charset="-120"/>
-                        </a:rPr>
-                        <a:t>DOMESTIC PERFORMANCE</a:t>
-                      </a:r>
-                      <a:endParaRPr lang="en-US" sz="1400" dirty="0">
-                        <a:latin typeface="Open Sans" charset="0"/>
-                        <a:ea typeface="Open Sans" charset="0"/>
-                        <a:cs typeface="Open Sans" charset="0"/>
-                      </a:endParaRPr>
-                    </a:p>
-                  </a:txBody>
-                  <a:tcPr marL="73152" marR="73152" marT="73152" marB="73152" anchor="ctr">
-                    <a:lnL w="12700" cap="flat" cmpd="sng" algn="ctr">
-                      <a:solidFill>
-                        <a:srgbClr val="A6A6A6"/>
-                      </a:solidFill>
-                      <a:prstDash val="sysDash"/>
-                      <a:round/>
-                      <a:headEnd type="none" w="med" len="med"/>
-                      <a:tailEnd type="none" w="med" len="med"/>
-                    </a:lnL>
-                    <a:lnR w="12700" cap="flat" cmpd="sng" algn="ctr">
-                      <a:solidFill>
-                        <a:srgbClr val="A6A6A6"/>
-                      </a:solidFill>
-                      <a:prstDash val="sysDash"/>
-                      <a:round/>
-                      <a:headEnd type="none" w="med" len="med"/>
-                      <a:tailEnd type="none" w="med" len="med"/>
-                    </a:lnR>
-                    <a:lnT w="0" cap="flat" cmpd="sng" algn="ctr">
-                      <a:solidFill>
-                        <a:srgbClr val="666666"/>
-                      </a:solidFill>
-                      <a:prstDash val="sysDash"/>
-                      <a:round/>
-                      <a:headEnd type="none" w="med" len="med"/>
-                      <a:tailEnd type="none" w="med" len="med"/>
-                    </a:lnT>
-                    <a:lnB w="12700" cap="flat" cmpd="sng" algn="ctr">
-                      <a:solidFill>
-                        <a:srgbClr val="A6A6A6"/>
-                      </a:solidFill>
-                      <a:prstDash val="sysDash"/>
-                      <a:round/>
-                      <a:headEnd type="none" w="med" len="med"/>
-                      <a:tailEnd type="none" w="med" len="med"/>
-                    </a:lnB>
-                    <a:solidFill>
-                      <a:srgbClr val="BFBFBF">
-                        <a:alpha val="0"/>
-                      </a:srgbClr>
-                    </a:solidFill>
-                  </a:tcPr>
-                </a:tc>
-                <a:tc>
-                  <a:txBody>
-                    <a:bodyPr/>
-                    <a:lstStyle/>
-                    <a:p>
-                      <a:pPr marL="0" indent="0">
-                        <a:buNone/>
-                      </a:pPr>
-                      <a:r>
-                        <a:rPr lang="en-US" sz="1400" b="1" dirty="0">
-                          <a:solidFill>
-                            <a:srgbClr val="000000"/>
-                          </a:solidFill>
-                          <a:latin typeface="Open Sans" pitchFamily="34" charset="0"/>
-                          <a:ea typeface="Open Sans" pitchFamily="34" charset="-122"/>
-                          <a:cs typeface="Open Sans" pitchFamily="34" charset="-120"/>
-                        </a:rPr>
-                        <a:t>INTERNATIONAL PERFORMANCE</a:t>
-                      </a:r>
-                      <a:endParaRPr lang="en-US" sz="1400" dirty="0">
-                        <a:latin typeface="Open Sans" charset="0"/>
-                        <a:ea typeface="Open Sans" charset="0"/>
-                        <a:cs typeface="Open Sans" charset="0"/>
-                      </a:endParaRPr>
-                    </a:p>
-                  </a:txBody>
-                  <a:tcPr marL="73152" marR="73152" marT="73152" marB="73152" anchor="ctr">
-                    <a:lnL w="12700" cap="flat" cmpd="sng" algn="ctr">
-                      <a:solidFill>
-                        <a:srgbClr val="A6A6A6"/>
-                      </a:solidFill>
-                      <a:prstDash val="sysDash"/>
-                      <a:round/>
-                      <a:headEnd type="none" w="med" len="med"/>
-                      <a:tailEnd type="none" w="med" len="med"/>
-                    </a:lnL>
-                    <a:lnR w="0" cap="flat" cmpd="sng" algn="ctr">
-                      <a:solidFill>
-                        <a:srgbClr val="666666"/>
-                      </a:solidFill>
-                      <a:prstDash val="sysDash"/>
-                      <a:round/>
-                      <a:headEnd type="none" w="med" len="med"/>
-                      <a:tailEnd type="none" w="med" len="med"/>
-                    </a:lnR>
-                    <a:lnT w="0" cap="flat" cmpd="sng" algn="ctr">
-                      <a:solidFill>
-                        <a:srgbClr val="666666"/>
-                      </a:solidFill>
-                      <a:prstDash val="sysDash"/>
-                      <a:round/>
-                      <a:headEnd type="none" w="med" len="med"/>
-                      <a:tailEnd type="none" w="med" len="med"/>
-                    </a:lnT>
-                    <a:lnB w="12700" cap="flat" cmpd="sng" algn="ctr">
-                      <a:solidFill>
-                        <a:srgbClr val="A6A6A6"/>
-                      </a:solidFill>
-                      <a:prstDash val="sysDash"/>
-                      <a:round/>
-                      <a:headEnd type="none" w="med" len="med"/>
-                      <a:tailEnd type="none" w="med" len="med"/>
-                    </a:lnB>
-                    <a:solidFill>
-                      <a:srgbClr val="BFBFBF">
-                        <a:alpha val="0"/>
-                      </a:srgbClr>
-                    </a:solidFill>
-                  </a:tcPr>
-                </a:tc>
-                <a:extLst>
-                  <a:ext uri="{0D108BD9-81ED-4DB2-BD59-A6C34878D82A}">
-                    <a16:rowId xmlns:a16="http://schemas.microsoft.com/office/drawing/2014/main" val="10000"/>
-                  </a:ext>
-                </a:extLst>
-              </a:tr>
-              <a:tr h="521899">
-                <a:tc>
-                  <a:txBody>
-                    <a:bodyPr/>
-                    <a:lstStyle/>
-                    <a:p>
-                      <a:pPr marL="0" indent="0">
-                        <a:buNone/>
-                      </a:pPr>
-                      <a:r>
-                        <a:rPr lang="en-US" sz="1400" dirty="0">
-                          <a:solidFill>
-                            <a:srgbClr val="232220"/>
-                          </a:solidFill>
-                          <a:latin typeface="Open Sans" pitchFamily="34" charset="0"/>
-                          <a:ea typeface="Open Sans" pitchFamily="34" charset="-122"/>
-                          <a:cs typeface="Open Sans" pitchFamily="34" charset="-120"/>
-                        </a:rPr>
-                        <a:t>Action</a:t>
-                      </a:r>
-                      <a:endParaRPr lang="en-US" sz="1400" dirty="0">
-                        <a:latin typeface="Open Sans" charset="0"/>
-                        <a:ea typeface="Open Sans" charset="0"/>
-                        <a:cs typeface="Open Sans" charset="0"/>
-                      </a:endParaRPr>
-                    </a:p>
-                  </a:txBody>
-                  <a:tcPr marL="73152" marR="73152" marT="73152" marB="73152" anchor="ctr">
-                    <a:lnL w="0" cap="flat" cmpd="sng" algn="ctr">
-                      <a:solidFill>
-                        <a:srgbClr val="666666"/>
-                      </a:solidFill>
-                      <a:prstDash val="sysDash"/>
-                      <a:round/>
-                      <a:headEnd type="none" w="med" len="med"/>
-                      <a:tailEnd type="none" w="med" len="med"/>
-                    </a:lnL>
-                    <a:lnR w="12700" cap="flat" cmpd="sng" algn="ctr">
-                      <a:solidFill>
-                        <a:srgbClr val="A6A6A6"/>
-                      </a:solidFill>
-                      <a:prstDash val="sysDash"/>
-                      <a:round/>
-                      <a:headEnd type="none" w="med" len="med"/>
-                      <a:tailEnd type="none" w="med" len="med"/>
-                    </a:lnR>
-                    <a:lnT w="12700" cap="flat" cmpd="sng" algn="ctr">
-                      <a:solidFill>
-                        <a:srgbClr val="A6A6A6"/>
-                      </a:solidFill>
-                      <a:prstDash val="sysDash"/>
-                      <a:round/>
-                      <a:headEnd type="none" w="med" len="med"/>
-                      <a:tailEnd type="none" w="med" len="med"/>
-                    </a:lnT>
-                    <a:lnB w="12700" cap="flat" cmpd="sng" algn="ctr">
-                      <a:solidFill>
-                        <a:srgbClr val="A6A6A6"/>
-                      </a:solidFill>
-                      <a:prstDash val="sysDash"/>
-                      <a:round/>
-                      <a:headEnd type="none" w="med" len="med"/>
-                      <a:tailEnd type="none" w="med" len="med"/>
-                    </a:lnB>
-                    <a:solidFill>
-                      <a:srgbClr val="BFBFBF">
-                        <a:alpha val="0"/>
-                      </a:srgbClr>
-                    </a:solidFill>
-                  </a:tcPr>
-                </a:tc>
-                <a:tc>
-                  <a:txBody>
-                    <a:bodyPr/>
-                    <a:lstStyle/>
-                    <a:p>
-                      <a:pPr marL="0" indent="0">
-                        <a:buNone/>
-                      </a:pPr>
-                      <a:r>
-                        <a:rPr lang="en-US" sz="1400" dirty="0">
-                          <a:solidFill>
-                            <a:srgbClr val="232220"/>
-                          </a:solidFill>
-                          <a:latin typeface="Open Sans" pitchFamily="34" charset="0"/>
-                          <a:ea typeface="Open Sans" pitchFamily="34" charset="-122"/>
-                          <a:cs typeface="Open Sans" pitchFamily="34" charset="-120"/>
-                        </a:rPr>
-                        <a:t>High</a:t>
-                      </a:r>
-                      <a:endParaRPr lang="en-US" sz="1400" dirty="0">
-                        <a:latin typeface="Open Sans" charset="0"/>
-                        <a:ea typeface="Open Sans" charset="0"/>
-                        <a:cs typeface="Open Sans" charset="0"/>
-                      </a:endParaRPr>
-                    </a:p>
-                  </a:txBody>
-                  <a:tcPr marL="73152" marR="73152" marT="73152" marB="73152" anchor="ctr">
-                    <a:lnL w="12700" cap="flat" cmpd="sng" algn="ctr">
-                      <a:solidFill>
-                        <a:srgbClr val="A6A6A6"/>
-                      </a:solidFill>
-                      <a:prstDash val="sysDash"/>
-                      <a:round/>
-                      <a:headEnd type="none" w="med" len="med"/>
-                      <a:tailEnd type="none" w="med" len="med"/>
-                    </a:lnL>
-                    <a:lnR w="12700" cap="flat" cmpd="sng" algn="ctr">
-                      <a:solidFill>
-                        <a:srgbClr val="A6A6A6"/>
-                      </a:solidFill>
-                      <a:prstDash val="sysDash"/>
-                      <a:round/>
-                      <a:headEnd type="none" w="med" len="med"/>
-                      <a:tailEnd type="none" w="med" len="med"/>
-                    </a:lnR>
-                    <a:lnT w="12700" cap="flat" cmpd="sng" algn="ctr">
-                      <a:solidFill>
-                        <a:srgbClr val="A6A6A6"/>
-                      </a:solidFill>
-                      <a:prstDash val="sysDash"/>
-                      <a:round/>
-                      <a:headEnd type="none" w="med" len="med"/>
-                      <a:tailEnd type="none" w="med" len="med"/>
-                    </a:lnT>
-                    <a:lnB w="12700" cap="flat" cmpd="sng" algn="ctr">
-                      <a:solidFill>
-                        <a:srgbClr val="A6A6A6"/>
-                      </a:solidFill>
-                      <a:prstDash val="sysDash"/>
-                      <a:round/>
-                      <a:headEnd type="none" w="med" len="med"/>
-                      <a:tailEnd type="none" w="med" len="med"/>
-                    </a:lnB>
-                    <a:solidFill>
-                      <a:srgbClr val="BFBFBF">
-                        <a:alpha val="0"/>
-                      </a:srgbClr>
-                    </a:solidFill>
-                  </a:tcPr>
-                </a:tc>
-                <a:tc>
-                  <a:txBody>
-                    <a:bodyPr/>
-                    <a:lstStyle/>
-                    <a:p>
-                      <a:pPr marL="0" indent="0">
-                        <a:buNone/>
-                      </a:pPr>
-                      <a:r>
-                        <a:rPr lang="en-US" sz="1400" dirty="0">
-                          <a:solidFill>
-                            <a:srgbClr val="232220"/>
-                          </a:solidFill>
-                          <a:latin typeface="Open Sans" pitchFamily="34" charset="0"/>
-                          <a:ea typeface="Open Sans" pitchFamily="34" charset="-122"/>
-                          <a:cs typeface="Open Sans" pitchFamily="34" charset="-120"/>
-                        </a:rPr>
-                        <a:t>Very High</a:t>
-                      </a:r>
-                      <a:endParaRPr lang="en-US" sz="1400" dirty="0">
-                        <a:latin typeface="Open Sans" charset="0"/>
-                        <a:ea typeface="Open Sans" charset="0"/>
-                        <a:cs typeface="Open Sans" charset="0"/>
-                      </a:endParaRPr>
-                    </a:p>
-                  </a:txBody>
-                  <a:tcPr marL="73152" marR="73152" marT="73152" marB="73152" anchor="ctr">
-                    <a:lnL w="12700" cap="flat" cmpd="sng" algn="ctr">
-                      <a:solidFill>
-                        <a:srgbClr val="A6A6A6"/>
-                      </a:solidFill>
-                      <a:prstDash val="sysDash"/>
-                      <a:round/>
-                      <a:headEnd type="none" w="med" len="med"/>
-                      <a:tailEnd type="none" w="med" len="med"/>
-                    </a:lnL>
-                    <a:lnR w="0" cap="flat" cmpd="sng" algn="ctr">
-                      <a:solidFill>
-                        <a:srgbClr val="666666"/>
-                      </a:solidFill>
-                      <a:prstDash val="sysDash"/>
-                      <a:round/>
-                      <a:headEnd type="none" w="med" len="med"/>
-                      <a:tailEnd type="none" w="med" len="med"/>
-                    </a:lnR>
-                    <a:lnT w="12700" cap="flat" cmpd="sng" algn="ctr">
-                      <a:solidFill>
-                        <a:srgbClr val="A6A6A6"/>
-                      </a:solidFill>
-                      <a:prstDash val="sysDash"/>
-                      <a:round/>
-                      <a:headEnd type="none" w="med" len="med"/>
-                      <a:tailEnd type="none" w="med" len="med"/>
-                    </a:lnT>
-                    <a:lnB w="12700" cap="flat" cmpd="sng" algn="ctr">
-                      <a:solidFill>
-                        <a:srgbClr val="A6A6A6"/>
-                      </a:solidFill>
-                      <a:prstDash val="sysDash"/>
-                      <a:round/>
-                      <a:headEnd type="none" w="med" len="med"/>
-                      <a:tailEnd type="none" w="med" len="med"/>
-                    </a:lnB>
-                    <a:solidFill>
-                      <a:srgbClr val="BFBFBF">
-                        <a:alpha val="0"/>
-                      </a:srgbClr>
-                    </a:solidFill>
-                  </a:tcPr>
-                </a:tc>
-                <a:extLst>
-                  <a:ext uri="{0D108BD9-81ED-4DB2-BD59-A6C34878D82A}">
-                    <a16:rowId xmlns:a16="http://schemas.microsoft.com/office/drawing/2014/main" val="10001"/>
-                  </a:ext>
-                </a:extLst>
-              </a:tr>
-              <a:tr h="521899">
-                <a:tc>
-                  <a:txBody>
-                    <a:bodyPr/>
-                    <a:lstStyle/>
-                    <a:p>
-                      <a:pPr marL="0" indent="0">
-                        <a:buNone/>
-                      </a:pPr>
-                      <a:r>
-                        <a:rPr lang="en-US" sz="1400" dirty="0">
-                          <a:solidFill>
-                            <a:srgbClr val="232220"/>
-                          </a:solidFill>
-                          <a:latin typeface="Open Sans" pitchFamily="34" charset="0"/>
-                          <a:ea typeface="Open Sans" pitchFamily="34" charset="-122"/>
-                          <a:cs typeface="Open Sans" pitchFamily="34" charset="-120"/>
-                        </a:rPr>
-                        <a:t>Comedy</a:t>
-                      </a:r>
-                      <a:endParaRPr lang="en-US" sz="1400" dirty="0">
-                        <a:latin typeface="Open Sans" charset="0"/>
-                        <a:ea typeface="Open Sans" charset="0"/>
-                        <a:cs typeface="Open Sans" charset="0"/>
-                      </a:endParaRPr>
-                    </a:p>
-                  </a:txBody>
-                  <a:tcPr marL="73152" marR="73152" marT="73152" marB="73152" anchor="ctr">
-                    <a:lnL w="0" cap="flat" cmpd="sng" algn="ctr">
-                      <a:solidFill>
-                        <a:srgbClr val="666666"/>
-                      </a:solidFill>
-                      <a:prstDash val="sysDash"/>
-                      <a:round/>
-                      <a:headEnd type="none" w="med" len="med"/>
-                      <a:tailEnd type="none" w="med" len="med"/>
-                    </a:lnL>
-                    <a:lnR w="12700" cap="flat" cmpd="sng" algn="ctr">
-                      <a:solidFill>
-                        <a:srgbClr val="A6A6A6"/>
-                      </a:solidFill>
-                      <a:prstDash val="sysDash"/>
-                      <a:round/>
-                      <a:headEnd type="none" w="med" len="med"/>
-                      <a:tailEnd type="none" w="med" len="med"/>
-                    </a:lnR>
-                    <a:lnT w="12700" cap="flat" cmpd="sng" algn="ctr">
-                      <a:solidFill>
-                        <a:srgbClr val="A6A6A6"/>
-                      </a:solidFill>
-                      <a:prstDash val="sysDash"/>
-                      <a:round/>
-                      <a:headEnd type="none" w="med" len="med"/>
-                      <a:tailEnd type="none" w="med" len="med"/>
-                    </a:lnT>
-                    <a:lnB w="12700" cap="flat" cmpd="sng" algn="ctr">
-                      <a:solidFill>
-                        <a:srgbClr val="A6A6A6"/>
-                      </a:solidFill>
-                      <a:prstDash val="sysDash"/>
-                      <a:round/>
-                      <a:headEnd type="none" w="med" len="med"/>
-                      <a:tailEnd type="none" w="med" len="med"/>
-                    </a:lnB>
-                    <a:solidFill>
-                      <a:srgbClr val="BFBFBF">
-                        <a:alpha val="0"/>
-                      </a:srgbClr>
-                    </a:solidFill>
-                  </a:tcPr>
-                </a:tc>
-                <a:tc>
-                  <a:txBody>
-                    <a:bodyPr/>
-                    <a:lstStyle/>
-                    <a:p>
-                      <a:pPr marL="0" indent="0">
-                        <a:buNone/>
-                      </a:pPr>
-                      <a:r>
-                        <a:rPr lang="en-US" sz="1400" dirty="0">
-                          <a:solidFill>
-                            <a:srgbClr val="232220"/>
-                          </a:solidFill>
-                          <a:latin typeface="Open Sans" pitchFamily="34" charset="0"/>
-                          <a:ea typeface="Open Sans" pitchFamily="34" charset="-122"/>
-                          <a:cs typeface="Open Sans" pitchFamily="34" charset="-120"/>
-                        </a:rPr>
-                        <a:t>Moderate</a:t>
-                      </a:r>
-                      <a:endParaRPr lang="en-US" sz="1400" dirty="0">
-                        <a:latin typeface="Open Sans" charset="0"/>
-                        <a:ea typeface="Open Sans" charset="0"/>
-                        <a:cs typeface="Open Sans" charset="0"/>
-                      </a:endParaRPr>
-                    </a:p>
-                  </a:txBody>
-                  <a:tcPr marL="73152" marR="73152" marT="73152" marB="73152" anchor="ctr">
-                    <a:lnL w="12700" cap="flat" cmpd="sng" algn="ctr">
-                      <a:solidFill>
-                        <a:srgbClr val="A6A6A6"/>
-                      </a:solidFill>
-                      <a:prstDash val="sysDash"/>
-                      <a:round/>
-                      <a:headEnd type="none" w="med" len="med"/>
-                      <a:tailEnd type="none" w="med" len="med"/>
-                    </a:lnL>
-                    <a:lnR w="12700" cap="flat" cmpd="sng" algn="ctr">
-                      <a:solidFill>
-                        <a:srgbClr val="A6A6A6"/>
-                      </a:solidFill>
-                      <a:prstDash val="sysDash"/>
-                      <a:round/>
-                      <a:headEnd type="none" w="med" len="med"/>
-                      <a:tailEnd type="none" w="med" len="med"/>
-                    </a:lnR>
-                    <a:lnT w="12700" cap="flat" cmpd="sng" algn="ctr">
-                      <a:solidFill>
-                        <a:srgbClr val="A6A6A6"/>
-                      </a:solidFill>
-                      <a:prstDash val="sysDash"/>
-                      <a:round/>
-                      <a:headEnd type="none" w="med" len="med"/>
-                      <a:tailEnd type="none" w="med" len="med"/>
-                    </a:lnT>
-                    <a:lnB w="12700" cap="flat" cmpd="sng" algn="ctr">
-                      <a:solidFill>
-                        <a:srgbClr val="A6A6A6"/>
-                      </a:solidFill>
-                      <a:prstDash val="sysDash"/>
-                      <a:round/>
-                      <a:headEnd type="none" w="med" len="med"/>
-                      <a:tailEnd type="none" w="med" len="med"/>
-                    </a:lnB>
-                    <a:solidFill>
-                      <a:srgbClr val="BFBFBF">
-                        <a:alpha val="0"/>
-                      </a:srgbClr>
-                    </a:solidFill>
-                  </a:tcPr>
-                </a:tc>
-                <a:tc>
-                  <a:txBody>
-                    <a:bodyPr/>
-                    <a:lstStyle/>
-                    <a:p>
-                      <a:pPr marL="0" indent="0">
-                        <a:buNone/>
-                      </a:pPr>
-                      <a:r>
-                        <a:rPr lang="en-US" sz="1400" dirty="0">
-                          <a:solidFill>
-                            <a:srgbClr val="232220"/>
-                          </a:solidFill>
-                          <a:latin typeface="Open Sans" pitchFamily="34" charset="0"/>
-                          <a:ea typeface="Open Sans" pitchFamily="34" charset="-122"/>
-                          <a:cs typeface="Open Sans" pitchFamily="34" charset="-120"/>
-                        </a:rPr>
-                        <a:t>Moderate</a:t>
-                      </a:r>
-                      <a:endParaRPr lang="en-US" sz="1400" dirty="0">
-                        <a:latin typeface="Open Sans" charset="0"/>
-                        <a:ea typeface="Open Sans" charset="0"/>
-                        <a:cs typeface="Open Sans" charset="0"/>
-                      </a:endParaRPr>
-                    </a:p>
-                  </a:txBody>
-                  <a:tcPr marL="73152" marR="73152" marT="73152" marB="73152" anchor="ctr">
-                    <a:lnL w="12700" cap="flat" cmpd="sng" algn="ctr">
-                      <a:solidFill>
-                        <a:srgbClr val="A6A6A6"/>
-                      </a:solidFill>
-                      <a:prstDash val="sysDash"/>
-                      <a:round/>
-                      <a:headEnd type="none" w="med" len="med"/>
-                      <a:tailEnd type="none" w="med" len="med"/>
-                    </a:lnL>
-                    <a:lnR w="0" cap="flat" cmpd="sng" algn="ctr">
-                      <a:solidFill>
-                        <a:srgbClr val="666666"/>
-                      </a:solidFill>
-                      <a:prstDash val="sysDash"/>
-                      <a:round/>
-                      <a:headEnd type="none" w="med" len="med"/>
-                      <a:tailEnd type="none" w="med" len="med"/>
-                    </a:lnR>
-                    <a:lnT w="12700" cap="flat" cmpd="sng" algn="ctr">
-                      <a:solidFill>
-                        <a:srgbClr val="A6A6A6"/>
-                      </a:solidFill>
-                      <a:prstDash val="sysDash"/>
-                      <a:round/>
-                      <a:headEnd type="none" w="med" len="med"/>
-                      <a:tailEnd type="none" w="med" len="med"/>
-                    </a:lnT>
-                    <a:lnB w="12700" cap="flat" cmpd="sng" algn="ctr">
-                      <a:solidFill>
-                        <a:srgbClr val="A6A6A6"/>
-                      </a:solidFill>
-                      <a:prstDash val="sysDash"/>
-                      <a:round/>
-                      <a:headEnd type="none" w="med" len="med"/>
-                      <a:tailEnd type="none" w="med" len="med"/>
-                    </a:lnB>
-                    <a:solidFill>
-                      <a:srgbClr val="BFBFBF">
-                        <a:alpha val="0"/>
-                      </a:srgbClr>
-                    </a:solidFill>
-                  </a:tcPr>
-                </a:tc>
-                <a:extLst>
-                  <a:ext uri="{0D108BD9-81ED-4DB2-BD59-A6C34878D82A}">
-                    <a16:rowId xmlns:a16="http://schemas.microsoft.com/office/drawing/2014/main" val="10002"/>
-                  </a:ext>
-                </a:extLst>
-              </a:tr>
-              <a:tr h="521899">
-                <a:tc>
-                  <a:txBody>
-                    <a:bodyPr/>
-                    <a:lstStyle/>
-                    <a:p>
-                      <a:pPr marL="0" indent="0">
-                        <a:buNone/>
-                      </a:pPr>
-                      <a:r>
-                        <a:rPr lang="en-US" sz="1400" dirty="0">
-                          <a:solidFill>
-                            <a:srgbClr val="232220"/>
-                          </a:solidFill>
-                          <a:latin typeface="Open Sans" pitchFamily="34" charset="0"/>
-                          <a:ea typeface="Open Sans" pitchFamily="34" charset="-122"/>
-                          <a:cs typeface="Open Sans" pitchFamily="34" charset="-120"/>
-                        </a:rPr>
-                        <a:t>Horror</a:t>
-                      </a:r>
-                      <a:endParaRPr lang="en-US" sz="1400" dirty="0">
-                        <a:latin typeface="Open Sans" charset="0"/>
-                        <a:ea typeface="Open Sans" charset="0"/>
-                        <a:cs typeface="Open Sans" charset="0"/>
-                      </a:endParaRPr>
-                    </a:p>
-                  </a:txBody>
-                  <a:tcPr marL="73152" marR="73152" marT="73152" marB="73152" anchor="ctr">
-                    <a:lnL w="0" cap="flat" cmpd="sng" algn="ctr">
-                      <a:solidFill>
-                        <a:srgbClr val="666666"/>
-                      </a:solidFill>
-                      <a:prstDash val="sysDash"/>
-                      <a:round/>
-                      <a:headEnd type="none" w="med" len="med"/>
-                      <a:tailEnd type="none" w="med" len="med"/>
-                    </a:lnL>
-                    <a:lnR w="12700" cap="flat" cmpd="sng" algn="ctr">
-                      <a:solidFill>
-                        <a:srgbClr val="A6A6A6"/>
-                      </a:solidFill>
-                      <a:prstDash val="sysDash"/>
-                      <a:round/>
-                      <a:headEnd type="none" w="med" len="med"/>
-                      <a:tailEnd type="none" w="med" len="med"/>
-                    </a:lnR>
-                    <a:lnT w="12700" cap="flat" cmpd="sng" algn="ctr">
-                      <a:solidFill>
-                        <a:srgbClr val="A6A6A6"/>
-                      </a:solidFill>
-                      <a:prstDash val="sysDash"/>
-                      <a:round/>
-                      <a:headEnd type="none" w="med" len="med"/>
-                      <a:tailEnd type="none" w="med" len="med"/>
-                    </a:lnT>
-                    <a:lnB w="12700" cap="flat" cmpd="sng" algn="ctr">
-                      <a:solidFill>
-                        <a:srgbClr val="A6A6A6"/>
-                      </a:solidFill>
-                      <a:prstDash val="sysDash"/>
-                      <a:round/>
-                      <a:headEnd type="none" w="med" len="med"/>
-                      <a:tailEnd type="none" w="med" len="med"/>
-                    </a:lnB>
-                    <a:solidFill>
-                      <a:srgbClr val="BFBFBF">
-                        <a:alpha val="0"/>
-                      </a:srgbClr>
-                    </a:solidFill>
-                  </a:tcPr>
-                </a:tc>
-                <a:tc>
-                  <a:txBody>
-                    <a:bodyPr/>
-                    <a:lstStyle/>
-                    <a:p>
-                      <a:pPr marL="0" indent="0">
-                        <a:buNone/>
-                      </a:pPr>
-                      <a:r>
-                        <a:rPr lang="en-US" sz="1400" dirty="0">
-                          <a:solidFill>
-                            <a:srgbClr val="232220"/>
-                          </a:solidFill>
-                          <a:latin typeface="Open Sans" pitchFamily="34" charset="0"/>
-                          <a:ea typeface="Open Sans" pitchFamily="34" charset="-122"/>
-                          <a:cs typeface="Open Sans" pitchFamily="34" charset="-120"/>
-                        </a:rPr>
-                        <a:t>Low</a:t>
-                      </a:r>
-                      <a:endParaRPr lang="en-US" sz="1400" dirty="0">
-                        <a:latin typeface="Open Sans" charset="0"/>
-                        <a:ea typeface="Open Sans" charset="0"/>
-                        <a:cs typeface="Open Sans" charset="0"/>
-                      </a:endParaRPr>
-                    </a:p>
-                  </a:txBody>
-                  <a:tcPr marL="73152" marR="73152" marT="73152" marB="73152" anchor="ctr">
-                    <a:lnL w="12700" cap="flat" cmpd="sng" algn="ctr">
-                      <a:solidFill>
-                        <a:srgbClr val="A6A6A6"/>
-                      </a:solidFill>
-                      <a:prstDash val="sysDash"/>
-                      <a:round/>
-                      <a:headEnd type="none" w="med" len="med"/>
-                      <a:tailEnd type="none" w="med" len="med"/>
-                    </a:lnL>
-                    <a:lnR w="12700" cap="flat" cmpd="sng" algn="ctr">
-                      <a:solidFill>
-                        <a:srgbClr val="A6A6A6"/>
-                      </a:solidFill>
-                      <a:prstDash val="sysDash"/>
-                      <a:round/>
-                      <a:headEnd type="none" w="med" len="med"/>
-                      <a:tailEnd type="none" w="med" len="med"/>
-                    </a:lnR>
-                    <a:lnT w="12700" cap="flat" cmpd="sng" algn="ctr">
-                      <a:solidFill>
-                        <a:srgbClr val="A6A6A6"/>
-                      </a:solidFill>
-                      <a:prstDash val="sysDash"/>
-                      <a:round/>
-                      <a:headEnd type="none" w="med" len="med"/>
-                      <a:tailEnd type="none" w="med" len="med"/>
-                    </a:lnT>
-                    <a:lnB w="12700" cap="flat" cmpd="sng" algn="ctr">
-                      <a:solidFill>
-                        <a:srgbClr val="A6A6A6"/>
-                      </a:solidFill>
-                      <a:prstDash val="sysDash"/>
-                      <a:round/>
-                      <a:headEnd type="none" w="med" len="med"/>
-                      <a:tailEnd type="none" w="med" len="med"/>
-                    </a:lnB>
-                    <a:solidFill>
-                      <a:srgbClr val="BFBFBF">
-                        <a:alpha val="0"/>
-                      </a:srgbClr>
-                    </a:solidFill>
-                  </a:tcPr>
-                </a:tc>
-                <a:tc>
-                  <a:txBody>
-                    <a:bodyPr/>
-                    <a:lstStyle/>
-                    <a:p>
-                      <a:pPr marL="0" indent="0">
-                        <a:buNone/>
-                      </a:pPr>
-                      <a:r>
-                        <a:rPr lang="en-US" sz="1400" dirty="0">
-                          <a:solidFill>
-                            <a:srgbClr val="232220"/>
-                          </a:solidFill>
-                          <a:latin typeface="Open Sans" pitchFamily="34" charset="0"/>
-                          <a:ea typeface="Open Sans" pitchFamily="34" charset="-122"/>
-                          <a:cs typeface="Open Sans" pitchFamily="34" charset="-120"/>
-                        </a:rPr>
-                        <a:t>High</a:t>
-                      </a:r>
-                      <a:endParaRPr lang="en-US" sz="1400" dirty="0">
-                        <a:latin typeface="Open Sans" charset="0"/>
-                        <a:ea typeface="Open Sans" charset="0"/>
-                        <a:cs typeface="Open Sans" charset="0"/>
-                      </a:endParaRPr>
-                    </a:p>
-                  </a:txBody>
-                  <a:tcPr marL="73152" marR="73152" marT="73152" marB="73152" anchor="ctr">
-                    <a:lnL w="12700" cap="flat" cmpd="sng" algn="ctr">
-                      <a:solidFill>
-                        <a:srgbClr val="A6A6A6"/>
-                      </a:solidFill>
-                      <a:prstDash val="sysDash"/>
-                      <a:round/>
-                      <a:headEnd type="none" w="med" len="med"/>
-                      <a:tailEnd type="none" w="med" len="med"/>
-                    </a:lnL>
-                    <a:lnR w="0" cap="flat" cmpd="sng" algn="ctr">
-                      <a:solidFill>
-                        <a:srgbClr val="666666"/>
-                      </a:solidFill>
-                      <a:prstDash val="sysDash"/>
-                      <a:round/>
-                      <a:headEnd type="none" w="med" len="med"/>
-                      <a:tailEnd type="none" w="med" len="med"/>
-                    </a:lnR>
-                    <a:lnT w="12700" cap="flat" cmpd="sng" algn="ctr">
-                      <a:solidFill>
-                        <a:srgbClr val="A6A6A6"/>
-                      </a:solidFill>
-                      <a:prstDash val="sysDash"/>
-                      <a:round/>
-                      <a:headEnd type="none" w="med" len="med"/>
-                      <a:tailEnd type="none" w="med" len="med"/>
-                    </a:lnT>
-                    <a:lnB w="12700" cap="flat" cmpd="sng" algn="ctr">
-                      <a:solidFill>
-                        <a:srgbClr val="A6A6A6"/>
-                      </a:solidFill>
-                      <a:prstDash val="sysDash"/>
-                      <a:round/>
-                      <a:headEnd type="none" w="med" len="med"/>
-                      <a:tailEnd type="none" w="med" len="med"/>
-                    </a:lnB>
-                    <a:solidFill>
-                      <a:srgbClr val="BFBFBF">
-                        <a:alpha val="0"/>
-                      </a:srgbClr>
-                    </a:solidFill>
-                  </a:tcPr>
-                </a:tc>
-                <a:extLst>
-                  <a:ext uri="{0D108BD9-81ED-4DB2-BD59-A6C34878D82A}">
-                    <a16:rowId xmlns:a16="http://schemas.microsoft.com/office/drawing/2014/main" val="10003"/>
-                  </a:ext>
-                </a:extLst>
-              </a:tr>
-              <a:tr h="521899">
-                <a:tc>
-                  <a:txBody>
-                    <a:bodyPr/>
-                    <a:lstStyle/>
-                    <a:p>
-                      <a:pPr marL="0" indent="0">
-                        <a:buNone/>
-                      </a:pPr>
-                      <a:r>
-                        <a:rPr lang="en-US" sz="1400" dirty="0">
-                          <a:solidFill>
-                            <a:srgbClr val="232220"/>
-                          </a:solidFill>
-                          <a:latin typeface="Open Sans" pitchFamily="34" charset="0"/>
-                          <a:ea typeface="Open Sans" pitchFamily="34" charset="-122"/>
-                          <a:cs typeface="Open Sans" pitchFamily="34" charset="-120"/>
-                        </a:rPr>
-                        <a:t>Animation</a:t>
-                      </a:r>
-                      <a:endParaRPr lang="en-US" sz="1400" dirty="0">
-                        <a:latin typeface="Open Sans" charset="0"/>
-                        <a:ea typeface="Open Sans" charset="0"/>
-                        <a:cs typeface="Open Sans" charset="0"/>
-                      </a:endParaRPr>
-                    </a:p>
-                  </a:txBody>
-                  <a:tcPr marL="73152" marR="73152" marT="73152" marB="73152" anchor="ctr">
-                    <a:lnL w="0" cap="flat" cmpd="sng" algn="ctr">
-                      <a:solidFill>
-                        <a:srgbClr val="666666"/>
-                      </a:solidFill>
-                      <a:prstDash val="sysDash"/>
-                      <a:round/>
-                      <a:headEnd type="none" w="med" len="med"/>
-                      <a:tailEnd type="none" w="med" len="med"/>
-                    </a:lnL>
-                    <a:lnR w="12700" cap="flat" cmpd="sng" algn="ctr">
-                      <a:solidFill>
-                        <a:srgbClr val="A6A6A6"/>
-                      </a:solidFill>
-                      <a:prstDash val="sysDash"/>
-                      <a:round/>
-                      <a:headEnd type="none" w="med" len="med"/>
-                      <a:tailEnd type="none" w="med" len="med"/>
-                    </a:lnR>
-                    <a:lnT w="12700" cap="flat" cmpd="sng" algn="ctr">
-                      <a:solidFill>
-                        <a:srgbClr val="A6A6A6"/>
-                      </a:solidFill>
-                      <a:prstDash val="sysDash"/>
-                      <a:round/>
-                      <a:headEnd type="none" w="med" len="med"/>
-                      <a:tailEnd type="none" w="med" len="med"/>
-                    </a:lnT>
-                    <a:lnB w="12700" cap="flat" cmpd="sng" algn="ctr">
-                      <a:solidFill>
-                        <a:srgbClr val="A6A6A6"/>
-                      </a:solidFill>
-                      <a:prstDash val="sysDash"/>
-                      <a:round/>
-                      <a:headEnd type="none" w="med" len="med"/>
-                      <a:tailEnd type="none" w="med" len="med"/>
-                    </a:lnB>
-                    <a:solidFill>
-                      <a:srgbClr val="BFBFBF">
-                        <a:alpha val="0"/>
-                      </a:srgbClr>
-                    </a:solidFill>
-                  </a:tcPr>
-                </a:tc>
-                <a:tc>
-                  <a:txBody>
-                    <a:bodyPr/>
-                    <a:lstStyle/>
-                    <a:p>
-                      <a:pPr marL="0" indent="0">
-                        <a:buNone/>
-                      </a:pPr>
-                      <a:r>
-                        <a:rPr lang="en-US" sz="1400" dirty="0">
-                          <a:solidFill>
-                            <a:srgbClr val="232220"/>
-                          </a:solidFill>
-                          <a:latin typeface="Open Sans" pitchFamily="34" charset="0"/>
-                          <a:ea typeface="Open Sans" pitchFamily="34" charset="-122"/>
-                          <a:cs typeface="Open Sans" pitchFamily="34" charset="-120"/>
-                        </a:rPr>
-                        <a:t>High</a:t>
-                      </a:r>
-                      <a:endParaRPr lang="en-US" sz="1400" dirty="0">
-                        <a:latin typeface="Open Sans" charset="0"/>
-                        <a:ea typeface="Open Sans" charset="0"/>
-                        <a:cs typeface="Open Sans" charset="0"/>
-                      </a:endParaRPr>
-                    </a:p>
-                  </a:txBody>
-                  <a:tcPr marL="73152" marR="73152" marT="73152" marB="73152" anchor="ctr">
-                    <a:lnL w="12700" cap="flat" cmpd="sng" algn="ctr">
-                      <a:solidFill>
-                        <a:srgbClr val="A6A6A6"/>
-                      </a:solidFill>
-                      <a:prstDash val="sysDash"/>
-                      <a:round/>
-                      <a:headEnd type="none" w="med" len="med"/>
-                      <a:tailEnd type="none" w="med" len="med"/>
-                    </a:lnL>
-                    <a:lnR w="12700" cap="flat" cmpd="sng" algn="ctr">
-                      <a:solidFill>
-                        <a:srgbClr val="A6A6A6"/>
-                      </a:solidFill>
-                      <a:prstDash val="sysDash"/>
-                      <a:round/>
-                      <a:headEnd type="none" w="med" len="med"/>
-                      <a:tailEnd type="none" w="med" len="med"/>
-                    </a:lnR>
-                    <a:lnT w="12700" cap="flat" cmpd="sng" algn="ctr">
-                      <a:solidFill>
-                        <a:srgbClr val="A6A6A6"/>
-                      </a:solidFill>
-                      <a:prstDash val="sysDash"/>
-                      <a:round/>
-                      <a:headEnd type="none" w="med" len="med"/>
-                      <a:tailEnd type="none" w="med" len="med"/>
-                    </a:lnT>
-                    <a:lnB w="12700" cap="flat" cmpd="sng" algn="ctr">
-                      <a:solidFill>
-                        <a:srgbClr val="A6A6A6"/>
-                      </a:solidFill>
-                      <a:prstDash val="sysDash"/>
-                      <a:round/>
-                      <a:headEnd type="none" w="med" len="med"/>
-                      <a:tailEnd type="none" w="med" len="med"/>
-                    </a:lnB>
-                    <a:solidFill>
-                      <a:srgbClr val="BFBFBF">
-                        <a:alpha val="0"/>
-                      </a:srgbClr>
-                    </a:solidFill>
-                  </a:tcPr>
-                </a:tc>
-                <a:tc>
-                  <a:txBody>
-                    <a:bodyPr/>
-                    <a:lstStyle/>
-                    <a:p>
-                      <a:pPr marL="0" indent="0">
-                        <a:buNone/>
-                      </a:pPr>
-                      <a:r>
-                        <a:rPr lang="en-US" sz="1400" dirty="0">
-                          <a:solidFill>
-                            <a:srgbClr val="232220"/>
-                          </a:solidFill>
-                          <a:latin typeface="Open Sans" pitchFamily="34" charset="0"/>
-                          <a:ea typeface="Open Sans" pitchFamily="34" charset="-122"/>
-                          <a:cs typeface="Open Sans" pitchFamily="34" charset="-120"/>
-                        </a:rPr>
-                        <a:t>High</a:t>
-                      </a:r>
-                      <a:endParaRPr lang="en-US" sz="1400" dirty="0">
-                        <a:latin typeface="Open Sans" charset="0"/>
-                        <a:ea typeface="Open Sans" charset="0"/>
-                        <a:cs typeface="Open Sans" charset="0"/>
-                      </a:endParaRPr>
-                    </a:p>
-                  </a:txBody>
-                  <a:tcPr marL="73152" marR="73152" marT="73152" marB="73152" anchor="ctr">
-                    <a:lnL w="12700" cap="flat" cmpd="sng" algn="ctr">
-                      <a:solidFill>
-                        <a:srgbClr val="A6A6A6"/>
-                      </a:solidFill>
-                      <a:prstDash val="sysDash"/>
-                      <a:round/>
-                      <a:headEnd type="none" w="med" len="med"/>
-                      <a:tailEnd type="none" w="med" len="med"/>
-                    </a:lnL>
-                    <a:lnR w="0" cap="flat" cmpd="sng" algn="ctr">
-                      <a:solidFill>
-                        <a:srgbClr val="666666"/>
-                      </a:solidFill>
-                      <a:prstDash val="sysDash"/>
-                      <a:round/>
-                      <a:headEnd type="none" w="med" len="med"/>
-                      <a:tailEnd type="none" w="med" len="med"/>
-                    </a:lnR>
-                    <a:lnT w="12700" cap="flat" cmpd="sng" algn="ctr">
-                      <a:solidFill>
-                        <a:srgbClr val="A6A6A6"/>
-                      </a:solidFill>
-                      <a:prstDash val="sysDash"/>
-                      <a:round/>
-                      <a:headEnd type="none" w="med" len="med"/>
-                      <a:tailEnd type="none" w="med" len="med"/>
-                    </a:lnT>
-                    <a:lnB w="12700" cap="flat" cmpd="sng" algn="ctr">
-                      <a:solidFill>
-                        <a:srgbClr val="A6A6A6"/>
-                      </a:solidFill>
-                      <a:prstDash val="sysDash"/>
-                      <a:round/>
-                      <a:headEnd type="none" w="med" len="med"/>
-                      <a:tailEnd type="none" w="med" len="med"/>
-                    </a:lnB>
-                    <a:solidFill>
-                      <a:srgbClr val="BFBFBF">
-                        <a:alpha val="0"/>
-                      </a:srgbClr>
-                    </a:solidFill>
-                  </a:tcPr>
-                </a:tc>
-                <a:extLst>
-                  <a:ext uri="{0D108BD9-81ED-4DB2-BD59-A6C34878D82A}">
-                    <a16:rowId xmlns:a16="http://schemas.microsoft.com/office/drawing/2014/main" val="10004"/>
-                  </a:ext>
-                </a:extLst>
-              </a:tr>
-              <a:tr h="521899">
-                <a:tc>
-                  <a:txBody>
-                    <a:bodyPr/>
-                    <a:lstStyle/>
-                    <a:p>
-                      <a:pPr marL="0" indent="0">
-                        <a:buNone/>
-                      </a:pPr>
-                      <a:r>
-                        <a:rPr lang="en-US" sz="1400" dirty="0">
-                          <a:solidFill>
-                            <a:srgbClr val="232220"/>
-                          </a:solidFill>
-                          <a:latin typeface="Open Sans" pitchFamily="34" charset="0"/>
-                          <a:ea typeface="Open Sans" pitchFamily="34" charset="-122"/>
-                          <a:cs typeface="Open Sans" pitchFamily="34" charset="-120"/>
-                        </a:rPr>
-                        <a:t>Drama</a:t>
-                      </a:r>
-                      <a:endParaRPr lang="en-US" sz="1400" dirty="0">
-                        <a:latin typeface="Open Sans" charset="0"/>
-                        <a:ea typeface="Open Sans" charset="0"/>
-                        <a:cs typeface="Open Sans" charset="0"/>
-                      </a:endParaRPr>
-                    </a:p>
-                  </a:txBody>
-                  <a:tcPr marL="73152" marR="73152" marT="73152" marB="73152" anchor="ctr">
-                    <a:lnL w="0" cap="flat" cmpd="sng" algn="ctr">
-                      <a:solidFill>
-                        <a:srgbClr val="666666"/>
-                      </a:solidFill>
-                      <a:prstDash val="sysDash"/>
-                      <a:round/>
-                      <a:headEnd type="none" w="med" len="med"/>
-                      <a:tailEnd type="none" w="med" len="med"/>
-                    </a:lnL>
-                    <a:lnR w="12700" cap="flat" cmpd="sng" algn="ctr">
-                      <a:solidFill>
-                        <a:srgbClr val="A6A6A6"/>
-                      </a:solidFill>
-                      <a:prstDash val="sysDash"/>
-                      <a:round/>
-                      <a:headEnd type="none" w="med" len="med"/>
-                      <a:tailEnd type="none" w="med" len="med"/>
-                    </a:lnR>
-                    <a:lnT w="12700" cap="flat" cmpd="sng" algn="ctr">
-                      <a:solidFill>
-                        <a:srgbClr val="A6A6A6"/>
-                      </a:solidFill>
-                      <a:prstDash val="sysDash"/>
-                      <a:round/>
-                      <a:headEnd type="none" w="med" len="med"/>
-                      <a:tailEnd type="none" w="med" len="med"/>
-                    </a:lnT>
-                    <a:lnB w="12700" cap="flat" cmpd="sng" algn="ctr">
-                      <a:solidFill>
-                        <a:srgbClr val="A6A6A6"/>
-                      </a:solidFill>
-                      <a:prstDash val="sysDash"/>
-                      <a:round/>
-                      <a:headEnd type="none" w="med" len="med"/>
-                      <a:tailEnd type="none" w="med" len="med"/>
-                    </a:lnB>
-                    <a:solidFill>
-                      <a:srgbClr val="BFBFBF">
-                        <a:alpha val="0"/>
-                      </a:srgbClr>
-                    </a:solidFill>
-                  </a:tcPr>
-                </a:tc>
-                <a:tc>
-                  <a:txBody>
-                    <a:bodyPr/>
-                    <a:lstStyle/>
-                    <a:p>
-                      <a:pPr marL="0" indent="0">
-                        <a:buNone/>
-                      </a:pPr>
-                      <a:r>
-                        <a:rPr lang="en-US" sz="1400" dirty="0">
-                          <a:solidFill>
-                            <a:srgbClr val="232220"/>
-                          </a:solidFill>
-                          <a:latin typeface="Open Sans" pitchFamily="34" charset="0"/>
-                          <a:ea typeface="Open Sans" pitchFamily="34" charset="-122"/>
-                          <a:cs typeface="Open Sans" pitchFamily="34" charset="-120"/>
-                        </a:rPr>
-                        <a:t>Moderate</a:t>
-                      </a:r>
-                      <a:endParaRPr lang="en-US" sz="1400" dirty="0">
-                        <a:latin typeface="Open Sans" charset="0"/>
-                        <a:ea typeface="Open Sans" charset="0"/>
-                        <a:cs typeface="Open Sans" charset="0"/>
-                      </a:endParaRPr>
-                    </a:p>
-                  </a:txBody>
-                  <a:tcPr marL="73152" marR="73152" marT="73152" marB="73152" anchor="ctr">
-                    <a:lnL w="12700" cap="flat" cmpd="sng" algn="ctr">
-                      <a:solidFill>
-                        <a:srgbClr val="A6A6A6"/>
-                      </a:solidFill>
-                      <a:prstDash val="sysDash"/>
-                      <a:round/>
-                      <a:headEnd type="none" w="med" len="med"/>
-                      <a:tailEnd type="none" w="med" len="med"/>
-                    </a:lnL>
-                    <a:lnR w="12700" cap="flat" cmpd="sng" algn="ctr">
-                      <a:solidFill>
-                        <a:srgbClr val="A6A6A6"/>
-                      </a:solidFill>
-                      <a:prstDash val="sysDash"/>
-                      <a:round/>
-                      <a:headEnd type="none" w="med" len="med"/>
-                      <a:tailEnd type="none" w="med" len="med"/>
-                    </a:lnR>
-                    <a:lnT w="12700" cap="flat" cmpd="sng" algn="ctr">
-                      <a:solidFill>
-                        <a:srgbClr val="A6A6A6"/>
-                      </a:solidFill>
-                      <a:prstDash val="sysDash"/>
-                      <a:round/>
-                      <a:headEnd type="none" w="med" len="med"/>
-                      <a:tailEnd type="none" w="med" len="med"/>
-                    </a:lnT>
-                    <a:lnB w="12700" cap="flat" cmpd="sng" algn="ctr">
-                      <a:solidFill>
-                        <a:srgbClr val="A6A6A6"/>
-                      </a:solidFill>
-                      <a:prstDash val="sysDash"/>
-                      <a:round/>
-                      <a:headEnd type="none" w="med" len="med"/>
-                      <a:tailEnd type="none" w="med" len="med"/>
-                    </a:lnB>
-                    <a:solidFill>
-                      <a:srgbClr val="BFBFBF">
-                        <a:alpha val="0"/>
-                      </a:srgbClr>
-                    </a:solidFill>
-                  </a:tcPr>
-                </a:tc>
-                <a:tc>
-                  <a:txBody>
-                    <a:bodyPr/>
-                    <a:lstStyle/>
-                    <a:p>
-                      <a:pPr marL="0" indent="0">
-                        <a:buNone/>
-                      </a:pPr>
-                      <a:r>
-                        <a:rPr lang="en-US" sz="1400" dirty="0">
-                          <a:solidFill>
-                            <a:srgbClr val="232220"/>
-                          </a:solidFill>
-                          <a:latin typeface="Open Sans" pitchFamily="34" charset="0"/>
-                          <a:ea typeface="Open Sans" pitchFamily="34" charset="-122"/>
-                          <a:cs typeface="Open Sans" pitchFamily="34" charset="-120"/>
-                        </a:rPr>
-                        <a:t>Low</a:t>
-                      </a:r>
-                      <a:endParaRPr lang="en-US" sz="1400" dirty="0">
-                        <a:latin typeface="Open Sans" charset="0"/>
-                        <a:ea typeface="Open Sans" charset="0"/>
-                        <a:cs typeface="Open Sans" charset="0"/>
-                      </a:endParaRPr>
-                    </a:p>
-                  </a:txBody>
-                  <a:tcPr marL="73152" marR="73152" marT="73152" marB="73152" anchor="ctr">
-                    <a:lnL w="12700" cap="flat" cmpd="sng" algn="ctr">
-                      <a:solidFill>
-                        <a:srgbClr val="A6A6A6"/>
-                      </a:solidFill>
-                      <a:prstDash val="sysDash"/>
-                      <a:round/>
-                      <a:headEnd type="none" w="med" len="med"/>
-                      <a:tailEnd type="none" w="med" len="med"/>
-                    </a:lnL>
-                    <a:lnR w="0" cap="flat" cmpd="sng" algn="ctr">
-                      <a:solidFill>
-                        <a:srgbClr val="666666"/>
-                      </a:solidFill>
-                      <a:prstDash val="sysDash"/>
-                      <a:round/>
-                      <a:headEnd type="none" w="med" len="med"/>
-                      <a:tailEnd type="none" w="med" len="med"/>
-                    </a:lnR>
-                    <a:lnT w="12700" cap="flat" cmpd="sng" algn="ctr">
-                      <a:solidFill>
-                        <a:srgbClr val="A6A6A6"/>
-                      </a:solidFill>
-                      <a:prstDash val="sysDash"/>
-                      <a:round/>
-                      <a:headEnd type="none" w="med" len="med"/>
-                      <a:tailEnd type="none" w="med" len="med"/>
-                    </a:lnT>
-                    <a:lnB w="12700" cap="flat" cmpd="sng" algn="ctr">
-                      <a:solidFill>
-                        <a:srgbClr val="A6A6A6"/>
-                      </a:solidFill>
-                      <a:prstDash val="sysDash"/>
-                      <a:round/>
-                      <a:headEnd type="none" w="med" len="med"/>
-                      <a:tailEnd type="none" w="med" len="med"/>
-                    </a:lnB>
-                    <a:solidFill>
-                      <a:srgbClr val="BFBFBF">
-                        <a:alpha val="0"/>
-                      </a:srgbClr>
-                    </a:solidFill>
-                  </a:tcPr>
-                </a:tc>
-                <a:extLst>
-                  <a:ext uri="{0D108BD9-81ED-4DB2-BD59-A6C34878D82A}">
-                    <a16:rowId xmlns:a16="http://schemas.microsoft.com/office/drawing/2014/main" val="10005"/>
-                  </a:ext>
-                </a:extLst>
-              </a:tr>
-              <a:tr h="521899">
-                <a:tc>
-                  <a:txBody>
-                    <a:bodyPr/>
-                    <a:lstStyle/>
-                    <a:p>
-                      <a:pPr marL="0" indent="0">
-                        <a:buNone/>
-                      </a:pPr>
-                      <a:r>
-                        <a:rPr lang="en-US" sz="1400" dirty="0">
-                          <a:solidFill>
-                            <a:srgbClr val="232220"/>
-                          </a:solidFill>
-                          <a:latin typeface="Open Sans" pitchFamily="34" charset="0"/>
-                          <a:ea typeface="Open Sans" pitchFamily="34" charset="-122"/>
-                          <a:cs typeface="Open Sans" pitchFamily="34" charset="-120"/>
-                        </a:rPr>
-                        <a:t>Science Fiction</a:t>
-                      </a:r>
-                      <a:endParaRPr lang="en-US" sz="1400" dirty="0">
-                        <a:latin typeface="Open Sans" charset="0"/>
-                        <a:ea typeface="Open Sans" charset="0"/>
-                        <a:cs typeface="Open Sans" charset="0"/>
-                      </a:endParaRPr>
-                    </a:p>
-                  </a:txBody>
-                  <a:tcPr marL="73152" marR="73152" marT="73152" marB="73152" anchor="ctr">
-                    <a:lnL w="0" cap="flat" cmpd="sng" algn="ctr">
-                      <a:solidFill>
-                        <a:srgbClr val="666666"/>
-                      </a:solidFill>
-                      <a:prstDash val="sysDash"/>
-                      <a:round/>
-                      <a:headEnd type="none" w="med" len="med"/>
-                      <a:tailEnd type="none" w="med" len="med"/>
-                    </a:lnL>
-                    <a:lnR w="12700" cap="flat" cmpd="sng" algn="ctr">
-                      <a:solidFill>
-                        <a:srgbClr val="A6A6A6"/>
-                      </a:solidFill>
-                      <a:prstDash val="sysDash"/>
-                      <a:round/>
-                      <a:headEnd type="none" w="med" len="med"/>
-                      <a:tailEnd type="none" w="med" len="med"/>
-                    </a:lnR>
-                    <a:lnT w="12700" cap="flat" cmpd="sng" algn="ctr">
-                      <a:solidFill>
-                        <a:srgbClr val="A6A6A6"/>
-                      </a:solidFill>
-                      <a:prstDash val="sysDash"/>
-                      <a:round/>
-                      <a:headEnd type="none" w="med" len="med"/>
-                      <a:tailEnd type="none" w="med" len="med"/>
-                    </a:lnT>
-                    <a:lnB w="0" cap="flat" cmpd="sng" algn="ctr">
-                      <a:solidFill>
-                        <a:srgbClr val="666666"/>
-                      </a:solidFill>
-                      <a:prstDash val="sysDash"/>
-                      <a:round/>
-                      <a:headEnd type="none" w="med" len="med"/>
-                      <a:tailEnd type="none" w="med" len="med"/>
-                    </a:lnB>
-                    <a:solidFill>
-                      <a:srgbClr val="BFBFBF">
-                        <a:alpha val="0"/>
-                      </a:srgbClr>
-                    </a:solidFill>
-                  </a:tcPr>
-                </a:tc>
-                <a:tc>
-                  <a:txBody>
-                    <a:bodyPr/>
-                    <a:lstStyle/>
-                    <a:p>
-                      <a:pPr marL="0" indent="0">
-                        <a:buNone/>
-                      </a:pPr>
-                      <a:r>
-                        <a:rPr lang="en-US" sz="1400" dirty="0">
-                          <a:solidFill>
-                            <a:srgbClr val="232220"/>
-                          </a:solidFill>
-                          <a:latin typeface="Open Sans" pitchFamily="34" charset="0"/>
-                          <a:ea typeface="Open Sans" pitchFamily="34" charset="-122"/>
-                          <a:cs typeface="Open Sans" pitchFamily="34" charset="-120"/>
-                        </a:rPr>
-                        <a:t>Very High</a:t>
-                      </a:r>
-                      <a:endParaRPr lang="en-US" sz="1400" dirty="0">
-                        <a:latin typeface="Open Sans" charset="0"/>
-                        <a:ea typeface="Open Sans" charset="0"/>
-                        <a:cs typeface="Open Sans" charset="0"/>
-                      </a:endParaRPr>
-                    </a:p>
-                  </a:txBody>
-                  <a:tcPr marL="73152" marR="73152" marT="73152" marB="73152" anchor="ctr">
-                    <a:lnL w="12700" cap="flat" cmpd="sng" algn="ctr">
-                      <a:solidFill>
-                        <a:srgbClr val="A6A6A6"/>
-                      </a:solidFill>
-                      <a:prstDash val="sysDash"/>
-                      <a:round/>
-                      <a:headEnd type="none" w="med" len="med"/>
-                      <a:tailEnd type="none" w="med" len="med"/>
-                    </a:lnL>
-                    <a:lnR w="12700" cap="flat" cmpd="sng" algn="ctr">
-                      <a:solidFill>
-                        <a:srgbClr val="A6A6A6"/>
-                      </a:solidFill>
-                      <a:prstDash val="sysDash"/>
-                      <a:round/>
-                      <a:headEnd type="none" w="med" len="med"/>
-                      <a:tailEnd type="none" w="med" len="med"/>
-                    </a:lnR>
-                    <a:lnT w="12700" cap="flat" cmpd="sng" algn="ctr">
-                      <a:solidFill>
-                        <a:srgbClr val="A6A6A6"/>
-                      </a:solidFill>
-                      <a:prstDash val="sysDash"/>
-                      <a:round/>
-                      <a:headEnd type="none" w="med" len="med"/>
-                      <a:tailEnd type="none" w="med" len="med"/>
-                    </a:lnT>
-                    <a:lnB w="0" cap="flat" cmpd="sng" algn="ctr">
-                      <a:solidFill>
-                        <a:srgbClr val="666666"/>
-                      </a:solidFill>
-                      <a:prstDash val="sysDash"/>
-                      <a:round/>
-                      <a:headEnd type="none" w="med" len="med"/>
-                      <a:tailEnd type="none" w="med" len="med"/>
-                    </a:lnB>
-                    <a:solidFill>
-                      <a:srgbClr val="BFBFBF">
-                        <a:alpha val="0"/>
-                      </a:srgbClr>
-                    </a:solidFill>
-                  </a:tcPr>
-                </a:tc>
-                <a:tc>
-                  <a:txBody>
-                    <a:bodyPr/>
-                    <a:lstStyle/>
-                    <a:p>
-                      <a:pPr marL="0" indent="0">
-                        <a:buNone/>
-                      </a:pPr>
-                      <a:r>
-                        <a:rPr lang="en-US" sz="1400" dirty="0">
-                          <a:solidFill>
-                            <a:srgbClr val="232220"/>
-                          </a:solidFill>
-                          <a:latin typeface="Open Sans" pitchFamily="34" charset="0"/>
-                          <a:ea typeface="Open Sans" pitchFamily="34" charset="-122"/>
-                          <a:cs typeface="Open Sans" pitchFamily="34" charset="-120"/>
-                        </a:rPr>
-                        <a:t>High</a:t>
-                      </a:r>
-                      <a:endParaRPr lang="en-US" sz="1400" dirty="0">
-                        <a:latin typeface="Open Sans" charset="0"/>
-                        <a:ea typeface="Open Sans" charset="0"/>
-                        <a:cs typeface="Open Sans" charset="0"/>
-                      </a:endParaRPr>
-                    </a:p>
-                  </a:txBody>
-                  <a:tcPr marL="73152" marR="73152" marT="73152" marB="73152" anchor="ctr">
-                    <a:lnL w="12700" cap="flat" cmpd="sng" algn="ctr">
-                      <a:solidFill>
-                        <a:srgbClr val="A6A6A6"/>
-                      </a:solidFill>
-                      <a:prstDash val="sysDash"/>
-                      <a:round/>
-                      <a:headEnd type="none" w="med" len="med"/>
-                      <a:tailEnd type="none" w="med" len="med"/>
-                    </a:lnL>
-                    <a:lnR w="0" cap="flat" cmpd="sng" algn="ctr">
-                      <a:solidFill>
-                        <a:srgbClr val="666666"/>
-                      </a:solidFill>
-                      <a:prstDash val="sysDash"/>
-                      <a:round/>
-                      <a:headEnd type="none" w="med" len="med"/>
-                      <a:tailEnd type="none" w="med" len="med"/>
-                    </a:lnR>
-                    <a:lnT w="12700" cap="flat" cmpd="sng" algn="ctr">
-                      <a:solidFill>
-                        <a:srgbClr val="A6A6A6"/>
-                      </a:solidFill>
-                      <a:prstDash val="sysDash"/>
-                      <a:round/>
-                      <a:headEnd type="none" w="med" len="med"/>
-                      <a:tailEnd type="none" w="med" len="med"/>
-                    </a:lnT>
-                    <a:lnB w="0" cap="flat" cmpd="sng" algn="ctr">
-                      <a:solidFill>
-                        <a:srgbClr val="666666"/>
-                      </a:solidFill>
-                      <a:prstDash val="sysDash"/>
-                      <a:round/>
-                      <a:headEnd type="none" w="med" len="med"/>
-                      <a:tailEnd type="none" w="med" len="med"/>
-                    </a:lnB>
-                    <a:solidFill>
-                      <a:srgbClr val="BFBFBF">
-                        <a:alpha val="0"/>
-                      </a:srgbClr>
-                    </a:solidFill>
-                  </a:tcPr>
-                </a:tc>
-                <a:extLst>
-                  <a:ext uri="{0D108BD9-81ED-4DB2-BD59-A6C34878D82A}">
-                    <a16:rowId xmlns:a16="http://schemas.microsoft.com/office/drawing/2014/main" val="10006"/>
-                  </a:ext>
-                </a:extLst>
-              </a:tr>
-            </a:tbl>
-          </a:graphicData>
-        </a:graphic>
-      </p:graphicFrame>
       <p:sp>
         <p:nvSpPr>
           <p:cNvPr id="3" name="Text 0"/>
@@ -13051,8 +11507,8 @@
         </p:nvSpPr>
         <p:spPr>
           <a:xfrm>
-            <a:off x="596900" y="571500"/>
-            <a:ext cx="10363199" cy="787400"/>
+            <a:off x="451692" y="253388"/>
+            <a:ext cx="10508407" cy="787400"/>
           </a:xfrm>
           <a:prstGeom prst="rect">
             <a:avLst/>
@@ -13193,8 +11649,8 @@
         </p:nvSpPr>
         <p:spPr>
           <a:xfrm>
-            <a:off x="596900" y="1358900"/>
-            <a:ext cx="6096000" cy="787400"/>
+            <a:off x="451692" y="1040788"/>
+            <a:ext cx="7030776" cy="552756"/>
           </a:xfrm>
           <a:prstGeom prst="rect">
             <a:avLst/>
@@ -13301,12 +11757,20 @@
               <a:buNone/>
             </a:pPr>
             <a:r>
+              <a:rPr lang="en-US" sz="2000" dirty="0">
+                <a:latin typeface="Open Sans"/>
+                <a:ea typeface="Open Sans"/>
+                <a:cs typeface="Open Sans"/>
+              </a:rPr>
+              <a:t>Overview of top genres performing at box offices</a:t>
+            </a:r>
+            <a:r>
               <a:rPr lang="en-US" sz="1400" dirty="0">
                 <a:latin typeface="Open Sans"/>
                 <a:ea typeface="Open Sans"/>
                 <a:cs typeface="Open Sans"/>
               </a:rPr>
-              <a:t>Overview of top genres performing at box offices.</a:t>
+              <a:t>.</a:t>
             </a:r>
           </a:p>
         </p:txBody>
@@ -13318,14 +11782,10 @@
             <a:spLocks noGrp="1"/>
           </p:cNvSpPr>
           <p:nvPr>
-            <p:ph type="sldNum" sz="quarter" idx="4294967295"/>
-          </p:nvPr>
-        </p:nvSpPr>
-        <p:spPr>
-          <a:xfrm>
-            <a:off x="11569700" y="6350000"/>
-            <a:ext cx="609600" cy="355600"/>
-          </a:xfrm>
+            <p:ph type="sldNum" sz="quarter" idx="11"/>
+          </p:nvPr>
+        </p:nvSpPr>
+        <p:spPr>
           <a:prstGeom prst="rect">
             <a:avLst/>
           </a:prstGeom>
@@ -13454,6 +11914,39 @@
           </a:p>
         </p:txBody>
       </p:sp>
+      <p:pic>
+        <p:nvPicPr>
+          <p:cNvPr id="11" name="Picture 10">
+            <a:extLst>
+              <a:ext uri="{FF2B5EF4-FFF2-40B4-BE49-F238E27FC236}">
+                <a16:creationId xmlns:a16="http://schemas.microsoft.com/office/drawing/2014/main" id="{9017EB8B-A578-D665-781C-400616936B78}"/>
+              </a:ext>
+            </a:extLst>
+          </p:cNvPr>
+          <p:cNvPicPr>
+            <a:picLocks noChangeAspect="1"/>
+          </p:cNvPicPr>
+          <p:nvPr/>
+        </p:nvPicPr>
+        <p:blipFill>
+          <a:blip r:embed="rId3"/>
+          <a:stretch>
+            <a:fillRect/>
+          </a:stretch>
+        </p:blipFill>
+        <p:spPr>
+          <a:xfrm>
+            <a:off x="451692" y="1593544"/>
+            <a:ext cx="10997085" cy="5167417"/>
+          </a:xfrm>
+          <a:prstGeom prst="rect">
+            <a:avLst/>
+          </a:prstGeom>
+          <a:effectLst>
+            <a:softEdge rad="0"/>
+          </a:effectLst>
+        </p:spPr>
+      </p:pic>
     </p:spTree>
   </p:cSld>
   <p:clrMapOvr>
@@ -13497,8 +11990,8 @@
         </p:nvSpPr>
         <p:spPr>
           <a:xfrm>
-            <a:off x="599018" y="3983866"/>
-            <a:ext cx="3433156" cy="2465994"/>
+            <a:off x="5682343" y="223025"/>
+            <a:ext cx="5286224" cy="1400349"/>
           </a:xfrm>
         </p:spPr>
         <p:txBody>
@@ -13571,113 +12064,107 @@
           </a:p>
         </p:txBody>
       </p:sp>
+      <p:sp>
+        <p:nvSpPr>
+          <p:cNvPr id="6" name="Text Placeholder 5">
+            <a:extLst>
+              <a:ext uri="{FF2B5EF4-FFF2-40B4-BE49-F238E27FC236}">
+                <a16:creationId xmlns:a16="http://schemas.microsoft.com/office/drawing/2014/main" id="{8D0B8503-5EDE-E19F-EE3E-8B1058B883B8}"/>
+              </a:ext>
+            </a:extLst>
+          </p:cNvPr>
+          <p:cNvSpPr>
+            <a:spLocks noGrp="1"/>
+          </p:cNvSpPr>
+          <p:nvPr>
+            <p:ph type="body" sz="quarter" idx="13"/>
+          </p:nvPr>
+        </p:nvSpPr>
+        <p:spPr>
+          <a:xfrm>
+            <a:off x="7089521" y="2622056"/>
+            <a:ext cx="4166309" cy="3844058"/>
+          </a:xfrm>
+        </p:spPr>
+        <p:txBody>
+          <a:bodyPr/>
+          <a:lstStyle/>
+          <a:p>
+            <a:r>
+              <a:rPr lang="en-US" sz="2000" dirty="0"/>
+              <a:t>Several film studios have consistently produced movies that perform exceptionally well at the box office. By studying their approaches, our new studio can adopt best practices that align with successful film development.</a:t>
+            </a:r>
+          </a:p>
+        </p:txBody>
+      </p:sp>
+      <p:sp>
+        <p:nvSpPr>
+          <p:cNvPr id="7" name="Text Placeholder 6">
+            <a:extLst>
+              <a:ext uri="{FF2B5EF4-FFF2-40B4-BE49-F238E27FC236}">
+                <a16:creationId xmlns:a16="http://schemas.microsoft.com/office/drawing/2014/main" id="{A164E61A-A3CF-EF72-40E9-B6D34FC3F65A}"/>
+              </a:ext>
+            </a:extLst>
+          </p:cNvPr>
+          <p:cNvSpPr>
+            <a:spLocks noGrp="1"/>
+          </p:cNvSpPr>
+          <p:nvPr>
+            <p:ph type="body" sz="quarter" idx="14"/>
+          </p:nvPr>
+        </p:nvSpPr>
+        <p:spPr>
+          <a:xfrm>
+            <a:off x="7089521" y="1926772"/>
+            <a:ext cx="4005943" cy="391886"/>
+          </a:xfrm>
+        </p:spPr>
+        <p:txBody>
+          <a:bodyPr>
+            <a:noAutofit/>
+          </a:bodyPr>
+          <a:lstStyle/>
+          <a:p>
+            <a:r>
+              <a:rPr lang="en-US" sz="1800" dirty="0"/>
+              <a:t>Studios Leading the Pack</a:t>
+            </a:r>
+          </a:p>
+        </p:txBody>
+      </p:sp>
       <p:pic>
         <p:nvPicPr>
-          <p:cNvPr id="8" name="Picture Placeholder 7">
-            <a:extLst>
-              <a:ext uri="{FF2B5EF4-FFF2-40B4-BE49-F238E27FC236}">
-                <a16:creationId xmlns:a16="http://schemas.microsoft.com/office/drawing/2014/main" id="{CB80306E-D85F-62BE-939D-8F6F667FDBD1}"/>
-              </a:ext>
-            </a:extLst>
-          </p:cNvPr>
-          <p:cNvPicPr>
-            <a:picLocks noGrp="1" noChangeAspect="1"/>
+          <p:cNvPr id="10" name="Picture Placeholder 9">
+            <a:extLst>
+              <a:ext uri="{FF2B5EF4-FFF2-40B4-BE49-F238E27FC236}">
+                <a16:creationId xmlns:a16="http://schemas.microsoft.com/office/drawing/2014/main" id="{2E3F1644-A423-474D-A200-4790A9A81F3A}"/>
+              </a:ext>
+            </a:extLst>
+          </p:cNvPr>
+          <p:cNvPicPr preferRelativeResize="0">
+            <a:picLocks noGrp="1"/>
           </p:cNvPicPr>
           <p:nvPr>
             <p:ph type="pic" sz="quarter" idx="12"/>
           </p:nvPr>
         </p:nvPicPr>
         <p:blipFill>
-          <a:blip r:embed="rId2"/>
-          <a:srcRect t="11729" b="11729"/>
+          <a:blip r:embed="rId2">
+            <a:extLst>
+              <a:ext uri="{28A0092B-C50C-407E-A947-70E740481C1C}">
+                <a14:useLocalDpi xmlns:a14="http://schemas.microsoft.com/office/drawing/2010/main" val="0"/>
+              </a:ext>
+            </a:extLst>
+          </a:blip>
           <a:stretch/>
         </p:blipFill>
-        <p:spPr/>
+        <p:spPr>
+          <a:xfrm>
+            <a:off x="122239" y="1839687"/>
+            <a:ext cx="6640713" cy="4713514"/>
+          </a:xfrm>
+        </p:spPr>
       </p:pic>
-      <p:sp>
-        <p:nvSpPr>
-          <p:cNvPr id="6" name="Text Placeholder 5">
-            <a:extLst>
-              <a:ext uri="{FF2B5EF4-FFF2-40B4-BE49-F238E27FC236}">
-                <a16:creationId xmlns:a16="http://schemas.microsoft.com/office/drawing/2014/main" id="{8D0B8503-5EDE-E19F-EE3E-8B1058B883B8}"/>
-              </a:ext>
-            </a:extLst>
-          </p:cNvPr>
-          <p:cNvSpPr>
-            <a:spLocks noGrp="1"/>
-          </p:cNvSpPr>
-          <p:nvPr>
-            <p:ph type="body" sz="quarter" idx="15"/>
-          </p:nvPr>
-        </p:nvSpPr>
-        <p:spPr>
-          <a:xfrm>
-            <a:off x="4290380" y="4340646"/>
-            <a:ext cx="6678187" cy="2109214"/>
-          </a:xfrm>
-        </p:spPr>
-        <p:txBody>
-          <a:bodyPr/>
-          <a:lstStyle/>
-          <a:p>
-            <a:r>
-              <a:rPr lang="en-US" dirty="0"/>
-              <a:t>Several film studios have consistently produced movies that perform exceptionally well at the box office. These studios employ innovative strategies, such as leveraging global trends, investing in high-quality production, and engaging renowned directors and actors. By studying their approaches, our new studio can adopt best practices that align with successful film development.</a:t>
-            </a:r>
-          </a:p>
-        </p:txBody>
-      </p:sp>
-      <p:sp>
-        <p:nvSpPr>
-          <p:cNvPr id="5" name="Picture Placeholder 4">
-            <a:extLst>
-              <a:ext uri="{FF2B5EF4-FFF2-40B4-BE49-F238E27FC236}">
-                <a16:creationId xmlns:a16="http://schemas.microsoft.com/office/drawing/2014/main" id="{1FCF83EC-BEBB-9AD2-95DD-28137E48A9F7}"/>
-              </a:ext>
-            </a:extLst>
-          </p:cNvPr>
-          <p:cNvSpPr>
-            <a:spLocks noGrp="1"/>
-          </p:cNvSpPr>
-          <p:nvPr>
-            <p:ph type="pic" sz="quarter" idx="16"/>
-          </p:nvPr>
-        </p:nvSpPr>
-        <p:spPr/>
-      </p:sp>
-      <p:sp>
-        <p:nvSpPr>
-          <p:cNvPr id="7" name="Text Placeholder 6">
-            <a:extLst>
-              <a:ext uri="{FF2B5EF4-FFF2-40B4-BE49-F238E27FC236}">
-                <a16:creationId xmlns:a16="http://schemas.microsoft.com/office/drawing/2014/main" id="{A164E61A-A3CF-EF72-40E9-B6D34FC3F65A}"/>
-              </a:ext>
-            </a:extLst>
-          </p:cNvPr>
-          <p:cNvSpPr>
-            <a:spLocks noGrp="1"/>
-          </p:cNvSpPr>
-          <p:nvPr>
-            <p:ph type="body" sz="quarter" idx="17"/>
-          </p:nvPr>
-        </p:nvSpPr>
-        <p:spPr>
-          <a:xfrm>
-            <a:off x="4290380" y="3640665"/>
-            <a:ext cx="6678187" cy="490659"/>
-          </a:xfrm>
-        </p:spPr>
-        <p:txBody>
-          <a:bodyPr/>
-          <a:lstStyle/>
-          <a:p>
-            <a:r>
-              <a:rPr lang="en-US" dirty="0"/>
-              <a:t>STUDIOS LEADING THE PACK</a:t>
-            </a:r>
-          </a:p>
-        </p:txBody>
-      </p:sp>
     </p:spTree>
     <p:extLst>
       <p:ext uri="{BB962C8B-B14F-4D97-AF65-F5344CB8AC3E}">
@@ -13708,72 +12195,6 @@
           <a:chExt cx="0" cy="0"/>
         </a:xfrm>
       </p:grpSpPr>
-      <p:graphicFrame>
-        <p:nvGraphicFramePr>
-          <p:cNvPr id="2" name="Chart 0"/>
-          <p:cNvGraphicFramePr/>
-          <p:nvPr>
-            <p:extLst>
-              <p:ext uri="{D42A27DB-BD31-4B8C-83A1-F6EECF244321}">
-                <p14:modId xmlns:p14="http://schemas.microsoft.com/office/powerpoint/2010/main" val="1411466201"/>
-              </p:ext>
-            </p:extLst>
-          </p:nvPr>
-        </p:nvGraphicFramePr>
-        <p:xfrm>
-          <a:off x="1231900" y="1727200"/>
-          <a:ext cx="2032000" cy="1676400"/>
-        </p:xfrm>
-        <a:graphic>
-          <a:graphicData uri="http://schemas.openxmlformats.org/drawingml/2006/chart">
-            <c:chart xmlns:c="http://schemas.openxmlformats.org/drawingml/2006/chart" xmlns:r="http://schemas.openxmlformats.org/officeDocument/2006/relationships" r:id="rId3"/>
-          </a:graphicData>
-        </a:graphic>
-      </p:graphicFrame>
-      <p:graphicFrame>
-        <p:nvGraphicFramePr>
-          <p:cNvPr id="3" name="Chart 1"/>
-          <p:cNvGraphicFramePr/>
-          <p:nvPr>
-            <p:extLst>
-              <p:ext uri="{D42A27DB-BD31-4B8C-83A1-F6EECF244321}">
-                <p14:modId xmlns:p14="http://schemas.microsoft.com/office/powerpoint/2010/main" val="2974812900"/>
-              </p:ext>
-            </p:extLst>
-          </p:nvPr>
-        </p:nvGraphicFramePr>
-        <p:xfrm>
-          <a:off x="8318500" y="1727200"/>
-          <a:ext cx="2032000" cy="1676400"/>
-        </p:xfrm>
-        <a:graphic>
-          <a:graphicData uri="http://schemas.openxmlformats.org/drawingml/2006/chart">
-            <c:chart xmlns:c="http://schemas.openxmlformats.org/drawingml/2006/chart" xmlns:r="http://schemas.openxmlformats.org/officeDocument/2006/relationships" r:id="rId4"/>
-          </a:graphicData>
-        </a:graphic>
-      </p:graphicFrame>
-      <p:graphicFrame>
-        <p:nvGraphicFramePr>
-          <p:cNvPr id="4" name="Chart 2"/>
-          <p:cNvGraphicFramePr/>
-          <p:nvPr>
-            <p:extLst>
-              <p:ext uri="{D42A27DB-BD31-4B8C-83A1-F6EECF244321}">
-                <p14:modId xmlns:p14="http://schemas.microsoft.com/office/powerpoint/2010/main" val="503781950"/>
-              </p:ext>
-            </p:extLst>
-          </p:nvPr>
-        </p:nvGraphicFramePr>
-        <p:xfrm>
-          <a:off x="4762500" y="1727200"/>
-          <a:ext cx="2032000" cy="1676400"/>
-        </p:xfrm>
-        <a:graphic>
-          <a:graphicData uri="http://schemas.openxmlformats.org/drawingml/2006/chart">
-            <c:chart xmlns:c="http://schemas.openxmlformats.org/drawingml/2006/chart" xmlns:r="http://schemas.openxmlformats.org/officeDocument/2006/relationships" r:id="rId5"/>
-          </a:graphicData>
-        </a:graphic>
-      </p:graphicFrame>
       <p:sp>
         <p:nvSpPr>
           <p:cNvPr id="25" name="Slide Number Placeholder 0"/>
@@ -13781,14 +12202,10 @@
             <a:spLocks noGrp="1"/>
           </p:cNvSpPr>
           <p:nvPr>
-            <p:ph type="sldNum" sz="quarter" idx="4294967295"/>
-          </p:nvPr>
-        </p:nvSpPr>
-        <p:spPr>
-          <a:xfrm>
-            <a:off x="11569700" y="6350000"/>
-            <a:ext cx="609600" cy="355600"/>
-          </a:xfrm>
+            <p:ph type="sldNum" sz="quarter" idx="11"/>
+          </p:nvPr>
+        </p:nvSpPr>
+        <p:spPr>
           <a:prstGeom prst="rect">
             <a:avLst/>
           </a:prstGeom>
@@ -13917,6 +12334,41 @@
           </a:p>
         </p:txBody>
       </p:sp>
+      <p:pic>
+        <p:nvPicPr>
+          <p:cNvPr id="26" name="Picture Placeholder 25">
+            <a:extLst>
+              <a:ext uri="{FF2B5EF4-FFF2-40B4-BE49-F238E27FC236}">
+                <a16:creationId xmlns:a16="http://schemas.microsoft.com/office/drawing/2014/main" id="{C0D60272-60C4-FD7D-6E1C-FD064F046519}"/>
+              </a:ext>
+            </a:extLst>
+          </p:cNvPr>
+          <p:cNvPicPr preferRelativeResize="0">
+            <a:picLocks noGrp="1"/>
+          </p:cNvPicPr>
+          <p:nvPr>
+            <p:ph type="pic" sz="quarter" idx="12"/>
+          </p:nvPr>
+        </p:nvPicPr>
+        <p:blipFill>
+          <a:blip r:embed="rId3">
+            <a:extLst>
+              <a:ext uri="{28A0092B-C50C-407E-A947-70E740481C1C}">
+                <a14:useLocalDpi xmlns:a14="http://schemas.microsoft.com/office/drawing/2010/main" val="0"/>
+              </a:ext>
+            </a:extLst>
+          </a:blip>
+          <a:stretch>
+            <a:fillRect/>
+          </a:stretch>
+        </p:blipFill>
+        <p:spPr>
+          <a:xfrm>
+            <a:off x="403226" y="1649176"/>
+            <a:ext cx="10438095" cy="4914286"/>
+          </a:xfrm>
+        </p:spPr>
+      </p:pic>
       <p:sp>
         <p:nvSpPr>
           <p:cNvPr id="5" name="TextBox 4">
@@ -13946,352 +12398,10 @@
           <a:lstStyle/>
           <a:p>
             <a:r>
-              <a:rPr lang="en-US" sz="4400">
+              <a:rPr lang="en-US" sz="4400" dirty="0">
                 <a:latin typeface="Montserrat ExtraBold"/>
               </a:rPr>
               <a:t>BUDGET VS REVENUE</a:t>
-            </a:r>
-          </a:p>
-        </p:txBody>
-      </p:sp>
-      <p:sp>
-        <p:nvSpPr>
-          <p:cNvPr id="6" name="TextBox 5">
-            <a:extLst>
-              <a:ext uri="{FF2B5EF4-FFF2-40B4-BE49-F238E27FC236}">
-                <a16:creationId xmlns:a16="http://schemas.microsoft.com/office/drawing/2014/main" id="{50D66EC4-C9AF-423D-BFEB-A3BA55668320}"/>
-              </a:ext>
-            </a:extLst>
-          </p:cNvPr>
-          <p:cNvSpPr txBox="1"/>
-          <p:nvPr/>
-        </p:nvSpPr>
-        <p:spPr>
-          <a:xfrm>
-            <a:off x="1790700" y="2349500"/>
-            <a:ext cx="914400" cy="457200"/>
-          </a:xfrm>
-          <a:prstGeom prst="rect">
-            <a:avLst/>
-          </a:prstGeom>
-          <a:noFill/>
-        </p:spPr>
-        <p:txBody>
-          <a:bodyPr vertOverflow="overflow" vert="horz" wrap="square" rtlCol="0" anchor="ctr" anchorCtr="1">
-            <a:spAutoFit/>
-          </a:bodyPr>
-          <a:lstStyle/>
-          <a:p>
-            <a:pPr algn="ctr"/>
-            <a:r>
-              <a:rPr lang="en-US" sz="2400">
-                <a:latin typeface="Montserrat ExtraBold"/>
-              </a:rPr>
-              <a:t>45%</a:t>
-            </a:r>
-          </a:p>
-        </p:txBody>
-      </p:sp>
-      <p:sp>
-        <p:nvSpPr>
-          <p:cNvPr id="7" name="TextBox 6">
-            <a:extLst>
-              <a:ext uri="{FF2B5EF4-FFF2-40B4-BE49-F238E27FC236}">
-                <a16:creationId xmlns:a16="http://schemas.microsoft.com/office/drawing/2014/main" id="{046A3A22-C0B3-42D3-AD0F-3423E0EB9221}"/>
-              </a:ext>
-            </a:extLst>
-          </p:cNvPr>
-          <p:cNvSpPr txBox="1"/>
-          <p:nvPr/>
-        </p:nvSpPr>
-        <p:spPr>
-          <a:xfrm>
-            <a:off x="8877300" y="2349500"/>
-            <a:ext cx="914400" cy="457200"/>
-          </a:xfrm>
-          <a:prstGeom prst="rect">
-            <a:avLst/>
-          </a:prstGeom>
-          <a:noFill/>
-        </p:spPr>
-        <p:txBody>
-          <a:bodyPr vertOverflow="overflow" vert="horz" wrap="square" rtlCol="0" anchor="ctr" anchorCtr="1">
-            <a:spAutoFit/>
-          </a:bodyPr>
-          <a:lstStyle/>
-          <a:p>
-            <a:pPr algn="ctr"/>
-            <a:r>
-              <a:rPr lang="en-US" sz="2400">
-                <a:latin typeface="Montserrat ExtraBold"/>
-              </a:rPr>
-              <a:t>30%</a:t>
-            </a:r>
-          </a:p>
-        </p:txBody>
-      </p:sp>
-      <p:sp>
-        <p:nvSpPr>
-          <p:cNvPr id="8" name="TextBox 7">
-            <a:extLst>
-              <a:ext uri="{FF2B5EF4-FFF2-40B4-BE49-F238E27FC236}">
-                <a16:creationId xmlns:a16="http://schemas.microsoft.com/office/drawing/2014/main" id="{D6600F4C-91A3-4BBE-BE7E-23171B600665}"/>
-              </a:ext>
-            </a:extLst>
-          </p:cNvPr>
-          <p:cNvSpPr txBox="1"/>
-          <p:nvPr/>
-        </p:nvSpPr>
-        <p:spPr>
-          <a:xfrm>
-            <a:off x="5321300" y="2349500"/>
-            <a:ext cx="914400" cy="457200"/>
-          </a:xfrm>
-          <a:prstGeom prst="rect">
-            <a:avLst/>
-          </a:prstGeom>
-          <a:noFill/>
-        </p:spPr>
-        <p:txBody>
-          <a:bodyPr vertOverflow="overflow" vert="horz" wrap="square" rtlCol="0" anchor="ctr" anchorCtr="1">
-            <a:spAutoFit/>
-          </a:bodyPr>
-          <a:lstStyle/>
-          <a:p>
-            <a:pPr algn="ctr"/>
-            <a:r>
-              <a:rPr lang="en-US" sz="2400">
-                <a:latin typeface="Montserrat ExtraBold"/>
-              </a:rPr>
-              <a:t>25%</a:t>
-            </a:r>
-          </a:p>
-        </p:txBody>
-      </p:sp>
-      <p:sp>
-        <p:nvSpPr>
-          <p:cNvPr id="9" name="TextBox 8">
-            <a:extLst>
-              <a:ext uri="{FF2B5EF4-FFF2-40B4-BE49-F238E27FC236}">
-                <a16:creationId xmlns:a16="http://schemas.microsoft.com/office/drawing/2014/main" id="{75E2BCA9-663B-49E8-91EE-B94070E2C4FC}"/>
-              </a:ext>
-            </a:extLst>
-          </p:cNvPr>
-          <p:cNvSpPr txBox="1"/>
-          <p:nvPr/>
-        </p:nvSpPr>
-        <p:spPr>
-          <a:xfrm>
-            <a:off x="1054100" y="3530600"/>
-            <a:ext cx="2387600" cy="482600"/>
-          </a:xfrm>
-          <a:prstGeom prst="rect">
-            <a:avLst/>
-          </a:prstGeom>
-          <a:noFill/>
-        </p:spPr>
-        <p:txBody>
-          <a:bodyPr vertOverflow="overflow" vert="horz" wrap="square" rtlCol="0" anchor="b" anchorCtr="1">
-            <a:spAutoFit/>
-          </a:bodyPr>
-          <a:lstStyle/>
-          <a:p>
-            <a:pPr algn="ctr"/>
-            <a:r>
-              <a:rPr lang="en-US" sz="1250" b="1"/>
-              <a:t>PREMIUM PRODUCTIONS AND PROFITS</a:t>
-            </a:r>
-          </a:p>
-        </p:txBody>
-      </p:sp>
-      <p:sp>
-        <p:nvSpPr>
-          <p:cNvPr id="10" name="TextBox 9">
-            <a:extLst>
-              <a:ext uri="{FF2B5EF4-FFF2-40B4-BE49-F238E27FC236}">
-                <a16:creationId xmlns:a16="http://schemas.microsoft.com/office/drawing/2014/main" id="{B8E529AC-7D76-4555-ADEC-D4862CB0FB9A}"/>
-              </a:ext>
-            </a:extLst>
-          </p:cNvPr>
-          <p:cNvSpPr txBox="1"/>
-          <p:nvPr/>
-        </p:nvSpPr>
-        <p:spPr>
-          <a:xfrm>
-            <a:off x="1054100" y="4127500"/>
-            <a:ext cx="2387600" cy="2400300"/>
-          </a:xfrm>
-          <a:prstGeom prst="rect">
-            <a:avLst/>
-          </a:prstGeom>
-          <a:noFill/>
-        </p:spPr>
-        <p:txBody>
-          <a:bodyPr vertOverflow="overflow" vert="horz" wrap="square" rtlCol="0" anchor="t">
-            <a:spAutoFit/>
-          </a:bodyPr>
-          <a:lstStyle/>
-          <a:p>
-            <a:pPr algn="ctr"/>
-            <a:r>
-              <a:rPr lang="en-US" sz="1200">
-                <a:latin typeface="Open Sans"/>
-                <a:ea typeface="Open Sans"/>
-                <a:cs typeface="Open Sans"/>
-              </a:rPr>
-              <a:t>45% of revenue is from high budget films.</a:t>
-            </a:r>
-          </a:p>
-        </p:txBody>
-      </p:sp>
-      <p:sp>
-        <p:nvSpPr>
-          <p:cNvPr id="11" name="TextBox 10">
-            <a:extLst>
-              <a:ext uri="{FF2B5EF4-FFF2-40B4-BE49-F238E27FC236}">
-                <a16:creationId xmlns:a16="http://schemas.microsoft.com/office/drawing/2014/main" id="{F275C6B7-AB8C-4430-843B-9071BE8695CD}"/>
-              </a:ext>
-            </a:extLst>
-          </p:cNvPr>
-          <p:cNvSpPr txBox="1"/>
-          <p:nvPr/>
-        </p:nvSpPr>
-        <p:spPr>
-          <a:xfrm>
-            <a:off x="8140700" y="3530600"/>
-            <a:ext cx="2387600" cy="482600"/>
-          </a:xfrm>
-          <a:prstGeom prst="rect">
-            <a:avLst/>
-          </a:prstGeom>
-          <a:noFill/>
-        </p:spPr>
-        <p:txBody>
-          <a:bodyPr vertOverflow="overflow" vert="horz" wrap="square" rtlCol="0" anchor="b" anchorCtr="1">
-            <a:spAutoFit/>
-          </a:bodyPr>
-          <a:lstStyle/>
-          <a:p>
-            <a:pPr algn="ctr"/>
-            <a:r>
-              <a:rPr lang="en-US" sz="1250" b="1"/>
-              <a:t>STRIKING A BALANCE</a:t>
-            </a:r>
-          </a:p>
-        </p:txBody>
-      </p:sp>
-      <p:sp>
-        <p:nvSpPr>
-          <p:cNvPr id="12" name="TextBox 11">
-            <a:extLst>
-              <a:ext uri="{FF2B5EF4-FFF2-40B4-BE49-F238E27FC236}">
-                <a16:creationId xmlns:a16="http://schemas.microsoft.com/office/drawing/2014/main" id="{09EBAA77-9248-4F20-89C1-D124C56986D9}"/>
-              </a:ext>
-            </a:extLst>
-          </p:cNvPr>
-          <p:cNvSpPr txBox="1"/>
-          <p:nvPr/>
-        </p:nvSpPr>
-        <p:spPr>
-          <a:xfrm>
-            <a:off x="8140700" y="4127500"/>
-            <a:ext cx="2387600" cy="2400300"/>
-          </a:xfrm>
-          <a:prstGeom prst="rect">
-            <a:avLst/>
-          </a:prstGeom>
-          <a:noFill/>
-        </p:spPr>
-        <p:txBody>
-          <a:bodyPr vertOverflow="overflow" vert="horz" wrap="square" rtlCol="0" anchor="t">
-            <a:spAutoFit/>
-          </a:bodyPr>
-          <a:lstStyle/>
-          <a:p>
-            <a:pPr algn="ctr"/>
-            <a:r>
-              <a:rPr lang="en-US" sz="1200">
-                <a:latin typeface="Open Sans"/>
-                <a:ea typeface="Open Sans"/>
-                <a:cs typeface="Open Sans"/>
-              </a:rPr>
-              <a:t>30% of revenue is from mid-range budget films.</a:t>
-            </a:r>
-          </a:p>
-        </p:txBody>
-      </p:sp>
-      <p:sp>
-        <p:nvSpPr>
-          <p:cNvPr id="13" name="TextBox 12">
-            <a:extLst>
-              <a:ext uri="{FF2B5EF4-FFF2-40B4-BE49-F238E27FC236}">
-                <a16:creationId xmlns:a16="http://schemas.microsoft.com/office/drawing/2014/main" id="{CABA676E-0DFA-434A-AC40-BFB856F55904}"/>
-              </a:ext>
-            </a:extLst>
-          </p:cNvPr>
-          <p:cNvSpPr txBox="1"/>
-          <p:nvPr/>
-        </p:nvSpPr>
-        <p:spPr>
-          <a:xfrm>
-            <a:off x="4584700" y="3530600"/>
-            <a:ext cx="2387600" cy="482600"/>
-          </a:xfrm>
-          <a:prstGeom prst="rect">
-            <a:avLst/>
-          </a:prstGeom>
-          <a:noFill/>
-        </p:spPr>
-        <p:txBody>
-          <a:bodyPr vertOverflow="overflow" vert="horz" wrap="square" rtlCol="0" anchor="b" anchorCtr="1">
-            <a:spAutoFit/>
-          </a:bodyPr>
-          <a:lstStyle/>
-          <a:p>
-            <a:pPr algn="ctr"/>
-            <a:r>
-              <a:rPr lang="en-US" sz="1250" b="1"/>
-              <a:t>INDIE SUCCESS STORIES</a:t>
-            </a:r>
-          </a:p>
-        </p:txBody>
-      </p:sp>
-      <p:sp>
-        <p:nvSpPr>
-          <p:cNvPr id="14" name="TextBox 13">
-            <a:extLst>
-              <a:ext uri="{FF2B5EF4-FFF2-40B4-BE49-F238E27FC236}">
-                <a16:creationId xmlns:a16="http://schemas.microsoft.com/office/drawing/2014/main" id="{45FDE9C3-52E2-4D6B-855B-F0638DA32EFC}"/>
-              </a:ext>
-            </a:extLst>
-          </p:cNvPr>
-          <p:cNvSpPr txBox="1"/>
-          <p:nvPr/>
-        </p:nvSpPr>
-        <p:spPr>
-          <a:xfrm>
-            <a:off x="4584700" y="4127500"/>
-            <a:ext cx="2387600" cy="2400300"/>
-          </a:xfrm>
-          <a:prstGeom prst="rect">
-            <a:avLst/>
-          </a:prstGeom>
-          <a:noFill/>
-        </p:spPr>
-        <p:txBody>
-          <a:bodyPr vertOverflow="overflow" vert="horz" wrap="square" rtlCol="0" anchor="t">
-            <a:spAutoFit/>
-          </a:bodyPr>
-          <a:lstStyle/>
-          <a:p>
-            <a:pPr algn="ctr"/>
-            <a:r>
-              <a:rPr lang="en-US" sz="1200">
-                <a:latin typeface="Open Sans"/>
-                <a:ea typeface="Open Sans"/>
-                <a:cs typeface="Open Sans"/>
-              </a:rPr>
-              <a:t>25% of revenue is from low budget films.</a:t>
             </a:r>
           </a:p>
         </p:txBody>
@@ -14807,7 +12917,7 @@
 
 <file path=ppt/webextensions/taskpanes.xml><?xml version="1.0" encoding="utf-8"?>
 <wetp:taskpanes xmlns:wetp="http://schemas.microsoft.com/office/webextensions/taskpanes/2010/11">
-  <wetp:taskpane dockstate="right" visibility="0" width="525" row="0">
+  <wetp:taskpane dockstate="right" visibility="0" width="525" row="2">
     <wetp:webextensionref xmlns:r="http://schemas.openxmlformats.org/officeDocument/2006/relationships" r:id="rId1"/>
   </wetp:taskpane>
   <wetp:taskpane dockstate="right" visibility="0" width="525" row="1">

--- a/Phase 2 Project_Group 5.pptx
+++ b/Phase 2 Project_Group 5.pptx
@@ -5,7 +5,7 @@
     <p:sldMasterId id="2147483676" r:id="rId1"/>
   </p:sldMasterIdLst>
   <p:notesMasterIdLst>
-    <p:notesMasterId r:id="rId19"/>
+    <p:notesMasterId r:id="rId17"/>
   </p:notesMasterIdLst>
   <p:sldIdLst>
     <p:sldId id="259" r:id="rId2"/>
@@ -17,14 +17,12 @@
     <p:sldId id="256" r:id="rId8"/>
     <p:sldId id="263" r:id="rId9"/>
     <p:sldId id="268" r:id="rId10"/>
-    <p:sldId id="273" r:id="rId11"/>
-    <p:sldId id="265" r:id="rId12"/>
-    <p:sldId id="279" r:id="rId13"/>
-    <p:sldId id="277" r:id="rId14"/>
-    <p:sldId id="278" r:id="rId15"/>
-    <p:sldId id="266" r:id="rId16"/>
-    <p:sldId id="264" r:id="rId17"/>
-    <p:sldId id="272" r:id="rId18"/>
+    <p:sldId id="265" r:id="rId11"/>
+    <p:sldId id="279" r:id="rId12"/>
+    <p:sldId id="277" r:id="rId13"/>
+    <p:sldId id="266" r:id="rId14"/>
+    <p:sldId id="264" r:id="rId15"/>
+    <p:sldId id="272" r:id="rId16"/>
   </p:sldIdLst>
   <p:sldSz cx="12192000" cy="6858000"/>
   <p:notesSz cx="6858000" cy="9144000"/>
@@ -5314,7 +5312,7 @@
           </a:prstGeom>
           <a:extLst>
             <a:ext uri="{C572A759-6A51-4108-AA02-DFA0A04FC94B}">
-              <ma14:wrappingTextBoxFlag xmlns="" xmlns:ma14="http://schemas.microsoft.com/office/mac/drawingml/2011/main" val="0"/>
+              <ma14:wrappingTextBoxFlag xmlns:ma14="http://schemas.microsoft.com/office/mac/drawingml/2011/main" xmlns="" val="0"/>
             </a:ext>
           </a:extLst>
         </p:spPr>
@@ -8199,232 +8197,6 @@
           <p:cNvPr id="2" name="Title 1">
             <a:extLst>
               <a:ext uri="{FF2B5EF4-FFF2-40B4-BE49-F238E27FC236}">
-                <a16:creationId xmlns:a16="http://schemas.microsoft.com/office/drawing/2014/main" id="{E8DC9D30-CCC9-EEE2-E1DB-B5C75EF41D37}"/>
-              </a:ext>
-            </a:extLst>
-          </p:cNvPr>
-          <p:cNvSpPr>
-            <a:spLocks noGrp="1"/>
-          </p:cNvSpPr>
-          <p:nvPr>
-            <p:ph type="title"/>
-          </p:nvPr>
-        </p:nvSpPr>
-        <p:spPr/>
-        <p:txBody>
-          <a:bodyPr/>
-          <a:lstStyle/>
-          <a:p>
-            <a:r>
-              <a:rPr lang="en-US"/>
-              <a:t>PRODUCTION TRENDS</a:t>
-            </a:r>
-          </a:p>
-        </p:txBody>
-      </p:sp>
-      <p:sp>
-        <p:nvSpPr>
-          <p:cNvPr id="3" name="Footer Placeholder 2">
-            <a:extLst>
-              <a:ext uri="{FF2B5EF4-FFF2-40B4-BE49-F238E27FC236}">
-                <a16:creationId xmlns:a16="http://schemas.microsoft.com/office/drawing/2014/main" id="{FF9B5796-403D-75EC-185D-B5BF8FD3FDCF}"/>
-              </a:ext>
-            </a:extLst>
-          </p:cNvPr>
-          <p:cNvSpPr>
-            <a:spLocks noGrp="1"/>
-          </p:cNvSpPr>
-          <p:nvPr>
-            <p:ph type="ftr" sz="quarter" idx="10"/>
-          </p:nvPr>
-        </p:nvSpPr>
-        <p:spPr/>
-        <p:txBody>
-          <a:bodyPr/>
-          <a:lstStyle/>
-          <a:p>
-            <a:r>
-              <a:rPr lang="en-ID"/>
-              <a:t>ENTERING THE FILM INDUSTRY</a:t>
-            </a:r>
-            <a:endParaRPr lang="en-ID" dirty="0"/>
-          </a:p>
-        </p:txBody>
-      </p:sp>
-      <p:sp>
-        <p:nvSpPr>
-          <p:cNvPr id="4" name="Slide Number Placeholder 3">
-            <a:extLst>
-              <a:ext uri="{FF2B5EF4-FFF2-40B4-BE49-F238E27FC236}">
-                <a16:creationId xmlns:a16="http://schemas.microsoft.com/office/drawing/2014/main" id="{09D86E41-9D52-A007-EA52-1F4AC684999B}"/>
-              </a:ext>
-            </a:extLst>
-          </p:cNvPr>
-          <p:cNvSpPr>
-            <a:spLocks noGrp="1"/>
-          </p:cNvSpPr>
-          <p:nvPr>
-            <p:ph type="sldNum" sz="quarter" idx="11"/>
-          </p:nvPr>
-        </p:nvSpPr>
-        <p:spPr/>
-        <p:txBody>
-          <a:bodyPr/>
-          <a:lstStyle/>
-          <a:p>
-            <a:fld id="{CF6F24BE-8BEB-403A-BDCC-38E201D0662D}" type="slidenum">
-              <a:rPr lang="en-ID" smtClean="0"/>
-              <a:pPr/>
-              <a:t>10</a:t>
-            </a:fld>
-            <a:endParaRPr lang="en-ID"/>
-          </a:p>
-        </p:txBody>
-      </p:sp>
-      <p:sp>
-        <p:nvSpPr>
-          <p:cNvPr id="6" name="Text Placeholder 5">
-            <a:extLst>
-              <a:ext uri="{FF2B5EF4-FFF2-40B4-BE49-F238E27FC236}">
-                <a16:creationId xmlns:a16="http://schemas.microsoft.com/office/drawing/2014/main" id="{45257513-9F99-2317-C9CA-15FBE9A5FBB1}"/>
-              </a:ext>
-            </a:extLst>
-          </p:cNvPr>
-          <p:cNvSpPr>
-            <a:spLocks noGrp="1"/>
-          </p:cNvSpPr>
-          <p:nvPr>
-            <p:ph type="body" sz="quarter" idx="13"/>
-          </p:nvPr>
-        </p:nvSpPr>
-        <p:spPr/>
-        <p:txBody>
-          <a:bodyPr/>
-          <a:lstStyle/>
-          <a:p>
-            <a:r>
-              <a:rPr lang="en-US" sz="2000" dirty="0"/>
-              <a:t>Film production technology has seen major improvements in digital cinematography and visual effects. These advancements help lower production costs while enabling complex storytelling through enhanced visuals.</a:t>
-            </a:r>
-          </a:p>
-        </p:txBody>
-      </p:sp>
-      <p:sp>
-        <p:nvSpPr>
-          <p:cNvPr id="8" name="Text Placeholder 7">
-            <a:extLst>
-              <a:ext uri="{FF2B5EF4-FFF2-40B4-BE49-F238E27FC236}">
-                <a16:creationId xmlns:a16="http://schemas.microsoft.com/office/drawing/2014/main" id="{E0E735FA-1089-42C2-7D84-71A2062D356F}"/>
-              </a:ext>
-            </a:extLst>
-          </p:cNvPr>
-          <p:cNvSpPr>
-            <a:spLocks noGrp="1"/>
-          </p:cNvSpPr>
-          <p:nvPr>
-            <p:ph type="body" sz="quarter" idx="14"/>
-          </p:nvPr>
-        </p:nvSpPr>
-        <p:spPr/>
-        <p:txBody>
-          <a:bodyPr/>
-          <a:lstStyle/>
-          <a:p>
-            <a:r>
-              <a:rPr lang="en-US" sz="1800" dirty="0"/>
-              <a:t>Evolving Film Techniques</a:t>
-            </a:r>
-          </a:p>
-        </p:txBody>
-      </p:sp>
-      <p:pic>
-        <p:nvPicPr>
-          <p:cNvPr id="11" name="Picture 10">
-            <a:extLst>
-              <a:ext uri="{FF2B5EF4-FFF2-40B4-BE49-F238E27FC236}">
-                <a16:creationId xmlns:a16="http://schemas.microsoft.com/office/drawing/2014/main" id="{32DB4CD5-53E4-A0B7-50F9-24FDBE99EC91}"/>
-              </a:ext>
-            </a:extLst>
-          </p:cNvPr>
-          <p:cNvPicPr>
-            <a:picLocks noChangeAspect="1"/>
-          </p:cNvPicPr>
-          <p:nvPr/>
-        </p:nvPicPr>
-        <p:blipFill>
-          <a:blip r:embed="rId2"/>
-          <a:stretch>
-            <a:fillRect/>
-          </a:stretch>
-        </p:blipFill>
-        <p:spPr>
-          <a:xfrm>
-            <a:off x="476778" y="1081166"/>
-            <a:ext cx="5619221" cy="4834892"/>
-          </a:xfrm>
-          <a:prstGeom prst="rect">
-            <a:avLst/>
-          </a:prstGeom>
-        </p:spPr>
-      </p:pic>
-      <p:sp>
-        <p:nvSpPr>
-          <p:cNvPr id="13" name="Picture Placeholder 12">
-            <a:extLst>
-              <a:ext uri="{FF2B5EF4-FFF2-40B4-BE49-F238E27FC236}">
-                <a16:creationId xmlns:a16="http://schemas.microsoft.com/office/drawing/2014/main" id="{E40A6C6C-A2DC-08C5-1343-8A4DC3D341B1}"/>
-              </a:ext>
-            </a:extLst>
-          </p:cNvPr>
-          <p:cNvSpPr>
-            <a:spLocks noGrp="1"/>
-          </p:cNvSpPr>
-          <p:nvPr>
-            <p:ph type="pic" sz="quarter" idx="12"/>
-          </p:nvPr>
-        </p:nvSpPr>
-        <p:spPr>
-          <a:xfrm>
-            <a:off x="385590" y="573517"/>
-            <a:ext cx="5832187" cy="5664505"/>
-          </a:xfrm>
-        </p:spPr>
-      </p:sp>
-    </p:spTree>
-    <p:extLst>
-      <p:ext uri="{BB962C8B-B14F-4D97-AF65-F5344CB8AC3E}">
-        <p14:creationId xmlns:p14="http://schemas.microsoft.com/office/powerpoint/2010/main" val="3763195686"/>
-      </p:ext>
-    </p:extLst>
-  </p:cSld>
-  <p:clrMapOvr>
-    <a:masterClrMapping/>
-  </p:clrMapOvr>
-</p:sld>
-</file>
-
-<file path=ppt/slides/slide11.xml><?xml version="1.0" encoding="utf-8"?>
-<p:sld xmlns:a="http://schemas.openxmlformats.org/drawingml/2006/main" xmlns:r="http://schemas.openxmlformats.org/officeDocument/2006/relationships" xmlns:p="http://schemas.openxmlformats.org/presentationml/2006/main">
-  <p:cSld>
-    <p:spTree>
-      <p:nvGrpSpPr>
-        <p:cNvPr id="1" name=""/>
-        <p:cNvGrpSpPr/>
-        <p:nvPr/>
-      </p:nvGrpSpPr>
-      <p:grpSpPr>
-        <a:xfrm>
-          <a:off x="0" y="0"/>
-          <a:ext cx="0" cy="0"/>
-          <a:chOff x="0" y="0"/>
-          <a:chExt cx="0" cy="0"/>
-        </a:xfrm>
-      </p:grpSpPr>
-      <p:sp>
-        <p:nvSpPr>
-          <p:cNvPr id="2" name="Title 1">
-            <a:extLst>
-              <a:ext uri="{FF2B5EF4-FFF2-40B4-BE49-F238E27FC236}">
                 <a16:creationId xmlns:a16="http://schemas.microsoft.com/office/drawing/2014/main" id="{870BCED7-8BF8-751A-9EB9-3FDB9A0A003A}"/>
               </a:ext>
             </a:extLst>
@@ -8612,7 +8384,7 @@
 </p:sld>
 </file>
 
-<file path=ppt/slides/slide12.xml><?xml version="1.0" encoding="utf-8"?>
+<file path=ppt/slides/slide11.xml><?xml version="1.0" encoding="utf-8"?>
 <p:sld xmlns:a="http://schemas.openxmlformats.org/drawingml/2006/main" xmlns:r="http://schemas.openxmlformats.org/officeDocument/2006/relationships" xmlns:p="http://schemas.openxmlformats.org/presentationml/2006/main">
   <p:cSld>
     <p:spTree>
@@ -8651,7 +8423,12 @@
             <p:ph type="title"/>
           </p:nvPr>
         </p:nvSpPr>
-        <p:spPr/>
+        <p:spPr>
+          <a:xfrm>
+            <a:off x="7315289" y="619621"/>
+            <a:ext cx="3653278" cy="1408295"/>
+          </a:xfrm>
+        </p:spPr>
         <p:txBody>
           <a:bodyPr/>
           <a:lstStyle/>
@@ -8736,14 +8513,19 @@
             <p:ph type="body" sz="quarter" idx="13"/>
           </p:nvPr>
         </p:nvSpPr>
-        <p:spPr/>
+        <p:spPr>
+          <a:xfrm>
+            <a:off x="7638586" y="3211552"/>
+            <a:ext cx="3817434" cy="3244436"/>
+          </a:xfrm>
+        </p:spPr>
         <p:txBody>
           <a:bodyPr/>
           <a:lstStyle/>
           <a:p>
             <a:r>
               <a:rPr lang="en-US" sz="2000" dirty="0"/>
-              <a:t>The correlation between average rating and both gross earnings is weak, which suggests that ratings do not strongly predict earnings.</a:t>
+              <a:t>Popular movies often achieve high gross revenue but high ratings alone do not guarantee financial success.</a:t>
             </a:r>
           </a:p>
         </p:txBody>
@@ -8766,8 +8548,8 @@
         </p:nvSpPr>
         <p:spPr>
           <a:xfrm>
-            <a:off x="6661426" y="2027917"/>
-            <a:ext cx="4307141" cy="779706"/>
+            <a:off x="7638586" y="2252545"/>
+            <a:ext cx="3329982" cy="869796"/>
           </a:xfrm>
         </p:spPr>
         <p:txBody>
@@ -8776,17 +8558,17 @@
           <a:p>
             <a:r>
               <a:rPr lang="en-US" sz="1800" dirty="0"/>
-              <a:t>Rating vs. Gross (Domestic &amp; Worldwide)</a:t>
+              <a:t>Movies Popularity vs Gross Profit</a:t>
             </a:r>
           </a:p>
         </p:txBody>
       </p:sp>
       <p:pic>
         <p:nvPicPr>
-          <p:cNvPr id="10" name="Picture Placeholder 9">
-            <a:extLst>
-              <a:ext uri="{FF2B5EF4-FFF2-40B4-BE49-F238E27FC236}">
-                <a16:creationId xmlns:a16="http://schemas.microsoft.com/office/drawing/2014/main" id="{2E2FE083-C9C6-B8D5-D771-2EA279246601}"/>
+          <p:cNvPr id="11" name="Picture Placeholder 10">
+            <a:extLst>
+              <a:ext uri="{FF2B5EF4-FFF2-40B4-BE49-F238E27FC236}">
+                <a16:creationId xmlns:a16="http://schemas.microsoft.com/office/drawing/2014/main" id="{9479F1D6-4173-DC74-17CD-542F1B01E587}"/>
               </a:ext>
             </a:extLst>
           </p:cNvPr>
@@ -8805,12 +8587,14 @@
               </a:ext>
             </a:extLst>
           </a:blip>
-          <a:stretch/>
+          <a:stretch>
+            <a:fillRect/>
+          </a:stretch>
         </p:blipFill>
         <p:spPr>
           <a:xfrm>
-            <a:off x="337457" y="664029"/>
-            <a:ext cx="6139543" cy="4800599"/>
+            <a:off x="278781" y="914400"/>
+            <a:ext cx="6910130" cy="5140712"/>
           </a:xfrm>
         </p:spPr>
       </p:pic>
@@ -8818,6 +8602,231 @@
     <p:extLst>
       <p:ext uri="{BB962C8B-B14F-4D97-AF65-F5344CB8AC3E}">
         <p14:creationId xmlns:p14="http://schemas.microsoft.com/office/powerpoint/2010/main" val="1743954098"/>
+      </p:ext>
+    </p:extLst>
+  </p:cSld>
+  <p:clrMapOvr>
+    <a:masterClrMapping/>
+  </p:clrMapOvr>
+</p:sld>
+</file>
+
+<file path=ppt/slides/slide12.xml><?xml version="1.0" encoding="utf-8"?>
+<p:sld xmlns:a="http://schemas.openxmlformats.org/drawingml/2006/main" xmlns:r="http://schemas.openxmlformats.org/officeDocument/2006/relationships" xmlns:p="http://schemas.openxmlformats.org/presentationml/2006/main">
+  <p:cSld>
+    <p:spTree>
+      <p:nvGrpSpPr>
+        <p:cNvPr id="1" name=""/>
+        <p:cNvGrpSpPr/>
+        <p:nvPr/>
+      </p:nvGrpSpPr>
+      <p:grpSpPr>
+        <a:xfrm>
+          <a:off x="0" y="0"/>
+          <a:ext cx="0" cy="0"/>
+          <a:chOff x="0" y="0"/>
+          <a:chExt cx="0" cy="0"/>
+        </a:xfrm>
+      </p:grpSpPr>
+      <p:sp>
+        <p:nvSpPr>
+          <p:cNvPr id="2" name="Title 1">
+            <a:extLst>
+              <a:ext uri="{FF2B5EF4-FFF2-40B4-BE49-F238E27FC236}">
+                <a16:creationId xmlns:a16="http://schemas.microsoft.com/office/drawing/2014/main" id="{D075EC24-F551-272A-8A7F-D6A7A7D30CA1}"/>
+              </a:ext>
+            </a:extLst>
+          </p:cNvPr>
+          <p:cNvSpPr>
+            <a:spLocks noGrp="1"/>
+          </p:cNvSpPr>
+          <p:nvPr>
+            <p:ph type="title"/>
+          </p:nvPr>
+        </p:nvSpPr>
+        <p:spPr>
+          <a:xfrm>
+            <a:off x="352801" y="657921"/>
+            <a:ext cx="4698171" cy="1170879"/>
+          </a:xfrm>
+        </p:spPr>
+        <p:txBody>
+          <a:bodyPr/>
+          <a:lstStyle/>
+          <a:p>
+            <a:r>
+              <a:rPr lang="en-US" dirty="0"/>
+              <a:t>MODEL EVALUATION</a:t>
+            </a:r>
+            <a:endParaRPr lang="ru-RU" dirty="0"/>
+          </a:p>
+        </p:txBody>
+      </p:sp>
+      <p:sp>
+        <p:nvSpPr>
+          <p:cNvPr id="3" name="Footer Placeholder 2">
+            <a:extLst>
+              <a:ext uri="{FF2B5EF4-FFF2-40B4-BE49-F238E27FC236}">
+                <a16:creationId xmlns:a16="http://schemas.microsoft.com/office/drawing/2014/main" id="{958D764E-7A38-6958-A123-ED1DAFA312C3}"/>
+              </a:ext>
+            </a:extLst>
+          </p:cNvPr>
+          <p:cNvSpPr>
+            <a:spLocks noGrp="1"/>
+          </p:cNvSpPr>
+          <p:nvPr>
+            <p:ph type="ftr" sz="quarter" idx="10"/>
+          </p:nvPr>
+        </p:nvSpPr>
+        <p:spPr/>
+        <p:txBody>
+          <a:bodyPr/>
+          <a:lstStyle/>
+          <a:p>
+            <a:r>
+              <a:rPr lang="en-ID"/>
+              <a:t>TOP PERFORMING GENRES</a:t>
+            </a:r>
+            <a:endParaRPr lang="en-ID" dirty="0"/>
+          </a:p>
+        </p:txBody>
+      </p:sp>
+      <p:sp>
+        <p:nvSpPr>
+          <p:cNvPr id="4" name="Slide Number Placeholder 3">
+            <a:extLst>
+              <a:ext uri="{FF2B5EF4-FFF2-40B4-BE49-F238E27FC236}">
+                <a16:creationId xmlns:a16="http://schemas.microsoft.com/office/drawing/2014/main" id="{2F419433-2B00-9A9A-EDC0-7F81294BD21A}"/>
+              </a:ext>
+            </a:extLst>
+          </p:cNvPr>
+          <p:cNvSpPr>
+            <a:spLocks noGrp="1"/>
+          </p:cNvSpPr>
+          <p:nvPr>
+            <p:ph type="sldNum" sz="quarter" idx="11"/>
+          </p:nvPr>
+        </p:nvSpPr>
+        <p:spPr/>
+        <p:txBody>
+          <a:bodyPr/>
+          <a:lstStyle/>
+          <a:p>
+            <a:fld id="{CF6F24BE-8BEB-403A-BDCC-38E201D0662D}" type="slidenum">
+              <a:rPr lang="en-ID" smtClean="0"/>
+              <a:pPr/>
+              <a:t>12</a:t>
+            </a:fld>
+            <a:endParaRPr lang="en-ID"/>
+          </a:p>
+        </p:txBody>
+      </p:sp>
+      <p:sp>
+        <p:nvSpPr>
+          <p:cNvPr id="7" name="Text Placeholder 6">
+            <a:extLst>
+              <a:ext uri="{FF2B5EF4-FFF2-40B4-BE49-F238E27FC236}">
+                <a16:creationId xmlns:a16="http://schemas.microsoft.com/office/drawing/2014/main" id="{177DB92A-FE64-1CE8-1CAA-030874A561E5}"/>
+              </a:ext>
+            </a:extLst>
+          </p:cNvPr>
+          <p:cNvSpPr>
+            <a:spLocks noGrp="1"/>
+          </p:cNvSpPr>
+          <p:nvPr>
+            <p:ph type="body" sz="quarter" idx="13"/>
+          </p:nvPr>
+        </p:nvSpPr>
+        <p:spPr>
+          <a:xfrm>
+            <a:off x="352801" y="3025767"/>
+            <a:ext cx="4132113" cy="3695708"/>
+          </a:xfrm>
+        </p:spPr>
+        <p:txBody>
+          <a:bodyPr/>
+          <a:lstStyle/>
+          <a:p>
+            <a:r>
+              <a:rPr lang="en-US" sz="2000" dirty="0"/>
+              <a:t>The first model evaluated how varying production budgets influence the worldwide gross of films. By examining historical data, this model helps identify budget ranges that maximize revenue outcomes, providing valuable insights for studios when allocating resources</a:t>
+            </a:r>
+            <a:endParaRPr lang="ru-RU" sz="2000" dirty="0"/>
+          </a:p>
+        </p:txBody>
+      </p:sp>
+      <p:sp>
+        <p:nvSpPr>
+          <p:cNvPr id="8" name="Text Placeholder 7">
+            <a:extLst>
+              <a:ext uri="{FF2B5EF4-FFF2-40B4-BE49-F238E27FC236}">
+                <a16:creationId xmlns:a16="http://schemas.microsoft.com/office/drawing/2014/main" id="{47B18613-4568-695A-0DE3-336A49E75B5E}"/>
+              </a:ext>
+            </a:extLst>
+          </p:cNvPr>
+          <p:cNvSpPr>
+            <a:spLocks noGrp="1"/>
+          </p:cNvSpPr>
+          <p:nvPr>
+            <p:ph type="body" sz="quarter" idx="17"/>
+          </p:nvPr>
+        </p:nvSpPr>
+        <p:spPr>
+          <a:xfrm>
+            <a:off x="352801" y="2198914"/>
+            <a:ext cx="4284513" cy="826853"/>
+          </a:xfrm>
+        </p:spPr>
+        <p:txBody>
+          <a:bodyPr/>
+          <a:lstStyle/>
+          <a:p>
+            <a:r>
+              <a:rPr lang="en-US" sz="1800" dirty="0"/>
+              <a:t>Impact of Production Budget on Worldwide Gross</a:t>
+            </a:r>
+          </a:p>
+        </p:txBody>
+      </p:sp>
+      <p:pic>
+        <p:nvPicPr>
+          <p:cNvPr id="12" name="Picture Placeholder 11">
+            <a:extLst>
+              <a:ext uri="{FF2B5EF4-FFF2-40B4-BE49-F238E27FC236}">
+                <a16:creationId xmlns:a16="http://schemas.microsoft.com/office/drawing/2014/main" id="{14FB43FC-5818-9344-53C1-1E6BB02D2C74}"/>
+              </a:ext>
+            </a:extLst>
+          </p:cNvPr>
+          <p:cNvPicPr preferRelativeResize="0">
+            <a:picLocks noGrp="1"/>
+          </p:cNvPicPr>
+          <p:nvPr>
+            <p:ph type="pic" sz="quarter" idx="12"/>
+          </p:nvPr>
+        </p:nvPicPr>
+        <p:blipFill>
+          <a:blip r:embed="rId2">
+            <a:extLst>
+              <a:ext uri="{28A0092B-C50C-407E-A947-70E740481C1C}">
+                <a14:useLocalDpi xmlns:a14="http://schemas.microsoft.com/office/drawing/2010/main" val="0"/>
+              </a:ext>
+            </a:extLst>
+          </a:blip>
+          <a:stretch>
+            <a:fillRect/>
+          </a:stretch>
+        </p:blipFill>
+        <p:spPr>
+          <a:xfrm>
+            <a:off x="4928894" y="657921"/>
+            <a:ext cx="6411896" cy="5876693"/>
+          </a:xfrm>
+        </p:spPr>
+      </p:pic>
+    </p:spTree>
+    <p:extLst>
+      <p:ext uri="{BB962C8B-B14F-4D97-AF65-F5344CB8AC3E}">
+        <p14:creationId xmlns:p14="http://schemas.microsoft.com/office/powerpoint/2010/main" val="1322344699"/>
       </p:ext>
     </p:extLst>
   </p:cSld>
@@ -8849,7 +8858,7 @@
           <p:cNvPr id="2" name="Title 1">
             <a:extLst>
               <a:ext uri="{FF2B5EF4-FFF2-40B4-BE49-F238E27FC236}">
-                <a16:creationId xmlns:a16="http://schemas.microsoft.com/office/drawing/2014/main" id="{D075EC24-F551-272A-8A7F-D6A7A7D30CA1}"/>
+                <a16:creationId xmlns:a16="http://schemas.microsoft.com/office/drawing/2014/main" id="{210E571D-AD5E-7DB4-7554-D994EEB1B37A}"/>
               </a:ext>
             </a:extLst>
           </p:cNvPr>
@@ -8862,8 +8871,8 @@
         </p:nvSpPr>
         <p:spPr>
           <a:xfrm>
-            <a:off x="352801" y="657921"/>
-            <a:ext cx="4698171" cy="1170879"/>
+            <a:off x="468086" y="4162370"/>
+            <a:ext cx="3820887" cy="2313826"/>
           </a:xfrm>
         </p:spPr>
         <p:txBody>
@@ -8872,9 +8881,8 @@
           <a:p>
             <a:r>
               <a:rPr lang="en-US" dirty="0"/>
-              <a:t>MODEL EVALUATION</a:t>
-            </a:r>
-            <a:endParaRPr lang="ru-RU" dirty="0"/>
+              <a:t>STRATEGIC INSIGHTS</a:t>
+            </a:r>
           </a:p>
         </p:txBody>
       </p:sp>
@@ -8883,7 +8891,7 @@
           <p:cNvPr id="3" name="Footer Placeholder 2">
             <a:extLst>
               <a:ext uri="{FF2B5EF4-FFF2-40B4-BE49-F238E27FC236}">
-                <a16:creationId xmlns:a16="http://schemas.microsoft.com/office/drawing/2014/main" id="{958D764E-7A38-6958-A123-ED1DAFA312C3}"/>
+                <a16:creationId xmlns:a16="http://schemas.microsoft.com/office/drawing/2014/main" id="{3DD3D19B-5071-932E-4370-82C9F71D1301}"/>
               </a:ext>
             </a:extLst>
           </p:cNvPr>
@@ -8901,7 +8909,7 @@
           <a:p>
             <a:r>
               <a:rPr lang="en-ID"/>
-              <a:t>TOP PERFORMING GENRES</a:t>
+              <a:t>BREAKING INTO FILM</a:t>
             </a:r>
             <a:endParaRPr lang="en-ID" dirty="0"/>
           </a:p>
@@ -8912,7 +8920,7 @@
           <p:cNvPr id="4" name="Slide Number Placeholder 3">
             <a:extLst>
               <a:ext uri="{FF2B5EF4-FFF2-40B4-BE49-F238E27FC236}">
-                <a16:creationId xmlns:a16="http://schemas.microsoft.com/office/drawing/2014/main" id="{2F419433-2B00-9A9A-EDC0-7F81294BD21A}"/>
+                <a16:creationId xmlns:a16="http://schemas.microsoft.com/office/drawing/2014/main" id="{55E7535A-9BF9-803A-D6B9-58FBD1C1DABA}"/>
               </a:ext>
             </a:extLst>
           </p:cNvPr>
@@ -8928,35 +8936,33 @@
           <a:bodyPr/>
           <a:lstStyle/>
           <a:p>
-            <a:fld id="{CF6F24BE-8BEB-403A-BDCC-38E201D0662D}" type="slidenum">
-              <a:rPr lang="en-ID" smtClean="0"/>
-              <a:pPr/>
+            <a:r>
+              <a:rPr lang="en-ID"/>
               <a:t>13</a:t>
-            </a:fld>
-            <a:endParaRPr lang="en-ID"/>
-          </a:p>
-        </p:txBody>
-      </p:sp>
-      <p:sp>
-        <p:nvSpPr>
-          <p:cNvPr id="7" name="Text Placeholder 6">
-            <a:extLst>
-              <a:ext uri="{FF2B5EF4-FFF2-40B4-BE49-F238E27FC236}">
-                <a16:creationId xmlns:a16="http://schemas.microsoft.com/office/drawing/2014/main" id="{177DB92A-FE64-1CE8-1CAA-030874A561E5}"/>
-              </a:ext>
-            </a:extLst>
-          </p:cNvPr>
-          <p:cNvSpPr>
-            <a:spLocks noGrp="1"/>
-          </p:cNvSpPr>
-          <p:nvPr>
-            <p:ph type="body" sz="quarter" idx="13"/>
-          </p:nvPr>
-        </p:nvSpPr>
-        <p:spPr>
-          <a:xfrm>
-            <a:off x="352801" y="3025767"/>
-            <a:ext cx="4132113" cy="3695708"/>
+            </a:r>
+          </a:p>
+        </p:txBody>
+      </p:sp>
+      <p:sp>
+        <p:nvSpPr>
+          <p:cNvPr id="8" name="Text Placeholder 7">
+            <a:extLst>
+              <a:ext uri="{FF2B5EF4-FFF2-40B4-BE49-F238E27FC236}">
+                <a16:creationId xmlns:a16="http://schemas.microsoft.com/office/drawing/2014/main" id="{E4B2E924-1635-FBBF-A290-8171A9EB28CF}"/>
+              </a:ext>
+            </a:extLst>
+          </p:cNvPr>
+          <p:cNvSpPr>
+            <a:spLocks noGrp="1"/>
+          </p:cNvSpPr>
+          <p:nvPr>
+            <p:ph type="body" sz="quarter" idx="15"/>
+          </p:nvPr>
+        </p:nvSpPr>
+        <p:spPr>
+          <a:xfrm>
+            <a:off x="4389120" y="4433568"/>
+            <a:ext cx="7040880" cy="2424431"/>
           </a:xfrm>
         </p:spPr>
         <p:txBody>
@@ -8965,32 +8971,31 @@
           <a:p>
             <a:r>
               <a:rPr lang="en-US" sz="2000" dirty="0"/>
-              <a:t>The first model evaluated how varying production budgets influence the worldwide gross of films. By examining historical data, this model helps identify budget ranges that maximize revenue outcomes, providing valuable insights for studios when allocating resources</a:t>
-            </a:r>
-            <a:endParaRPr lang="ru-RU" sz="2000" dirty="0"/>
-          </a:p>
-        </p:txBody>
-      </p:sp>
-      <p:sp>
-        <p:nvSpPr>
-          <p:cNvPr id="8" name="Text Placeholder 7">
-            <a:extLst>
-              <a:ext uri="{FF2B5EF4-FFF2-40B4-BE49-F238E27FC236}">
-                <a16:creationId xmlns:a16="http://schemas.microsoft.com/office/drawing/2014/main" id="{47B18613-4568-695A-0DE3-336A49E75B5E}"/>
-              </a:ext>
-            </a:extLst>
-          </p:cNvPr>
-          <p:cNvSpPr>
-            <a:spLocks noGrp="1"/>
-          </p:cNvSpPr>
-          <p:nvPr>
-            <p:ph type="body" sz="quarter" idx="17"/>
-          </p:nvPr>
-        </p:nvSpPr>
-        <p:spPr>
-          <a:xfrm>
-            <a:off x="352801" y="2198914"/>
-            <a:ext cx="4284513" cy="826853"/>
+              <a:t>Our studio should focus on producing high-quality films in genres with international appeal, like Classics and Comedy. We must adjust production budgets wisely, and engage audiences via social media and targeted marketing to meet market demands.</a:t>
+            </a:r>
+          </a:p>
+        </p:txBody>
+      </p:sp>
+      <p:sp>
+        <p:nvSpPr>
+          <p:cNvPr id="9" name="Text Placeholder 8">
+            <a:extLst>
+              <a:ext uri="{FF2B5EF4-FFF2-40B4-BE49-F238E27FC236}">
+                <a16:creationId xmlns:a16="http://schemas.microsoft.com/office/drawing/2014/main" id="{84615FAF-4846-D257-002C-CC0E3DC9BD42}"/>
+              </a:ext>
+            </a:extLst>
+          </p:cNvPr>
+          <p:cNvSpPr>
+            <a:spLocks noGrp="1"/>
+          </p:cNvSpPr>
+          <p:nvPr>
+            <p:ph type="body" sz="quarter" idx="16"/>
+          </p:nvPr>
+        </p:nvSpPr>
+        <p:spPr>
+          <a:xfrm>
+            <a:off x="4480560" y="3989069"/>
+            <a:ext cx="6488192" cy="444499"/>
           </a:xfrm>
         </p:spPr>
         <p:txBody>
@@ -8999,50 +9004,105 @@
           <a:p>
             <a:r>
               <a:rPr lang="en-US" sz="1800" dirty="0"/>
-              <a:t>Impact of Production Budget on Worldwide Gross</a:t>
+              <a:t>Guidelines for Success</a:t>
             </a:r>
           </a:p>
         </p:txBody>
       </p:sp>
       <p:pic>
         <p:nvPicPr>
-          <p:cNvPr id="12" name="Picture Placeholder 11">
-            <a:extLst>
-              <a:ext uri="{FF2B5EF4-FFF2-40B4-BE49-F238E27FC236}">
-                <a16:creationId xmlns:a16="http://schemas.microsoft.com/office/drawing/2014/main" id="{14FB43FC-5818-9344-53C1-1E6BB02D2C74}"/>
-              </a:ext>
-            </a:extLst>
-          </p:cNvPr>
-          <p:cNvPicPr preferRelativeResize="0">
-            <a:picLocks noGrp="1"/>
+          <p:cNvPr id="11" name="Picture 10">
+            <a:extLst>
+              <a:ext uri="{FF2B5EF4-FFF2-40B4-BE49-F238E27FC236}">
+                <a16:creationId xmlns:a16="http://schemas.microsoft.com/office/drawing/2014/main" id="{3EBA834D-FC44-FA34-9E32-F262232E7482}"/>
+              </a:ext>
+            </a:extLst>
+          </p:cNvPr>
+          <p:cNvPicPr>
+            <a:picLocks/>
           </p:cNvPicPr>
-          <p:nvPr>
-            <p:ph type="pic" sz="quarter" idx="12"/>
-          </p:nvPr>
+          <p:nvPr/>
         </p:nvPicPr>
         <p:blipFill>
-          <a:blip r:embed="rId2">
-            <a:extLst>
-              <a:ext uri="{28A0092B-C50C-407E-A947-70E740481C1C}">
-                <a14:useLocalDpi xmlns:a14="http://schemas.microsoft.com/office/drawing/2010/main" val="0"/>
-              </a:ext>
-            </a:extLst>
-          </a:blip>
+          <a:blip r:embed="rId2"/>
           <a:stretch>
             <a:fillRect/>
           </a:stretch>
         </p:blipFill>
         <p:spPr>
           <a:xfrm>
-            <a:off x="4928894" y="657921"/>
-            <a:ext cx="6411896" cy="5876693"/>
-          </a:xfrm>
+            <a:off x="7689114" y="576078"/>
+            <a:ext cx="3279453" cy="3279453"/>
+          </a:xfrm>
+          <a:prstGeom prst="rect">
+            <a:avLst/>
+          </a:prstGeom>
+        </p:spPr>
+      </p:pic>
+      <p:pic>
+        <p:nvPicPr>
+          <p:cNvPr id="15" name="Picture 14">
+            <a:extLst>
+              <a:ext uri="{FF2B5EF4-FFF2-40B4-BE49-F238E27FC236}">
+                <a16:creationId xmlns:a16="http://schemas.microsoft.com/office/drawing/2014/main" id="{51D1168C-27BC-9522-7A22-1144B49D33BC}"/>
+              </a:ext>
+            </a:extLst>
+          </p:cNvPr>
+          <p:cNvPicPr>
+            <a:picLocks/>
+          </p:cNvPicPr>
+          <p:nvPr/>
+        </p:nvPicPr>
+        <p:blipFill>
+          <a:blip r:embed="rId3"/>
+          <a:stretch>
+            <a:fillRect/>
+          </a:stretch>
+        </p:blipFill>
+        <p:spPr>
+          <a:xfrm>
+            <a:off x="4078600" y="576078"/>
+            <a:ext cx="3279453" cy="3279453"/>
+          </a:xfrm>
+          <a:prstGeom prst="rect">
+            <a:avLst/>
+          </a:prstGeom>
+        </p:spPr>
+      </p:pic>
+      <p:pic>
+        <p:nvPicPr>
+          <p:cNvPr id="16" name="Picture 15">
+            <a:extLst>
+              <a:ext uri="{FF2B5EF4-FFF2-40B4-BE49-F238E27FC236}">
+                <a16:creationId xmlns:a16="http://schemas.microsoft.com/office/drawing/2014/main" id="{D59B9FA1-B23F-0ABF-236F-001EFBB060C9}"/>
+              </a:ext>
+            </a:extLst>
+          </p:cNvPr>
+          <p:cNvPicPr>
+            <a:picLocks/>
+          </p:cNvPicPr>
+          <p:nvPr/>
+        </p:nvPicPr>
+        <p:blipFill>
+          <a:blip r:embed="rId4"/>
+          <a:stretch>
+            <a:fillRect/>
+          </a:stretch>
+        </p:blipFill>
+        <p:spPr>
+          <a:xfrm>
+            <a:off x="468086" y="576078"/>
+            <a:ext cx="3279453" cy="3279453"/>
+          </a:xfrm>
+          <a:prstGeom prst="rect">
+            <a:avLst/>
+          </a:prstGeom>
         </p:spPr>
       </p:pic>
     </p:spTree>
     <p:extLst>
       <p:ext uri="{BB962C8B-B14F-4D97-AF65-F5344CB8AC3E}">
-        <p14:creationId xmlns:p14="http://schemas.microsoft.com/office/powerpoint/2010/main" val="1322344699"/>
+        <p14:creationId xmlns:p14="http://schemas.microsoft.com/office/powerpoint/2010/main" val="3332611580"/>
       </p:ext>
     </p:extLst>
   </p:cSld>
@@ -9053,221 +9113,6 @@
 </file>
 
 <file path=ppt/slides/slide14.xml><?xml version="1.0" encoding="utf-8"?>
-<p:sld xmlns:a="http://schemas.openxmlformats.org/drawingml/2006/main" xmlns:r="http://schemas.openxmlformats.org/officeDocument/2006/relationships" xmlns:p="http://schemas.openxmlformats.org/presentationml/2006/main">
-  <p:cSld>
-    <p:spTree>
-      <p:nvGrpSpPr>
-        <p:cNvPr id="1" name="">
-          <a:extLst>
-            <a:ext uri="{FF2B5EF4-FFF2-40B4-BE49-F238E27FC236}">
-              <a16:creationId xmlns:a16="http://schemas.microsoft.com/office/drawing/2014/main" id="{FAD72C70-C7BD-7092-B07E-A6503A8069F6}"/>
-            </a:ext>
-          </a:extLst>
-        </p:cNvPr>
-        <p:cNvGrpSpPr/>
-        <p:nvPr/>
-      </p:nvGrpSpPr>
-      <p:grpSpPr>
-        <a:xfrm>
-          <a:off x="0" y="0"/>
-          <a:ext cx="0" cy="0"/>
-          <a:chOff x="0" y="0"/>
-          <a:chExt cx="0" cy="0"/>
-        </a:xfrm>
-      </p:grpSpPr>
-      <p:sp>
-        <p:nvSpPr>
-          <p:cNvPr id="2" name="Title 1">
-            <a:extLst>
-              <a:ext uri="{FF2B5EF4-FFF2-40B4-BE49-F238E27FC236}">
-                <a16:creationId xmlns:a16="http://schemas.microsoft.com/office/drawing/2014/main" id="{06BDF468-771F-DEEB-C001-8FEF3FD97313}"/>
-              </a:ext>
-            </a:extLst>
-          </p:cNvPr>
-          <p:cNvSpPr>
-            <a:spLocks noGrp="1"/>
-          </p:cNvSpPr>
-          <p:nvPr>
-            <p:ph type="title"/>
-          </p:nvPr>
-        </p:nvSpPr>
-        <p:spPr>
-          <a:xfrm>
-            <a:off x="352801" y="575019"/>
-            <a:ext cx="5123015" cy="1253781"/>
-          </a:xfrm>
-        </p:spPr>
-        <p:txBody>
-          <a:bodyPr/>
-          <a:lstStyle/>
-          <a:p>
-            <a:r>
-              <a:rPr lang="en-US" dirty="0"/>
-              <a:t>MODEL EVALUATION</a:t>
-            </a:r>
-            <a:endParaRPr lang="ru-RU" dirty="0"/>
-          </a:p>
-        </p:txBody>
-      </p:sp>
-      <p:sp>
-        <p:nvSpPr>
-          <p:cNvPr id="3" name="Footer Placeholder 2">
-            <a:extLst>
-              <a:ext uri="{FF2B5EF4-FFF2-40B4-BE49-F238E27FC236}">
-                <a16:creationId xmlns:a16="http://schemas.microsoft.com/office/drawing/2014/main" id="{B17D96A8-F826-F84A-7F10-93DFC1DC18C4}"/>
-              </a:ext>
-            </a:extLst>
-          </p:cNvPr>
-          <p:cNvSpPr>
-            <a:spLocks noGrp="1"/>
-          </p:cNvSpPr>
-          <p:nvPr>
-            <p:ph type="ftr" sz="quarter" idx="10"/>
-          </p:nvPr>
-        </p:nvSpPr>
-        <p:spPr/>
-        <p:txBody>
-          <a:bodyPr/>
-          <a:lstStyle/>
-          <a:p>
-            <a:r>
-              <a:rPr lang="en-ID"/>
-              <a:t>TOP PERFORMING GENRES</a:t>
-            </a:r>
-            <a:endParaRPr lang="en-ID" dirty="0"/>
-          </a:p>
-        </p:txBody>
-      </p:sp>
-      <p:sp>
-        <p:nvSpPr>
-          <p:cNvPr id="4" name="Slide Number Placeholder 3">
-            <a:extLst>
-              <a:ext uri="{FF2B5EF4-FFF2-40B4-BE49-F238E27FC236}">
-                <a16:creationId xmlns:a16="http://schemas.microsoft.com/office/drawing/2014/main" id="{032801DD-586A-F7F6-7979-F2F9A4EB023A}"/>
-              </a:ext>
-            </a:extLst>
-          </p:cNvPr>
-          <p:cNvSpPr>
-            <a:spLocks noGrp="1"/>
-          </p:cNvSpPr>
-          <p:nvPr>
-            <p:ph type="sldNum" sz="quarter" idx="11"/>
-          </p:nvPr>
-        </p:nvSpPr>
-        <p:spPr/>
-        <p:txBody>
-          <a:bodyPr/>
-          <a:lstStyle/>
-          <a:p>
-            <a:fld id="{CF6F24BE-8BEB-403A-BDCC-38E201D0662D}" type="slidenum">
-              <a:rPr lang="en-ID" smtClean="0"/>
-              <a:pPr/>
-              <a:t>14</a:t>
-            </a:fld>
-            <a:endParaRPr lang="en-ID"/>
-          </a:p>
-        </p:txBody>
-      </p:sp>
-      <p:sp>
-        <p:nvSpPr>
-          <p:cNvPr id="7" name="Text Placeholder 6">
-            <a:extLst>
-              <a:ext uri="{FF2B5EF4-FFF2-40B4-BE49-F238E27FC236}">
-                <a16:creationId xmlns:a16="http://schemas.microsoft.com/office/drawing/2014/main" id="{A2BAD5A1-C014-84B5-1C29-0E6146725CAD}"/>
-              </a:ext>
-            </a:extLst>
-          </p:cNvPr>
-          <p:cNvSpPr>
-            <a:spLocks noGrp="1"/>
-          </p:cNvSpPr>
-          <p:nvPr>
-            <p:ph type="body" sz="quarter" idx="13"/>
-          </p:nvPr>
-        </p:nvSpPr>
-        <p:spPr>
-          <a:xfrm>
-            <a:off x="352801" y="2775857"/>
-            <a:ext cx="5123015" cy="3945619"/>
-          </a:xfrm>
-        </p:spPr>
-        <p:txBody>
-          <a:bodyPr/>
-          <a:lstStyle/>
-          <a:p>
-            <a:endParaRPr lang="ru-RU" sz="2000" dirty="0"/>
-          </a:p>
-        </p:txBody>
-      </p:sp>
-      <p:sp>
-        <p:nvSpPr>
-          <p:cNvPr id="8" name="Text Placeholder 7">
-            <a:extLst>
-              <a:ext uri="{FF2B5EF4-FFF2-40B4-BE49-F238E27FC236}">
-                <a16:creationId xmlns:a16="http://schemas.microsoft.com/office/drawing/2014/main" id="{B7F55F53-45CE-4D8D-74EC-C4CB2008CF18}"/>
-              </a:ext>
-            </a:extLst>
-          </p:cNvPr>
-          <p:cNvSpPr>
-            <a:spLocks noGrp="1"/>
-          </p:cNvSpPr>
-          <p:nvPr>
-            <p:ph type="body" sz="quarter" idx="17"/>
-          </p:nvPr>
-        </p:nvSpPr>
-        <p:spPr>
-          <a:xfrm>
-            <a:off x="352801" y="2057400"/>
-            <a:ext cx="4876800" cy="489857"/>
-          </a:xfrm>
-        </p:spPr>
-        <p:txBody>
-          <a:bodyPr/>
-          <a:lstStyle/>
-          <a:p>
-            <a:r>
-              <a:rPr lang="en-US" sz="1800" dirty="0"/>
-              <a:t>Trend in Movie Production</a:t>
-            </a:r>
-          </a:p>
-        </p:txBody>
-      </p:sp>
-      <p:sp>
-        <p:nvSpPr>
-          <p:cNvPr id="24" name="Picture Placeholder 23">
-            <a:extLst>
-              <a:ext uri="{FF2B5EF4-FFF2-40B4-BE49-F238E27FC236}">
-                <a16:creationId xmlns:a16="http://schemas.microsoft.com/office/drawing/2014/main" id="{4A764C28-215D-E64F-D6CD-1D05A2E80774}"/>
-              </a:ext>
-            </a:extLst>
-          </p:cNvPr>
-          <p:cNvSpPr>
-            <a:spLocks noGrp="1"/>
-          </p:cNvSpPr>
-          <p:nvPr>
-            <p:ph type="pic" sz="quarter" idx="12"/>
-          </p:nvPr>
-        </p:nvSpPr>
-        <p:spPr>
-          <a:xfrm>
-            <a:off x="5714999" y="136524"/>
-            <a:ext cx="5867401" cy="6584952"/>
-          </a:xfrm>
-        </p:spPr>
-      </p:sp>
-    </p:spTree>
-    <p:extLst>
-      <p:ext uri="{BB962C8B-B14F-4D97-AF65-F5344CB8AC3E}">
-        <p14:creationId xmlns:p14="http://schemas.microsoft.com/office/powerpoint/2010/main" val="488935035"/>
-      </p:ext>
-    </p:extLst>
-  </p:cSld>
-  <p:clrMapOvr>
-    <a:masterClrMapping/>
-  </p:clrMapOvr>
-</p:sld>
-</file>
-
-<file path=ppt/slides/slide15.xml><?xml version="1.0" encoding="utf-8"?>
 <p:sld xmlns:a="http://schemas.openxmlformats.org/drawingml/2006/main" xmlns:r="http://schemas.openxmlformats.org/officeDocument/2006/relationships" xmlns:p="http://schemas.openxmlformats.org/presentationml/2006/main">
   <p:cSld>
     <p:spTree>
@@ -9289,282 +9134,6 @@
           <p:cNvPr id="2" name="Title 1">
             <a:extLst>
               <a:ext uri="{FF2B5EF4-FFF2-40B4-BE49-F238E27FC236}">
-                <a16:creationId xmlns:a16="http://schemas.microsoft.com/office/drawing/2014/main" id="{210E571D-AD5E-7DB4-7554-D994EEB1B37A}"/>
-              </a:ext>
-            </a:extLst>
-          </p:cNvPr>
-          <p:cNvSpPr>
-            <a:spLocks noGrp="1"/>
-          </p:cNvSpPr>
-          <p:nvPr>
-            <p:ph type="title"/>
-          </p:nvPr>
-        </p:nvSpPr>
-        <p:spPr>
-          <a:xfrm>
-            <a:off x="468086" y="4162370"/>
-            <a:ext cx="3820887" cy="2313826"/>
-          </a:xfrm>
-        </p:spPr>
-        <p:txBody>
-          <a:bodyPr/>
-          <a:lstStyle/>
-          <a:p>
-            <a:r>
-              <a:rPr lang="en-US" dirty="0"/>
-              <a:t>STRATEGIC INSIGHTS</a:t>
-            </a:r>
-          </a:p>
-        </p:txBody>
-      </p:sp>
-      <p:sp>
-        <p:nvSpPr>
-          <p:cNvPr id="3" name="Footer Placeholder 2">
-            <a:extLst>
-              <a:ext uri="{FF2B5EF4-FFF2-40B4-BE49-F238E27FC236}">
-                <a16:creationId xmlns:a16="http://schemas.microsoft.com/office/drawing/2014/main" id="{3DD3D19B-5071-932E-4370-82C9F71D1301}"/>
-              </a:ext>
-            </a:extLst>
-          </p:cNvPr>
-          <p:cNvSpPr>
-            <a:spLocks noGrp="1"/>
-          </p:cNvSpPr>
-          <p:nvPr>
-            <p:ph type="ftr" sz="quarter" idx="10"/>
-          </p:nvPr>
-        </p:nvSpPr>
-        <p:spPr/>
-        <p:txBody>
-          <a:bodyPr/>
-          <a:lstStyle/>
-          <a:p>
-            <a:r>
-              <a:rPr lang="en-ID"/>
-              <a:t>BREAKING INTO FILM</a:t>
-            </a:r>
-            <a:endParaRPr lang="en-ID" dirty="0"/>
-          </a:p>
-        </p:txBody>
-      </p:sp>
-      <p:sp>
-        <p:nvSpPr>
-          <p:cNvPr id="4" name="Slide Number Placeholder 3">
-            <a:extLst>
-              <a:ext uri="{FF2B5EF4-FFF2-40B4-BE49-F238E27FC236}">
-                <a16:creationId xmlns:a16="http://schemas.microsoft.com/office/drawing/2014/main" id="{55E7535A-9BF9-803A-D6B9-58FBD1C1DABA}"/>
-              </a:ext>
-            </a:extLst>
-          </p:cNvPr>
-          <p:cNvSpPr>
-            <a:spLocks noGrp="1"/>
-          </p:cNvSpPr>
-          <p:nvPr>
-            <p:ph type="sldNum" sz="quarter" idx="11"/>
-          </p:nvPr>
-        </p:nvSpPr>
-        <p:spPr/>
-        <p:txBody>
-          <a:bodyPr/>
-          <a:lstStyle/>
-          <a:p>
-            <a:r>
-              <a:rPr lang="en-ID"/>
-              <a:t>13</a:t>
-            </a:r>
-          </a:p>
-        </p:txBody>
-      </p:sp>
-      <p:sp>
-        <p:nvSpPr>
-          <p:cNvPr id="8" name="Text Placeholder 7">
-            <a:extLst>
-              <a:ext uri="{FF2B5EF4-FFF2-40B4-BE49-F238E27FC236}">
-                <a16:creationId xmlns:a16="http://schemas.microsoft.com/office/drawing/2014/main" id="{E4B2E924-1635-FBBF-A290-8171A9EB28CF}"/>
-              </a:ext>
-            </a:extLst>
-          </p:cNvPr>
-          <p:cNvSpPr>
-            <a:spLocks noGrp="1"/>
-          </p:cNvSpPr>
-          <p:nvPr>
-            <p:ph type="body" sz="quarter" idx="15"/>
-          </p:nvPr>
-        </p:nvSpPr>
-        <p:spPr>
-          <a:xfrm>
-            <a:off x="4389120" y="4433568"/>
-            <a:ext cx="7040880" cy="2424431"/>
-          </a:xfrm>
-        </p:spPr>
-        <p:txBody>
-          <a:bodyPr/>
-          <a:lstStyle/>
-          <a:p>
-            <a:r>
-              <a:rPr lang="en-US" sz="2000" dirty="0"/>
-              <a:t>Our studio should focus on producing high-quality films in genres with international appeal, like Classics and Comedy. We must adjust production budgets wisely, and engage audiences via social media and targeted marketing to meet market demands.</a:t>
-            </a:r>
-          </a:p>
-        </p:txBody>
-      </p:sp>
-      <p:sp>
-        <p:nvSpPr>
-          <p:cNvPr id="9" name="Text Placeholder 8">
-            <a:extLst>
-              <a:ext uri="{FF2B5EF4-FFF2-40B4-BE49-F238E27FC236}">
-                <a16:creationId xmlns:a16="http://schemas.microsoft.com/office/drawing/2014/main" id="{84615FAF-4846-D257-002C-CC0E3DC9BD42}"/>
-              </a:ext>
-            </a:extLst>
-          </p:cNvPr>
-          <p:cNvSpPr>
-            <a:spLocks noGrp="1"/>
-          </p:cNvSpPr>
-          <p:nvPr>
-            <p:ph type="body" sz="quarter" idx="16"/>
-          </p:nvPr>
-        </p:nvSpPr>
-        <p:spPr>
-          <a:xfrm>
-            <a:off x="4480560" y="3989069"/>
-            <a:ext cx="6488192" cy="444499"/>
-          </a:xfrm>
-        </p:spPr>
-        <p:txBody>
-          <a:bodyPr/>
-          <a:lstStyle/>
-          <a:p>
-            <a:r>
-              <a:rPr lang="en-US" sz="1800" dirty="0"/>
-              <a:t>Guidelines for Success</a:t>
-            </a:r>
-          </a:p>
-        </p:txBody>
-      </p:sp>
-      <p:pic>
-        <p:nvPicPr>
-          <p:cNvPr id="11" name="Picture 10">
-            <a:extLst>
-              <a:ext uri="{FF2B5EF4-FFF2-40B4-BE49-F238E27FC236}">
-                <a16:creationId xmlns:a16="http://schemas.microsoft.com/office/drawing/2014/main" id="{3EBA834D-FC44-FA34-9E32-F262232E7482}"/>
-              </a:ext>
-            </a:extLst>
-          </p:cNvPr>
-          <p:cNvPicPr>
-            <a:picLocks/>
-          </p:cNvPicPr>
-          <p:nvPr/>
-        </p:nvPicPr>
-        <p:blipFill>
-          <a:blip r:embed="rId2"/>
-          <a:stretch>
-            <a:fillRect/>
-          </a:stretch>
-        </p:blipFill>
-        <p:spPr>
-          <a:xfrm>
-            <a:off x="7689114" y="576078"/>
-            <a:ext cx="3279453" cy="3279453"/>
-          </a:xfrm>
-          <a:prstGeom prst="rect">
-            <a:avLst/>
-          </a:prstGeom>
-        </p:spPr>
-      </p:pic>
-      <p:pic>
-        <p:nvPicPr>
-          <p:cNvPr id="15" name="Picture 14">
-            <a:extLst>
-              <a:ext uri="{FF2B5EF4-FFF2-40B4-BE49-F238E27FC236}">
-                <a16:creationId xmlns:a16="http://schemas.microsoft.com/office/drawing/2014/main" id="{51D1168C-27BC-9522-7A22-1144B49D33BC}"/>
-              </a:ext>
-            </a:extLst>
-          </p:cNvPr>
-          <p:cNvPicPr>
-            <a:picLocks/>
-          </p:cNvPicPr>
-          <p:nvPr/>
-        </p:nvPicPr>
-        <p:blipFill>
-          <a:blip r:embed="rId3"/>
-          <a:stretch>
-            <a:fillRect/>
-          </a:stretch>
-        </p:blipFill>
-        <p:spPr>
-          <a:xfrm>
-            <a:off x="4078600" y="576078"/>
-            <a:ext cx="3279453" cy="3279453"/>
-          </a:xfrm>
-          <a:prstGeom prst="rect">
-            <a:avLst/>
-          </a:prstGeom>
-        </p:spPr>
-      </p:pic>
-      <p:pic>
-        <p:nvPicPr>
-          <p:cNvPr id="16" name="Picture 15">
-            <a:extLst>
-              <a:ext uri="{FF2B5EF4-FFF2-40B4-BE49-F238E27FC236}">
-                <a16:creationId xmlns:a16="http://schemas.microsoft.com/office/drawing/2014/main" id="{D59B9FA1-B23F-0ABF-236F-001EFBB060C9}"/>
-              </a:ext>
-            </a:extLst>
-          </p:cNvPr>
-          <p:cNvPicPr>
-            <a:picLocks/>
-          </p:cNvPicPr>
-          <p:nvPr/>
-        </p:nvPicPr>
-        <p:blipFill>
-          <a:blip r:embed="rId4"/>
-          <a:stretch>
-            <a:fillRect/>
-          </a:stretch>
-        </p:blipFill>
-        <p:spPr>
-          <a:xfrm>
-            <a:off x="468086" y="576078"/>
-            <a:ext cx="3279453" cy="3279453"/>
-          </a:xfrm>
-          <a:prstGeom prst="rect">
-            <a:avLst/>
-          </a:prstGeom>
-        </p:spPr>
-      </p:pic>
-    </p:spTree>
-    <p:extLst>
-      <p:ext uri="{BB962C8B-B14F-4D97-AF65-F5344CB8AC3E}">
-        <p14:creationId xmlns:p14="http://schemas.microsoft.com/office/powerpoint/2010/main" val="3332611580"/>
-      </p:ext>
-    </p:extLst>
-  </p:cSld>
-  <p:clrMapOvr>
-    <a:masterClrMapping/>
-  </p:clrMapOvr>
-</p:sld>
-</file>
-
-<file path=ppt/slides/slide16.xml><?xml version="1.0" encoding="utf-8"?>
-<p:sld xmlns:a="http://schemas.openxmlformats.org/drawingml/2006/main" xmlns:r="http://schemas.openxmlformats.org/officeDocument/2006/relationships" xmlns:p="http://schemas.openxmlformats.org/presentationml/2006/main">
-  <p:cSld>
-    <p:spTree>
-      <p:nvGrpSpPr>
-        <p:cNvPr id="1" name=""/>
-        <p:cNvGrpSpPr/>
-        <p:nvPr/>
-      </p:nvGrpSpPr>
-      <p:grpSpPr>
-        <a:xfrm>
-          <a:off x="0" y="0"/>
-          <a:ext cx="0" cy="0"/>
-          <a:chOff x="0" y="0"/>
-          <a:chExt cx="0" cy="0"/>
-        </a:xfrm>
-      </p:grpSpPr>
-      <p:sp>
-        <p:nvSpPr>
-          <p:cNvPr id="2" name="Title 1">
-            <a:extLst>
-              <a:ext uri="{FF2B5EF4-FFF2-40B4-BE49-F238E27FC236}">
                 <a16:creationId xmlns:a16="http://schemas.microsoft.com/office/drawing/2014/main" id="{0F6539E4-84DE-7FF7-00B0-F57CE40FB5E9}"/>
               </a:ext>
             </a:extLst>
@@ -9641,7 +9210,7 @@
             <a:fld id="{CF6F24BE-8BEB-403A-BDCC-38E201D0662D}" type="slidenum">
               <a:rPr lang="en-ID" smtClean="0"/>
               <a:pPr/>
-              <a:t>16</a:t>
+              <a:t>14</a:t>
             </a:fld>
             <a:endParaRPr lang="en-ID"/>
           </a:p>
@@ -9746,7 +9315,7 @@
 </p:sld>
 </file>
 
-<file path=ppt/slides/slide17.xml><?xml version="1.0" encoding="utf-8"?>
+<file path=ppt/slides/slide15.xml><?xml version="1.0" encoding="utf-8"?>
 <p:sld xmlns:a="http://schemas.openxmlformats.org/drawingml/2006/main" xmlns:r="http://schemas.openxmlformats.org/officeDocument/2006/relationships" xmlns:p="http://schemas.openxmlformats.org/presentationml/2006/main">
   <p:cSld>
     <p:spTree>
@@ -9933,7 +9502,7 @@
                 <a:tabLst/>
                 <a:defRPr/>
               </a:pPr>
-              <a:t>17</a:t>
+              <a:t>15</a:t>
             </a:fld>
             <a:endParaRPr kumimoji="0" lang="en-ID" sz="1210" b="1" i="0" u="none" strike="noStrike" kern="1200" cap="none" spc="0" normalizeH="0" baseline="0" noProof="0">
               <a:ln>
@@ -10994,43 +10563,36 @@
             <a:picLocks noGrp="1" noChangeAspect="1"/>
           </p:cNvPicPr>
           <p:nvPr>
-            <p:ph type="pic" sz="quarter" idx="14"/>
+            <p:ph type="pic" sz="quarter" idx="12"/>
           </p:nvPr>
         </p:nvPicPr>
         <p:blipFill>
           <a:blip r:embed="rId2"/>
-          <a:srcRect l="17691" r="17691"/>
-          <a:stretch>
-            <a:fillRect/>
-          </a:stretch>
+          <a:srcRect l="31570" r="31570"/>
+          <a:stretch/>
         </p:blipFill>
-        <p:spPr>
-          <a:xfrm>
-            <a:off x="330200" y="495300"/>
-            <a:ext cx="3309006" cy="3415688"/>
-          </a:xfrm>
-        </p:spPr>
+        <p:spPr/>
       </p:pic>
       <p:sp>
         <p:nvSpPr>
-          <p:cNvPr id="5" name="Text Placeholder 4">
-            <a:extLst>
-              <a:ext uri="{FF2B5EF4-FFF2-40B4-BE49-F238E27FC236}">
-                <a16:creationId xmlns:a16="http://schemas.microsoft.com/office/drawing/2014/main" id="{D96C1436-7040-9A1F-2A89-D736390CCBD5}"/>
-              </a:ext>
-            </a:extLst>
-          </p:cNvPr>
-          <p:cNvSpPr>
-            <a:spLocks noGrp="1"/>
-          </p:cNvSpPr>
-          <p:nvPr>
-            <p:ph type="body" sz="quarter" idx="15"/>
-          </p:nvPr>
-        </p:nvSpPr>
-        <p:spPr>
-          <a:xfrm>
-            <a:off x="517793" y="4748270"/>
-            <a:ext cx="7813407" cy="1892015"/>
+          <p:cNvPr id="9" name="Text Placeholder 8">
+            <a:extLst>
+              <a:ext uri="{FF2B5EF4-FFF2-40B4-BE49-F238E27FC236}">
+                <a16:creationId xmlns:a16="http://schemas.microsoft.com/office/drawing/2014/main" id="{A6FCC6E0-EBA5-B7DF-518C-A3DBDCB69DD8}"/>
+              </a:ext>
+            </a:extLst>
+          </p:cNvPr>
+          <p:cNvSpPr>
+            <a:spLocks noGrp="1"/>
+          </p:cNvSpPr>
+          <p:nvPr>
+            <p:ph type="body" sz="quarter" idx="13"/>
+          </p:nvPr>
+        </p:nvSpPr>
+        <p:spPr>
+          <a:xfrm>
+            <a:off x="4187687" y="3287486"/>
+            <a:ext cx="6780880" cy="2996048"/>
           </a:xfrm>
         </p:spPr>
         <p:txBody>
@@ -11041,64 +10603,32 @@
               <a:rPr lang="en-US" sz="2000" dirty="0"/>
               <a:t>A film's popularity score gives us a glimpse into its cultural and commercial connection with audiences. The average rating reflects shared thoughts from critics and viewers, acting as a guide to how well a film is valued and its storytelling brilliance.</a:t>
             </a:r>
+          </a:p>
+          <a:p>
             <a:endParaRPr lang="ru-RU" sz="2000" dirty="0"/>
           </a:p>
         </p:txBody>
       </p:sp>
       <p:sp>
         <p:nvSpPr>
-          <p:cNvPr id="9" name="Text Placeholder 8">
-            <a:extLst>
-              <a:ext uri="{FF2B5EF4-FFF2-40B4-BE49-F238E27FC236}">
-                <a16:creationId xmlns:a16="http://schemas.microsoft.com/office/drawing/2014/main" id="{A6FCC6E0-EBA5-B7DF-518C-A3DBDCB69DD8}"/>
-              </a:ext>
-            </a:extLst>
-          </p:cNvPr>
-          <p:cNvSpPr>
-            <a:spLocks noGrp="1"/>
-          </p:cNvSpPr>
-          <p:nvPr>
-            <p:ph type="body" sz="quarter" idx="16"/>
-          </p:nvPr>
-        </p:nvSpPr>
-        <p:spPr>
-          <a:xfrm>
-            <a:off x="4375275" y="2605448"/>
-            <a:ext cx="6593292" cy="1383965"/>
-          </a:xfrm>
-        </p:spPr>
-        <p:txBody>
-          <a:bodyPr/>
-          <a:lstStyle/>
-          <a:p>
-            <a:r>
-              <a:rPr lang="en-US" sz="2000" dirty="0"/>
-              <a:t>Film production trends reveal industry shifts. Understanding these trends helps studios balance creative expression with audience demand.</a:t>
-            </a:r>
-            <a:endParaRPr lang="ru-RU" sz="2000" dirty="0"/>
-          </a:p>
-        </p:txBody>
-      </p:sp>
-      <p:sp>
-        <p:nvSpPr>
-          <p:cNvPr id="7" name="Text Placeholder 6">
-            <a:extLst>
-              <a:ext uri="{FF2B5EF4-FFF2-40B4-BE49-F238E27FC236}">
-                <a16:creationId xmlns:a16="http://schemas.microsoft.com/office/drawing/2014/main" id="{DBFDF789-4136-FF63-BD68-0550560C0FDE}"/>
-              </a:ext>
-            </a:extLst>
-          </p:cNvPr>
-          <p:cNvSpPr>
-            <a:spLocks noGrp="1"/>
-          </p:cNvSpPr>
-          <p:nvPr>
-            <p:ph type="body" sz="quarter" idx="17"/>
-          </p:nvPr>
-        </p:nvSpPr>
-        <p:spPr>
-          <a:xfrm>
-            <a:off x="517793" y="4126523"/>
-            <a:ext cx="7813407" cy="478607"/>
+          <p:cNvPr id="8" name="Text Placeholder 7">
+            <a:extLst>
+              <a:ext uri="{FF2B5EF4-FFF2-40B4-BE49-F238E27FC236}">
+                <a16:creationId xmlns:a16="http://schemas.microsoft.com/office/drawing/2014/main" id="{6436A34A-9EF7-AAF1-AE3E-23E31EF6448B}"/>
+              </a:ext>
+            </a:extLst>
+          </p:cNvPr>
+          <p:cNvSpPr>
+            <a:spLocks noGrp="1"/>
+          </p:cNvSpPr>
+          <p:nvPr>
+            <p:ph type="body" sz="quarter" idx="14"/>
+          </p:nvPr>
+        </p:nvSpPr>
+        <p:spPr>
+          <a:xfrm>
+            <a:off x="4187826" y="2281007"/>
+            <a:ext cx="6687003" cy="864964"/>
           </a:xfrm>
         </p:spPr>
         <p:txBody>
@@ -11107,38 +10637,12 @@
           <a:p>
             <a:r>
               <a:rPr lang="en-US" sz="1800" dirty="0"/>
-              <a:t>5. UNDERSTANDING POPULARITY SCORES &amp; AVERAGE RATINGS</a:t>
+              <a:t>4. UNDERSTANDING POPULARITY SCORES &amp; AVERAGE RATINGS</a:t>
             </a:r>
             <a:endParaRPr lang="ru-RU" sz="1800" dirty="0"/>
           </a:p>
-        </p:txBody>
-      </p:sp>
-      <p:sp>
-        <p:nvSpPr>
-          <p:cNvPr id="10" name="Text Placeholder 9">
-            <a:extLst>
-              <a:ext uri="{FF2B5EF4-FFF2-40B4-BE49-F238E27FC236}">
-                <a16:creationId xmlns:a16="http://schemas.microsoft.com/office/drawing/2014/main" id="{4005B17E-9A33-414D-BF95-C26EA5ACE626}"/>
-              </a:ext>
-            </a:extLst>
-          </p:cNvPr>
-          <p:cNvSpPr>
-            <a:spLocks noGrp="1"/>
-          </p:cNvSpPr>
-          <p:nvPr>
-            <p:ph type="body" sz="quarter" idx="18"/>
-          </p:nvPr>
-        </p:nvSpPr>
-        <p:spPr/>
-        <p:txBody>
-          <a:bodyPr/>
-          <a:lstStyle/>
-          <a:p>
-            <a:r>
-              <a:rPr lang="en-US" sz="1800" dirty="0"/>
-              <a:t>4. EXPLORING PRODUCTION TRENDS</a:t>
-            </a:r>
-            <a:endParaRPr lang="ru-RU" sz="1800" dirty="0"/>
+          <a:p>
+            <a:endParaRPr lang="en-US" dirty="0"/>
           </a:p>
         </p:txBody>
       </p:sp>
@@ -11791,7 +11295,7 @@
           </a:prstGeom>
           <a:extLst>
             <a:ext uri="{C572A759-6A51-4108-AA02-DFA0A04FC94B}">
-              <ma14:wrappingTextBoxFlag xmlns:ma14="http://schemas.microsoft.com/office/mac/drawingml/2011/main" xmlns="" val="0"/>
+              <ma14:wrappingTextBoxFlag xmlns="" xmlns:ma14="http://schemas.microsoft.com/office/mac/drawingml/2011/main" val="0"/>
             </a:ext>
           </a:extLst>
         </p:spPr>
@@ -12211,7 +11715,7 @@
           </a:prstGeom>
           <a:extLst>
             <a:ext uri="{C572A759-6A51-4108-AA02-DFA0A04FC94B}">
-              <ma14:wrappingTextBoxFlag xmlns:ma14="http://schemas.microsoft.com/office/mac/drawingml/2011/main" xmlns="" val="0"/>
+              <ma14:wrappingTextBoxFlag xmlns="" xmlns:ma14="http://schemas.microsoft.com/office/mac/drawingml/2011/main" val="0"/>
             </a:ext>
           </a:extLst>
         </p:spPr>
